--- a/Echo_Device/ppts/1_Echo_Show_Evidence_Planting.pptx
+++ b/Echo_Device/ppts/1_Echo_Show_Evidence_Planting.pptx
@@ -5,23 +5,26 @@
     <p:sldMasterId id="2147483648" r:id="rId1"/>
   </p:sldMasterIdLst>
   <p:notesMasterIdLst>
-    <p:notesMasterId r:id="rId16"/>
+    <p:notesMasterId r:id="rId19"/>
   </p:notesMasterIdLst>
   <p:sldIdLst>
     <p:sldId id="812" r:id="rId2"/>
     <p:sldId id="881" r:id="rId3"/>
     <p:sldId id="882" r:id="rId4"/>
-    <p:sldId id="824" r:id="rId5"/>
-    <p:sldId id="875" r:id="rId6"/>
-    <p:sldId id="883" r:id="rId7"/>
-    <p:sldId id="876" r:id="rId8"/>
-    <p:sldId id="877" r:id="rId9"/>
-    <p:sldId id="878" r:id="rId10"/>
-    <p:sldId id="879" r:id="rId11"/>
-    <p:sldId id="880" r:id="rId12"/>
-    <p:sldId id="829" r:id="rId13"/>
-    <p:sldId id="836" r:id="rId14"/>
-    <p:sldId id="837" r:id="rId15"/>
+    <p:sldId id="884" r:id="rId5"/>
+    <p:sldId id="886" r:id="rId6"/>
+    <p:sldId id="824" r:id="rId7"/>
+    <p:sldId id="875" r:id="rId8"/>
+    <p:sldId id="883" r:id="rId9"/>
+    <p:sldId id="876" r:id="rId10"/>
+    <p:sldId id="877" r:id="rId11"/>
+    <p:sldId id="878" r:id="rId12"/>
+    <p:sldId id="879" r:id="rId13"/>
+    <p:sldId id="880" r:id="rId14"/>
+    <p:sldId id="885" r:id="rId15"/>
+    <p:sldId id="829" r:id="rId16"/>
+    <p:sldId id="836" r:id="rId17"/>
+    <p:sldId id="837" r:id="rId18"/>
   </p:sldIdLst>
   <p:sldSz cx="12192000" cy="6858000"/>
   <p:notesSz cx="6858000" cy="9144000"/>
@@ -210,7 +213,7 @@
           <a:p>
             <a:fld id="{EE41F6E3-57F9-402E-BDBA-5B2DE11C8530}" type="datetimeFigureOut">
               <a:rPr lang="en-US" smtClean="0"/>
-              <a:t>12/19/23</a:t>
+              <a:t>12/26/23</a:t>
             </a:fld>
             <a:endParaRPr lang="en-US"/>
           </a:p>
@@ -606,7 +609,7 @@
           <a:p>
             <a:fld id="{41259AFC-504E-1C4E-B6EF-55A9A474ECB1}" type="datetime1">
               <a:rPr lang="en-US" smtClean="0"/>
-              <a:t>12/19/23</a:t>
+              <a:t>12/26/23</a:t>
             </a:fld>
             <a:endParaRPr lang="en-US"/>
           </a:p>
@@ -779,7 +782,7 @@
           <a:p>
             <a:fld id="{D0F9DBC4-577B-D840-8CA5-93F4B76C0210}" type="datetime1">
               <a:rPr lang="en-US" smtClean="0"/>
-              <a:t>12/19/23</a:t>
+              <a:t>12/26/23</a:t>
             </a:fld>
             <a:endParaRPr lang="en-US"/>
           </a:p>
@@ -957,7 +960,7 @@
           <a:p>
             <a:fld id="{227C5582-5046-3E42-BCC7-72ADA1A24621}" type="datetime1">
               <a:rPr lang="en-US" smtClean="0"/>
-              <a:t>12/19/23</a:t>
+              <a:t>12/26/23</a:t>
             </a:fld>
             <a:endParaRPr lang="en-US"/>
           </a:p>
@@ -1125,7 +1128,7 @@
           <a:p>
             <a:fld id="{1FD79B34-1669-4741-B0AB-B90F9E524E4C}" type="datetime1">
               <a:rPr lang="en-US" smtClean="0"/>
-              <a:t>12/19/23</a:t>
+              <a:t>12/26/23</a:t>
             </a:fld>
             <a:endParaRPr lang="en-US"/>
           </a:p>
@@ -1370,7 +1373,7 @@
           <a:p>
             <a:fld id="{BAC2E8E5-437A-4043-8EB7-FC47F00F1EF6}" type="datetime1">
               <a:rPr lang="en-US" smtClean="0"/>
-              <a:t>12/19/23</a:t>
+              <a:t>12/26/23</a:t>
             </a:fld>
             <a:endParaRPr lang="en-US"/>
           </a:p>
@@ -1599,7 +1602,7 @@
           <a:p>
             <a:fld id="{38F7D966-F9DC-0540-930B-E1258AAFF056}" type="datetime1">
               <a:rPr lang="en-US" smtClean="0"/>
-              <a:t>12/19/23</a:t>
+              <a:t>12/26/23</a:t>
             </a:fld>
             <a:endParaRPr lang="en-US"/>
           </a:p>
@@ -1963,7 +1966,7 @@
           <a:p>
             <a:fld id="{9982B607-4871-FB40-9574-39B6CEB2812A}" type="datetime1">
               <a:rPr lang="en-US" smtClean="0"/>
-              <a:t>12/19/23</a:t>
+              <a:t>12/26/23</a:t>
             </a:fld>
             <a:endParaRPr lang="en-US"/>
           </a:p>
@@ -2080,7 +2083,7 @@
           <a:p>
             <a:fld id="{AABA27B2-8C00-F84D-ABBA-9E279CB9D7DB}" type="datetime1">
               <a:rPr lang="en-US" smtClean="0"/>
-              <a:t>12/19/23</a:t>
+              <a:t>12/26/23</a:t>
             </a:fld>
             <a:endParaRPr lang="en-US"/>
           </a:p>
@@ -2175,7 +2178,7 @@
           <a:p>
             <a:fld id="{B422F593-57A6-2B42-9344-2115EAEE62EE}" type="datetime1">
               <a:rPr lang="en-US" smtClean="0"/>
-              <a:t>12/19/23</a:t>
+              <a:t>12/26/23</a:t>
             </a:fld>
             <a:endParaRPr lang="en-US"/>
           </a:p>
@@ -2450,7 +2453,7 @@
           <a:p>
             <a:fld id="{190F6A29-CBA8-FC40-8655-A3A03586A58F}" type="datetime1">
               <a:rPr lang="en-US" smtClean="0"/>
-              <a:t>12/19/23</a:t>
+              <a:t>12/26/23</a:t>
             </a:fld>
             <a:endParaRPr lang="en-US"/>
           </a:p>
@@ -2702,7 +2705,7 @@
           <a:p>
             <a:fld id="{C61BE55D-101C-1E42-8ADB-8C738A947EF3}" type="datetime1">
               <a:rPr lang="en-US" smtClean="0"/>
-              <a:t>12/19/23</a:t>
+              <a:t>12/26/23</a:t>
             </a:fld>
             <a:endParaRPr lang="en-US"/>
           </a:p>
@@ -2913,7 +2916,7 @@
           <a:p>
             <a:fld id="{953266A5-900F-614B-ABA3-875DBE56748E}" type="datetime1">
               <a:rPr lang="en-US" smtClean="0"/>
-              <a:t>12/19/23</a:t>
+              <a:t>12/26/23</a:t>
             </a:fld>
             <a:endParaRPr lang="en-US"/>
           </a:p>
@@ -3589,7 +3592,7 @@
           <a:p>
             <a:r>
               <a:rPr lang="en-US" kern="100" dirty="0"/>
-              <a:t>Playing Audio / Music</a:t>
+              <a:t>Playing Videos / Movies</a:t>
             </a:r>
             <a:endParaRPr lang="en-PK" dirty="0"/>
           </a:p>
@@ -3610,7 +3613,884 @@
           <p:nvPr>
             <p:extLst>
               <p:ext uri="{D42A27DB-BD31-4B8C-83A1-F6EECF244321}">
-                <p14:modId xmlns:p14="http://schemas.microsoft.com/office/powerpoint/2010/main" val="645275580"/>
+                <p14:modId xmlns:p14="http://schemas.microsoft.com/office/powerpoint/2010/main" val="2340875553"/>
+              </p:ext>
+            </p:extLst>
+          </p:nvPr>
+        </p:nvGraphicFramePr>
+        <p:xfrm>
+          <a:off x="838199" y="1690687"/>
+          <a:ext cx="10548801" cy="2438400"/>
+        </p:xfrm>
+        <a:graphic>
+          <a:graphicData uri="http://schemas.openxmlformats.org/drawingml/2006/table">
+            <a:tbl>
+              <a:tblPr firstRow="1" firstCol="1" bandRow="1">
+                <a:tableStyleId>{5940675A-B579-460E-94D1-54222C63F5DA}</a:tableStyleId>
+              </a:tblPr>
+              <a:tblGrid>
+                <a:gridCol w="576264">
+                  <a:extLst>
+                    <a:ext uri="{9D8B030D-6E8A-4147-A177-3AD203B41FA5}">
+                      <a16:colId xmlns:a16="http://schemas.microsoft.com/office/drawing/2014/main" val="2048541075"/>
+                    </a:ext>
+                  </a:extLst>
+                </a:gridCol>
+                <a:gridCol w="1543050">
+                  <a:extLst>
+                    <a:ext uri="{9D8B030D-6E8A-4147-A177-3AD203B41FA5}">
+                      <a16:colId xmlns:a16="http://schemas.microsoft.com/office/drawing/2014/main" val="1365377391"/>
+                    </a:ext>
+                  </a:extLst>
+                </a:gridCol>
+                <a:gridCol w="2259946">
+                  <a:extLst>
+                    <a:ext uri="{9D8B030D-6E8A-4147-A177-3AD203B41FA5}">
+                      <a16:colId xmlns:a16="http://schemas.microsoft.com/office/drawing/2014/main" val="191054896"/>
+                    </a:ext>
+                  </a:extLst>
+                </a:gridCol>
+                <a:gridCol w="3569354">
+                  <a:extLst>
+                    <a:ext uri="{9D8B030D-6E8A-4147-A177-3AD203B41FA5}">
+                      <a16:colId xmlns:a16="http://schemas.microsoft.com/office/drawing/2014/main" val="1866194607"/>
+                    </a:ext>
+                  </a:extLst>
+                </a:gridCol>
+                <a:gridCol w="2600187">
+                  <a:extLst>
+                    <a:ext uri="{9D8B030D-6E8A-4147-A177-3AD203B41FA5}">
+                      <a16:colId xmlns:a16="http://schemas.microsoft.com/office/drawing/2014/main" val="2165446263"/>
+                    </a:ext>
+                  </a:extLst>
+                </a:gridCol>
+              </a:tblGrid>
+              <a:tr h="504031">
+                <a:tc>
+                  <a:txBody>
+                    <a:bodyPr/>
+                    <a:lstStyle/>
+                    <a:p>
+                      <a:pPr algn="ctr"/>
+                      <a:r>
+                        <a:rPr lang="en-US" sz="2000" b="1" i="0" kern="100" dirty="0">
+                          <a:effectLst/>
+                          <a:latin typeface="+mn-lt"/>
+                          <a:ea typeface="Calibri" panose="020F0502020204030204" pitchFamily="34" charset="0"/>
+                          <a:cs typeface="Arial" panose="020B0604020202020204" pitchFamily="34" charset="0"/>
+                        </a:rPr>
+                        <a:t>S. No.</a:t>
+                      </a:r>
+                      <a:endParaRPr lang="en-PK" sz="2000" i="0" kern="100" dirty="0">
+                        <a:effectLst/>
+                        <a:latin typeface="+mn-lt"/>
+                        <a:ea typeface="Calibri" panose="020F0502020204030204" pitchFamily="34" charset="0"/>
+                        <a:cs typeface="Arial" panose="020B0604020202020204" pitchFamily="34" charset="0"/>
+                      </a:endParaRPr>
+                    </a:p>
+                  </a:txBody>
+                  <a:tcPr marL="68580" marR="68580" marT="0" marB="0" anchor="ctr">
+                    <a:solidFill>
+                      <a:srgbClr val="FFFF00"/>
+                    </a:solidFill>
+                  </a:tcPr>
+                </a:tc>
+                <a:tc>
+                  <a:txBody>
+                    <a:bodyPr/>
+                    <a:lstStyle/>
+                    <a:p>
+                      <a:pPr algn="ctr"/>
+                      <a:r>
+                        <a:rPr lang="en-US" sz="2000" b="1" i="0" kern="100" dirty="0">
+                          <a:effectLst/>
+                          <a:latin typeface="+mn-lt"/>
+                          <a:ea typeface="Calibri" panose="020F0502020204030204" pitchFamily="34" charset="0"/>
+                          <a:cs typeface="Arial" panose="020B0604020202020204" pitchFamily="34" charset="0"/>
+                        </a:rPr>
+                        <a:t>Date &amp; Time</a:t>
+                      </a:r>
+                      <a:endParaRPr lang="en-PK" sz="2000" i="0" kern="100" dirty="0">
+                        <a:effectLst/>
+                        <a:latin typeface="+mn-lt"/>
+                        <a:ea typeface="Calibri" panose="020F0502020204030204" pitchFamily="34" charset="0"/>
+                        <a:cs typeface="Arial" panose="020B0604020202020204" pitchFamily="34" charset="0"/>
+                      </a:endParaRPr>
+                    </a:p>
+                  </a:txBody>
+                  <a:tcPr marL="68580" marR="68580" marT="0" marB="0" anchor="ctr">
+                    <a:solidFill>
+                      <a:srgbClr val="FFFF00"/>
+                    </a:solidFill>
+                  </a:tcPr>
+                </a:tc>
+                <a:tc>
+                  <a:txBody>
+                    <a:bodyPr/>
+                    <a:lstStyle/>
+                    <a:p>
+                      <a:pPr algn="ctr"/>
+                      <a:r>
+                        <a:rPr lang="en-US" sz="2000" b="1" i="0" kern="100" dirty="0">
+                          <a:effectLst/>
+                          <a:latin typeface="+mn-lt"/>
+                          <a:ea typeface="Calibri" panose="020F0502020204030204" pitchFamily="34" charset="0"/>
+                          <a:cs typeface="Arial" panose="020B0604020202020204" pitchFamily="34" charset="0"/>
+                        </a:rPr>
+                        <a:t>Action</a:t>
+                      </a:r>
+                      <a:endParaRPr lang="en-PK" sz="2000" i="0" kern="100" dirty="0">
+                        <a:effectLst/>
+                        <a:latin typeface="+mn-lt"/>
+                        <a:ea typeface="Calibri" panose="020F0502020204030204" pitchFamily="34" charset="0"/>
+                        <a:cs typeface="Arial" panose="020B0604020202020204" pitchFamily="34" charset="0"/>
+                      </a:endParaRPr>
+                    </a:p>
+                  </a:txBody>
+                  <a:tcPr marL="68580" marR="68580" marT="0" marB="0" anchor="ctr">
+                    <a:solidFill>
+                      <a:srgbClr val="FFFF00"/>
+                    </a:solidFill>
+                  </a:tcPr>
+                </a:tc>
+                <a:tc>
+                  <a:txBody>
+                    <a:bodyPr/>
+                    <a:lstStyle/>
+                    <a:p>
+                      <a:pPr algn="ctr"/>
+                      <a:r>
+                        <a:rPr lang="en-US" sz="2000" b="1" i="0" kern="100" dirty="0">
+                          <a:effectLst/>
+                          <a:latin typeface="+mn-lt"/>
+                          <a:ea typeface="Calibri" panose="020F0502020204030204" pitchFamily="34" charset="0"/>
+                          <a:cs typeface="Arial" panose="020B0604020202020204" pitchFamily="34" charset="0"/>
+                        </a:rPr>
+                        <a:t>Voice Command</a:t>
+                      </a:r>
+                      <a:endParaRPr lang="en-PK" sz="2000" i="0" kern="100" dirty="0">
+                        <a:effectLst/>
+                        <a:latin typeface="+mn-lt"/>
+                        <a:ea typeface="Calibri" panose="020F0502020204030204" pitchFamily="34" charset="0"/>
+                        <a:cs typeface="Arial" panose="020B0604020202020204" pitchFamily="34" charset="0"/>
+                      </a:endParaRPr>
+                    </a:p>
+                  </a:txBody>
+                  <a:tcPr marL="68580" marR="68580" marT="0" marB="0" anchor="ctr">
+                    <a:solidFill>
+                      <a:srgbClr val="FFFF00"/>
+                    </a:solidFill>
+                  </a:tcPr>
+                </a:tc>
+                <a:tc>
+                  <a:txBody>
+                    <a:bodyPr/>
+                    <a:lstStyle/>
+                    <a:p>
+                      <a:pPr algn="ctr"/>
+                      <a:r>
+                        <a:rPr lang="en-US" sz="2000" b="1" i="0" kern="100" dirty="0">
+                          <a:effectLst/>
+                          <a:latin typeface="+mn-lt"/>
+                          <a:ea typeface="Calibri" panose="020F0502020204030204" pitchFamily="34" charset="0"/>
+                          <a:cs typeface="Arial" panose="020B0604020202020204" pitchFamily="34" charset="0"/>
+                        </a:rPr>
+                        <a:t>Response</a:t>
+                      </a:r>
+                      <a:endParaRPr lang="en-PK" sz="2000" i="0" kern="100" dirty="0">
+                        <a:effectLst/>
+                        <a:latin typeface="+mn-lt"/>
+                        <a:ea typeface="Calibri" panose="020F0502020204030204" pitchFamily="34" charset="0"/>
+                        <a:cs typeface="Arial" panose="020B0604020202020204" pitchFamily="34" charset="0"/>
+                      </a:endParaRPr>
+                    </a:p>
+                  </a:txBody>
+                  <a:tcPr marL="68580" marR="68580" marT="0" marB="0" anchor="ctr">
+                    <a:solidFill>
+                      <a:srgbClr val="FFFF00"/>
+                    </a:solidFill>
+                  </a:tcPr>
+                </a:tc>
+                <a:extLst>
+                  <a:ext uri="{0D108BD9-81ED-4DB2-BD59-A6C34878D82A}">
+                    <a16:rowId xmlns:a16="http://schemas.microsoft.com/office/drawing/2014/main" val="1568174763"/>
+                  </a:ext>
+                </a:extLst>
+              </a:tr>
+              <a:tr h="504031">
+                <a:tc>
+                  <a:txBody>
+                    <a:bodyPr/>
+                    <a:lstStyle/>
+                    <a:p>
+                      <a:pPr algn="ctr"/>
+                      <a:r>
+                        <a:rPr lang="en-US" sz="2000" kern="100" dirty="0">
+                          <a:effectLst/>
+                          <a:latin typeface="+mn-lt"/>
+                          <a:ea typeface="Calibri" panose="020F0502020204030204" pitchFamily="34" charset="0"/>
+                          <a:cs typeface="Arial" panose="020B0604020202020204" pitchFamily="34" charset="0"/>
+                        </a:rPr>
+                        <a:t>1</a:t>
+                      </a:r>
+                      <a:endParaRPr lang="en-PK" sz="2000" kern="100" dirty="0">
+                        <a:effectLst/>
+                        <a:latin typeface="+mn-lt"/>
+                        <a:ea typeface="Calibri" panose="020F0502020204030204" pitchFamily="34" charset="0"/>
+                        <a:cs typeface="Arial" panose="020B0604020202020204" pitchFamily="34" charset="0"/>
+                      </a:endParaRPr>
+                    </a:p>
+                  </a:txBody>
+                  <a:tcPr marL="68580" marR="68580" marT="0" marB="0"/>
+                </a:tc>
+                <a:tc>
+                  <a:txBody>
+                    <a:bodyPr/>
+                    <a:lstStyle/>
+                    <a:p>
+                      <a:pPr marL="0" algn="l" defTabSz="914400" rtl="0" eaLnBrk="1" latinLnBrk="0" hangingPunct="1">
+                        <a:tabLst>
+                          <a:tab pos="786130" algn="ctr"/>
+                        </a:tabLst>
+                      </a:pPr>
+                      <a:r>
+                        <a:rPr lang="en-US" sz="2000" kern="100" dirty="0">
+                          <a:solidFill>
+                            <a:schemeClr val="tx1"/>
+                          </a:solidFill>
+                          <a:effectLst/>
+                          <a:latin typeface="+mn-lt"/>
+                          <a:ea typeface="Calibri" panose="020F0502020204030204" pitchFamily="34" charset="0"/>
+                          <a:cs typeface="Arial" panose="020B0604020202020204" pitchFamily="34" charset="0"/>
+                        </a:rPr>
+                        <a:t>1909 </a:t>
+                      </a:r>
+                      <a:r>
+                        <a:rPr lang="en-US" sz="2000" kern="100" dirty="0" err="1">
+                          <a:solidFill>
+                            <a:schemeClr val="tx1"/>
+                          </a:solidFill>
+                          <a:effectLst/>
+                          <a:latin typeface="+mn-lt"/>
+                          <a:ea typeface="Calibri" panose="020F0502020204030204" pitchFamily="34" charset="0"/>
+                          <a:cs typeface="Arial" panose="020B0604020202020204" pitchFamily="34" charset="0"/>
+                        </a:rPr>
+                        <a:t>hrs</a:t>
+                      </a:r>
+                      <a:r>
+                        <a:rPr lang="en-US" sz="2000" kern="100" dirty="0">
+                          <a:solidFill>
+                            <a:schemeClr val="tx1"/>
+                          </a:solidFill>
+                          <a:effectLst/>
+                          <a:latin typeface="+mn-lt"/>
+                          <a:ea typeface="Calibri" panose="020F0502020204030204" pitchFamily="34" charset="0"/>
+                          <a:cs typeface="Arial" panose="020B0604020202020204" pitchFamily="34" charset="0"/>
+                        </a:rPr>
+                        <a:t> on Oct 22, 2023</a:t>
+                      </a:r>
+                      <a:endParaRPr lang="en-PK" sz="2000" kern="100" dirty="0">
+                        <a:solidFill>
+                          <a:schemeClr val="tx1"/>
+                        </a:solidFill>
+                        <a:effectLst/>
+                        <a:latin typeface="+mn-lt"/>
+                        <a:ea typeface="Calibri" panose="020F0502020204030204" pitchFamily="34" charset="0"/>
+                        <a:cs typeface="Arial" panose="020B0604020202020204" pitchFamily="34" charset="0"/>
+                      </a:endParaRPr>
+                    </a:p>
+                  </a:txBody>
+                  <a:tcPr marL="68580" marR="68580" marT="0" marB="0"/>
+                </a:tc>
+                <a:tc>
+                  <a:txBody>
+                    <a:bodyPr/>
+                    <a:lstStyle/>
+                    <a:p>
+                      <a:pPr algn="l"/>
+                      <a:r>
+                        <a:rPr lang="en-US" sz="2000" kern="100" dirty="0">
+                          <a:effectLst/>
+                          <a:latin typeface="+mn-lt"/>
+                          <a:ea typeface="Calibri" panose="020F0502020204030204" pitchFamily="34" charset="0"/>
+                          <a:cs typeface="Arial" panose="020B0604020202020204" pitchFamily="34" charset="0"/>
+                        </a:rPr>
+                        <a:t>Play Video/Movie</a:t>
+                      </a:r>
+                      <a:endParaRPr lang="en-PK" sz="2000" kern="100" dirty="0">
+                        <a:effectLst/>
+                        <a:latin typeface="+mn-lt"/>
+                        <a:ea typeface="Calibri" panose="020F0502020204030204" pitchFamily="34" charset="0"/>
+                        <a:cs typeface="Arial" panose="020B0604020202020204" pitchFamily="34" charset="0"/>
+                      </a:endParaRPr>
+                    </a:p>
+                  </a:txBody>
+                  <a:tcPr marL="68580" marR="68580" marT="0" marB="0"/>
+                </a:tc>
+                <a:tc>
+                  <a:txBody>
+                    <a:bodyPr/>
+                    <a:lstStyle/>
+                    <a:p>
+                      <a:pPr algn="l"/>
+                      <a:r>
+                        <a:rPr lang="en-US" sz="2000" i="1" kern="100" dirty="0">
+                          <a:effectLst/>
+                          <a:latin typeface="+mn-lt"/>
+                          <a:ea typeface="Calibri" panose="020F0502020204030204" pitchFamily="34" charset="0"/>
+                          <a:cs typeface="Arial" panose="020B0604020202020204" pitchFamily="34" charset="0"/>
+                        </a:rPr>
+                        <a:t>Manually (select Amazon </a:t>
+                      </a:r>
+                      <a:r>
+                        <a:rPr lang="en-US" sz="2000" i="1" kern="100" dirty="0">
+                          <a:effectLst/>
+                          <a:latin typeface="+mn-lt"/>
+                          <a:ea typeface="Calibri" panose="020F0502020204030204" pitchFamily="34" charset="0"/>
+                          <a:cs typeface="Arial" panose="020B0604020202020204" pitchFamily="34" charset="0"/>
+                          <a:sym typeface="Wingdings" pitchFamily="2" charset="2"/>
+                        </a:rPr>
+                        <a:t></a:t>
+                      </a:r>
+                      <a:r>
+                        <a:rPr lang="en-US" sz="2000" i="1" kern="100" dirty="0">
+                          <a:effectLst/>
+                          <a:latin typeface="+mn-lt"/>
+                          <a:ea typeface="Calibri" panose="020F0502020204030204" pitchFamily="34" charset="0"/>
+                          <a:cs typeface="Arial" panose="020B0604020202020204" pitchFamily="34" charset="0"/>
+                        </a:rPr>
+                        <a:t> played </a:t>
+                      </a:r>
+                      <a:r>
+                        <a:rPr lang="en-US" sz="2000" b="1" i="1" kern="100" dirty="0">
+                          <a:solidFill>
+                            <a:srgbClr val="FF0000"/>
+                          </a:solidFill>
+                          <a:effectLst/>
+                          <a:latin typeface="+mn-lt"/>
+                          <a:ea typeface="Calibri" panose="020F0502020204030204" pitchFamily="34" charset="0"/>
+                          <a:cs typeface="Arial" panose="020B0604020202020204" pitchFamily="34" charset="0"/>
+                        </a:rPr>
+                        <a:t>Top Gun, Maverick</a:t>
+                      </a:r>
+                      <a:r>
+                        <a:rPr lang="en-US" sz="2000" i="1" kern="100" dirty="0">
+                          <a:effectLst/>
+                          <a:latin typeface="+mn-lt"/>
+                          <a:ea typeface="Calibri" panose="020F0502020204030204" pitchFamily="34" charset="0"/>
+                          <a:cs typeface="Arial" panose="020B0604020202020204" pitchFamily="34" charset="0"/>
+                        </a:rPr>
+                        <a:t>)</a:t>
+                      </a:r>
+                      <a:endParaRPr lang="en-PK" sz="2000" kern="100" dirty="0">
+                        <a:effectLst/>
+                        <a:latin typeface="+mn-lt"/>
+                        <a:ea typeface="Calibri" panose="020F0502020204030204" pitchFamily="34" charset="0"/>
+                        <a:cs typeface="Arial" panose="020B0604020202020204" pitchFamily="34" charset="0"/>
+                      </a:endParaRPr>
+                    </a:p>
+                  </a:txBody>
+                  <a:tcPr marL="68580" marR="68580" marT="0" marB="0"/>
+                </a:tc>
+                <a:tc>
+                  <a:txBody>
+                    <a:bodyPr/>
+                    <a:lstStyle/>
+                    <a:p>
+                      <a:pPr algn="l"/>
+                      <a:r>
+                        <a:rPr lang="en-US" sz="2000" kern="100">
+                          <a:effectLst/>
+                          <a:latin typeface="+mn-lt"/>
+                          <a:ea typeface="Calibri" panose="020F0502020204030204" pitchFamily="34" charset="0"/>
+                          <a:cs typeface="Arial" panose="020B0604020202020204" pitchFamily="34" charset="0"/>
+                        </a:rPr>
+                        <a:t>Movie started playing</a:t>
+                      </a:r>
+                      <a:endParaRPr lang="en-PK" sz="2000" kern="100">
+                        <a:effectLst/>
+                        <a:latin typeface="+mn-lt"/>
+                        <a:ea typeface="Calibri" panose="020F0502020204030204" pitchFamily="34" charset="0"/>
+                        <a:cs typeface="Arial" panose="020B0604020202020204" pitchFamily="34" charset="0"/>
+                      </a:endParaRPr>
+                    </a:p>
+                  </a:txBody>
+                  <a:tcPr marL="68580" marR="68580" marT="0" marB="0"/>
+                </a:tc>
+                <a:extLst>
+                  <a:ext uri="{0D108BD9-81ED-4DB2-BD59-A6C34878D82A}">
+                    <a16:rowId xmlns:a16="http://schemas.microsoft.com/office/drawing/2014/main" val="1891754207"/>
+                  </a:ext>
+                </a:extLst>
+              </a:tr>
+              <a:tr h="504031">
+                <a:tc>
+                  <a:txBody>
+                    <a:bodyPr/>
+                    <a:lstStyle/>
+                    <a:p>
+                      <a:pPr algn="ctr"/>
+                      <a:r>
+                        <a:rPr lang="en-US" sz="2000" kern="100">
+                          <a:effectLst/>
+                          <a:latin typeface="+mn-lt"/>
+                          <a:ea typeface="Calibri" panose="020F0502020204030204" pitchFamily="34" charset="0"/>
+                          <a:cs typeface="Arial" panose="020B0604020202020204" pitchFamily="34" charset="0"/>
+                        </a:rPr>
+                        <a:t>2</a:t>
+                      </a:r>
+                      <a:endParaRPr lang="en-PK" sz="2000" kern="100">
+                        <a:effectLst/>
+                        <a:latin typeface="+mn-lt"/>
+                        <a:ea typeface="Calibri" panose="020F0502020204030204" pitchFamily="34" charset="0"/>
+                        <a:cs typeface="Arial" panose="020B0604020202020204" pitchFamily="34" charset="0"/>
+                      </a:endParaRPr>
+                    </a:p>
+                  </a:txBody>
+                  <a:tcPr marL="68580" marR="68580" marT="0" marB="0"/>
+                </a:tc>
+                <a:tc>
+                  <a:txBody>
+                    <a:bodyPr/>
+                    <a:lstStyle/>
+                    <a:p>
+                      <a:pPr marL="0" algn="l" defTabSz="914400" rtl="0" eaLnBrk="1" latinLnBrk="0" hangingPunct="1">
+                        <a:tabLst>
+                          <a:tab pos="786130" algn="ctr"/>
+                        </a:tabLst>
+                      </a:pPr>
+                      <a:r>
+                        <a:rPr lang="en-US" sz="2000" kern="100" dirty="0">
+                          <a:solidFill>
+                            <a:schemeClr val="tx1"/>
+                          </a:solidFill>
+                          <a:effectLst/>
+                          <a:latin typeface="+mn-lt"/>
+                          <a:ea typeface="Calibri" panose="020F0502020204030204" pitchFamily="34" charset="0"/>
+                          <a:cs typeface="Arial" panose="020B0604020202020204" pitchFamily="34" charset="0"/>
+                        </a:rPr>
+                        <a:t>1941 </a:t>
+                      </a:r>
+                      <a:r>
+                        <a:rPr lang="en-US" sz="2000" kern="100" dirty="0" err="1">
+                          <a:solidFill>
+                            <a:schemeClr val="tx1"/>
+                          </a:solidFill>
+                          <a:effectLst/>
+                          <a:latin typeface="+mn-lt"/>
+                          <a:ea typeface="Calibri" panose="020F0502020204030204" pitchFamily="34" charset="0"/>
+                          <a:cs typeface="Arial" panose="020B0604020202020204" pitchFamily="34" charset="0"/>
+                        </a:rPr>
+                        <a:t>hrs</a:t>
+                      </a:r>
+                      <a:r>
+                        <a:rPr lang="en-US" sz="2000" kern="100" dirty="0">
+                          <a:solidFill>
+                            <a:schemeClr val="tx1"/>
+                          </a:solidFill>
+                          <a:effectLst/>
+                          <a:latin typeface="+mn-lt"/>
+                          <a:ea typeface="Calibri" panose="020F0502020204030204" pitchFamily="34" charset="0"/>
+                          <a:cs typeface="Arial" panose="020B0604020202020204" pitchFamily="34" charset="0"/>
+                        </a:rPr>
+                        <a:t> on Oct 21, 2023</a:t>
+                      </a:r>
+                      <a:endParaRPr lang="en-PK" sz="2000" kern="100" dirty="0">
+                        <a:solidFill>
+                          <a:schemeClr val="tx1"/>
+                        </a:solidFill>
+                        <a:effectLst/>
+                        <a:latin typeface="+mn-lt"/>
+                        <a:ea typeface="Calibri" panose="020F0502020204030204" pitchFamily="34" charset="0"/>
+                        <a:cs typeface="Arial" panose="020B0604020202020204" pitchFamily="34" charset="0"/>
+                      </a:endParaRPr>
+                    </a:p>
+                  </a:txBody>
+                  <a:tcPr marL="68580" marR="68580" marT="0" marB="0"/>
+                </a:tc>
+                <a:tc>
+                  <a:txBody>
+                    <a:bodyPr/>
+                    <a:lstStyle/>
+                    <a:p>
+                      <a:pPr algn="l"/>
+                      <a:r>
+                        <a:rPr lang="en-US" sz="2000" kern="100" dirty="0">
+                          <a:effectLst/>
+                          <a:latin typeface="+mn-lt"/>
+                          <a:ea typeface="Calibri" panose="020F0502020204030204" pitchFamily="34" charset="0"/>
+                          <a:cs typeface="Arial" panose="020B0604020202020204" pitchFamily="34" charset="0"/>
+                        </a:rPr>
+                        <a:t>Play Video/Movie</a:t>
+                      </a:r>
+                      <a:endParaRPr lang="en-PK" sz="2000" kern="100" dirty="0">
+                        <a:effectLst/>
+                        <a:latin typeface="+mn-lt"/>
+                        <a:ea typeface="Calibri" panose="020F0502020204030204" pitchFamily="34" charset="0"/>
+                        <a:cs typeface="Arial" panose="020B0604020202020204" pitchFamily="34" charset="0"/>
+                      </a:endParaRPr>
+                    </a:p>
+                  </a:txBody>
+                  <a:tcPr marL="68580" marR="68580" marT="0" marB="0"/>
+                </a:tc>
+                <a:tc>
+                  <a:txBody>
+                    <a:bodyPr/>
+                    <a:lstStyle/>
+                    <a:p>
+                      <a:pPr algn="l"/>
+                      <a:r>
+                        <a:rPr lang="en-US" sz="2000" i="1" kern="100" dirty="0">
+                          <a:effectLst/>
+                          <a:latin typeface="+mn-lt"/>
+                          <a:ea typeface="Calibri" panose="020F0502020204030204" pitchFamily="34" charset="0"/>
+                          <a:cs typeface="Arial" panose="020B0604020202020204" pitchFamily="34" charset="0"/>
+                        </a:rPr>
+                        <a:t>Alexa, play </a:t>
+                      </a:r>
+                      <a:r>
+                        <a:rPr lang="en-US" sz="2000" b="1" i="1" kern="100" dirty="0">
+                          <a:solidFill>
+                            <a:srgbClr val="FF0000"/>
+                          </a:solidFill>
+                          <a:effectLst/>
+                          <a:latin typeface="+mn-lt"/>
+                          <a:ea typeface="Calibri" panose="020F0502020204030204" pitchFamily="34" charset="0"/>
+                          <a:cs typeface="Arial" panose="020B0604020202020204" pitchFamily="34" charset="0"/>
+                        </a:rPr>
+                        <a:t>Jurassic World </a:t>
+                      </a:r>
+                      <a:r>
+                        <a:rPr lang="en-US" sz="2000" i="1" kern="100" dirty="0">
+                          <a:effectLst/>
+                          <a:latin typeface="+mn-lt"/>
+                          <a:ea typeface="Calibri" panose="020F0502020204030204" pitchFamily="34" charset="0"/>
+                          <a:cs typeface="Arial" panose="020B0604020202020204" pitchFamily="34" charset="0"/>
+                        </a:rPr>
+                        <a:t>on Amazon Movies</a:t>
+                      </a:r>
+                      <a:endParaRPr lang="en-PK" sz="2000" kern="100" dirty="0">
+                        <a:effectLst/>
+                        <a:latin typeface="+mn-lt"/>
+                        <a:ea typeface="Calibri" panose="020F0502020204030204" pitchFamily="34" charset="0"/>
+                        <a:cs typeface="Arial" panose="020B0604020202020204" pitchFamily="34" charset="0"/>
+                      </a:endParaRPr>
+                    </a:p>
+                  </a:txBody>
+                  <a:tcPr marL="68580" marR="68580" marT="0" marB="0"/>
+                </a:tc>
+                <a:tc>
+                  <a:txBody>
+                    <a:bodyPr/>
+                    <a:lstStyle/>
+                    <a:p>
+                      <a:pPr algn="l"/>
+                      <a:r>
+                        <a:rPr lang="en-US" sz="2000" kern="100" dirty="0">
+                          <a:effectLst/>
+                          <a:latin typeface="+mn-lt"/>
+                          <a:ea typeface="Calibri" panose="020F0502020204030204" pitchFamily="34" charset="0"/>
+                          <a:cs typeface="Arial" panose="020B0604020202020204" pitchFamily="34" charset="0"/>
+                        </a:rPr>
+                        <a:t>Here is Jurassic World Dominion </a:t>
+                      </a:r>
+                      <a:endParaRPr lang="en-PK" sz="2000" kern="100" dirty="0">
+                        <a:effectLst/>
+                        <a:latin typeface="+mn-lt"/>
+                        <a:ea typeface="Calibri" panose="020F0502020204030204" pitchFamily="34" charset="0"/>
+                        <a:cs typeface="Arial" panose="020B0604020202020204" pitchFamily="34" charset="0"/>
+                      </a:endParaRPr>
+                    </a:p>
+                  </a:txBody>
+                  <a:tcPr marL="68580" marR="68580" marT="0" marB="0"/>
+                </a:tc>
+                <a:extLst>
+                  <a:ext uri="{0D108BD9-81ED-4DB2-BD59-A6C34878D82A}">
+                    <a16:rowId xmlns:a16="http://schemas.microsoft.com/office/drawing/2014/main" val="2759697237"/>
+                  </a:ext>
+                </a:extLst>
+              </a:tr>
+              <a:tr h="504031">
+                <a:tc>
+                  <a:txBody>
+                    <a:bodyPr/>
+                    <a:lstStyle/>
+                    <a:p>
+                      <a:pPr algn="ctr"/>
+                      <a:r>
+                        <a:rPr lang="en-US" sz="2000" kern="100" dirty="0">
+                          <a:effectLst/>
+                          <a:latin typeface="+mn-lt"/>
+                          <a:ea typeface="Calibri" panose="020F0502020204030204" pitchFamily="34" charset="0"/>
+                          <a:cs typeface="Arial" panose="020B0604020202020204" pitchFamily="34" charset="0"/>
+                        </a:rPr>
+                        <a:t>3</a:t>
+                      </a:r>
+                      <a:endParaRPr lang="en-PK" sz="2000" kern="100" dirty="0">
+                        <a:effectLst/>
+                        <a:latin typeface="+mn-lt"/>
+                        <a:ea typeface="Calibri" panose="020F0502020204030204" pitchFamily="34" charset="0"/>
+                        <a:cs typeface="Arial" panose="020B0604020202020204" pitchFamily="34" charset="0"/>
+                      </a:endParaRPr>
+                    </a:p>
+                  </a:txBody>
+                  <a:tcPr marL="68580" marR="68580" marT="0" marB="0"/>
+                </a:tc>
+                <a:tc>
+                  <a:txBody>
+                    <a:bodyPr/>
+                    <a:lstStyle/>
+                    <a:p>
+                      <a:pPr marL="0" algn="l" defTabSz="914400" rtl="0" eaLnBrk="1" latinLnBrk="0" hangingPunct="1">
+                        <a:tabLst>
+                          <a:tab pos="786130" algn="ctr"/>
+                        </a:tabLst>
+                      </a:pPr>
+                      <a:r>
+                        <a:rPr lang="en-US" sz="2000" kern="100" dirty="0">
+                          <a:solidFill>
+                            <a:schemeClr val="tx1"/>
+                          </a:solidFill>
+                          <a:effectLst/>
+                          <a:latin typeface="+mn-lt"/>
+                          <a:ea typeface="Calibri" panose="020F0502020204030204" pitchFamily="34" charset="0"/>
+                          <a:cs typeface="Arial" panose="020B0604020202020204" pitchFamily="34" charset="0"/>
+                        </a:rPr>
+                        <a:t>1943 </a:t>
+                      </a:r>
+                      <a:r>
+                        <a:rPr lang="en-US" sz="2000" kern="100" dirty="0" err="1">
+                          <a:solidFill>
+                            <a:schemeClr val="tx1"/>
+                          </a:solidFill>
+                          <a:effectLst/>
+                          <a:latin typeface="+mn-lt"/>
+                          <a:ea typeface="Calibri" panose="020F0502020204030204" pitchFamily="34" charset="0"/>
+                          <a:cs typeface="Arial" panose="020B0604020202020204" pitchFamily="34" charset="0"/>
+                        </a:rPr>
+                        <a:t>hrs</a:t>
+                      </a:r>
+                      <a:r>
+                        <a:rPr lang="en-US" sz="2000" kern="100" dirty="0">
+                          <a:solidFill>
+                            <a:schemeClr val="tx1"/>
+                          </a:solidFill>
+                          <a:effectLst/>
+                          <a:latin typeface="+mn-lt"/>
+                          <a:ea typeface="Calibri" panose="020F0502020204030204" pitchFamily="34" charset="0"/>
+                          <a:cs typeface="Arial" panose="020B0604020202020204" pitchFamily="34" charset="0"/>
+                        </a:rPr>
+                        <a:t> on Oct 21, 2023</a:t>
+                      </a:r>
+                      <a:endParaRPr lang="en-PK" sz="2000" kern="100" dirty="0">
+                        <a:solidFill>
+                          <a:schemeClr val="tx1"/>
+                        </a:solidFill>
+                        <a:effectLst/>
+                        <a:latin typeface="+mn-lt"/>
+                        <a:ea typeface="Calibri" panose="020F0502020204030204" pitchFamily="34" charset="0"/>
+                        <a:cs typeface="Arial" panose="020B0604020202020204" pitchFamily="34" charset="0"/>
+                      </a:endParaRPr>
+                    </a:p>
+                  </a:txBody>
+                  <a:tcPr marL="68580" marR="68580" marT="0" marB="0"/>
+                </a:tc>
+                <a:tc>
+                  <a:txBody>
+                    <a:bodyPr/>
+                    <a:lstStyle/>
+                    <a:p>
+                      <a:pPr algn="l"/>
+                      <a:r>
+                        <a:rPr lang="en-US" sz="2000" kern="100">
+                          <a:effectLst/>
+                          <a:latin typeface="+mn-lt"/>
+                          <a:ea typeface="Calibri" panose="020F0502020204030204" pitchFamily="34" charset="0"/>
+                          <a:cs typeface="Arial" panose="020B0604020202020204" pitchFamily="34" charset="0"/>
+                        </a:rPr>
+                        <a:t>Stop Video/Movie</a:t>
+                      </a:r>
+                      <a:endParaRPr lang="en-PK" sz="2000" kern="100">
+                        <a:effectLst/>
+                        <a:latin typeface="+mn-lt"/>
+                        <a:ea typeface="Calibri" panose="020F0502020204030204" pitchFamily="34" charset="0"/>
+                        <a:cs typeface="Arial" panose="020B0604020202020204" pitchFamily="34" charset="0"/>
+                      </a:endParaRPr>
+                    </a:p>
+                  </a:txBody>
+                  <a:tcPr marL="68580" marR="68580" marT="0" marB="0"/>
+                </a:tc>
+                <a:tc>
+                  <a:txBody>
+                    <a:bodyPr/>
+                    <a:lstStyle/>
+                    <a:p>
+                      <a:pPr algn="l"/>
+                      <a:r>
+                        <a:rPr lang="en-US" sz="2000" i="1" kern="100" dirty="0">
+                          <a:effectLst/>
+                          <a:latin typeface="+mn-lt"/>
+                          <a:ea typeface="Calibri" panose="020F0502020204030204" pitchFamily="34" charset="0"/>
+                          <a:cs typeface="Arial" panose="020B0604020202020204" pitchFamily="34" charset="0"/>
+                        </a:rPr>
+                        <a:t>Alexa, stop the movie</a:t>
+                      </a:r>
+                      <a:endParaRPr lang="en-PK" sz="2000" kern="100" dirty="0">
+                        <a:effectLst/>
+                        <a:latin typeface="+mn-lt"/>
+                        <a:ea typeface="Calibri" panose="020F0502020204030204" pitchFamily="34" charset="0"/>
+                        <a:cs typeface="Arial" panose="020B0604020202020204" pitchFamily="34" charset="0"/>
+                      </a:endParaRPr>
+                    </a:p>
+                  </a:txBody>
+                  <a:tcPr marL="68580" marR="68580" marT="0" marB="0"/>
+                </a:tc>
+                <a:tc>
+                  <a:txBody>
+                    <a:bodyPr/>
+                    <a:lstStyle/>
+                    <a:p>
+                      <a:pPr algn="l"/>
+                      <a:r>
+                        <a:rPr lang="en-US" sz="2000" kern="100" dirty="0">
+                          <a:effectLst/>
+                          <a:latin typeface="+mn-lt"/>
+                          <a:ea typeface="Calibri" panose="020F0502020204030204" pitchFamily="34" charset="0"/>
+                          <a:cs typeface="Arial" panose="020B0604020202020204" pitchFamily="34" charset="0"/>
+                        </a:rPr>
+                        <a:t>Movie stopped</a:t>
+                      </a:r>
+                      <a:endParaRPr lang="en-PK" sz="2000" kern="100" dirty="0">
+                        <a:effectLst/>
+                        <a:latin typeface="+mn-lt"/>
+                        <a:ea typeface="Calibri" panose="020F0502020204030204" pitchFamily="34" charset="0"/>
+                        <a:cs typeface="Arial" panose="020B0604020202020204" pitchFamily="34" charset="0"/>
+                      </a:endParaRPr>
+                    </a:p>
+                  </a:txBody>
+                  <a:tcPr marL="68580" marR="68580" marT="0" marB="0"/>
+                </a:tc>
+                <a:extLst>
+                  <a:ext uri="{0D108BD9-81ED-4DB2-BD59-A6C34878D82A}">
+                    <a16:rowId xmlns:a16="http://schemas.microsoft.com/office/drawing/2014/main" val="1975828874"/>
+                  </a:ext>
+                </a:extLst>
+              </a:tr>
+            </a:tbl>
+          </a:graphicData>
+        </a:graphic>
+      </p:graphicFrame>
+      <p:sp>
+        <p:nvSpPr>
+          <p:cNvPr id="2" name="TextBox 1">
+            <a:extLst>
+              <a:ext uri="{FF2B5EF4-FFF2-40B4-BE49-F238E27FC236}">
+                <a16:creationId xmlns:a16="http://schemas.microsoft.com/office/drawing/2014/main" id="{4B8CBA8A-CA09-C0BA-DB40-2549BD1FA081}"/>
+              </a:ext>
+            </a:extLst>
+          </p:cNvPr>
+          <p:cNvSpPr txBox="1"/>
+          <p:nvPr/>
+        </p:nvSpPr>
+        <p:spPr>
+          <a:xfrm>
+            <a:off x="2447364" y="6525125"/>
+            <a:ext cx="8713695" cy="338554"/>
+          </a:xfrm>
+          <a:prstGeom prst="rect">
+            <a:avLst/>
+          </a:prstGeom>
+          <a:noFill/>
+        </p:spPr>
+        <p:txBody>
+          <a:bodyPr wrap="square" rtlCol="0">
+            <a:spAutoFit/>
+          </a:bodyPr>
+          <a:lstStyle/>
+          <a:p>
+            <a:pPr algn="ctr"/>
+            <a:r>
+              <a:rPr lang="en-PK" sz="1600" i="1" dirty="0"/>
+              <a:t>Note: The text in highlighted in red is potential evidence to be searched in Echo Show Device Image</a:t>
+            </a:r>
+          </a:p>
+        </p:txBody>
+      </p:sp>
+    </p:spTree>
+    <p:extLst>
+      <p:ext uri="{BB962C8B-B14F-4D97-AF65-F5344CB8AC3E}">
+        <p14:creationId xmlns:p14="http://schemas.microsoft.com/office/powerpoint/2010/main" val="1759342446"/>
+      </p:ext>
+    </p:extLst>
+  </p:cSld>
+  <p:clrMapOvr>
+    <a:masterClrMapping/>
+  </p:clrMapOvr>
+</p:sld>
+</file>
+
+<file path=ppt/slides/slide11.xml><?xml version="1.0" encoding="utf-8"?>
+<p:sld xmlns:a="http://schemas.openxmlformats.org/drawingml/2006/main" xmlns:r="http://schemas.openxmlformats.org/officeDocument/2006/relationships" xmlns:p="http://schemas.openxmlformats.org/presentationml/2006/main">
+  <p:cSld>
+    <p:spTree>
+      <p:nvGrpSpPr>
+        <p:cNvPr id="1" name=""/>
+        <p:cNvGrpSpPr/>
+        <p:nvPr/>
+      </p:nvGrpSpPr>
+      <p:grpSpPr>
+        <a:xfrm>
+          <a:off x="0" y="0"/>
+          <a:ext cx="0" cy="0"/>
+          <a:chOff x="0" y="0"/>
+          <a:chExt cx="0" cy="0"/>
+        </a:xfrm>
+      </p:grpSpPr>
+      <p:sp>
+        <p:nvSpPr>
+          <p:cNvPr id="4" name="Title 3">
+            <a:extLst>
+              <a:ext uri="{FF2B5EF4-FFF2-40B4-BE49-F238E27FC236}">
+                <a16:creationId xmlns:a16="http://schemas.microsoft.com/office/drawing/2014/main" id="{4B469AA7-C42C-CCE9-1B07-385C895CA9A9}"/>
+              </a:ext>
+            </a:extLst>
+          </p:cNvPr>
+          <p:cNvSpPr>
+            <a:spLocks noGrp="1"/>
+          </p:cNvSpPr>
+          <p:nvPr>
+            <p:ph type="title"/>
+          </p:nvPr>
+        </p:nvSpPr>
+        <p:spPr/>
+        <p:txBody>
+          <a:bodyPr/>
+          <a:lstStyle/>
+          <a:p>
+            <a:r>
+              <a:rPr lang="en-US" kern="100" dirty="0"/>
+              <a:t>Bluetooth Connectivity</a:t>
+            </a:r>
+            <a:endParaRPr lang="en-PK" dirty="0"/>
+          </a:p>
+        </p:txBody>
+      </p:sp>
+      <p:graphicFrame>
+        <p:nvGraphicFramePr>
+          <p:cNvPr id="6" name="Table 5">
+            <a:extLst>
+              <a:ext uri="{FF2B5EF4-FFF2-40B4-BE49-F238E27FC236}">
+                <a16:creationId xmlns:a16="http://schemas.microsoft.com/office/drawing/2014/main" id="{E35AC7B3-4DAE-F1E6-D0DB-3FF372274282}"/>
+              </a:ext>
+            </a:extLst>
+          </p:cNvPr>
+          <p:cNvGraphicFramePr>
+            <a:graphicFrameLocks noGrp="1"/>
+          </p:cNvGraphicFramePr>
+          <p:nvPr>
+            <p:extLst>
+              <p:ext uri="{D42A27DB-BD31-4B8C-83A1-F6EECF244321}">
+                <p14:modId xmlns:p14="http://schemas.microsoft.com/office/powerpoint/2010/main" val="280575760"/>
               </p:ext>
             </p:extLst>
           </p:nvPr>
@@ -3824,7 +4704,7 @@
                       <a:r>
                         <a:rPr lang="en-US" sz="2000" kern="100" dirty="0">
                           <a:effectLst/>
-                          <a:latin typeface="Calibri" panose="020F0502020204030204" pitchFamily="34" charset="0"/>
+                          <a:latin typeface="+mn-lt"/>
                           <a:ea typeface="Calibri" panose="020F0502020204030204" pitchFamily="34" charset="0"/>
                           <a:cs typeface="Arial" panose="020B0604020202020204" pitchFamily="34" charset="0"/>
                         </a:rPr>
@@ -3832,7 +4712,7 @@
                       </a:r>
                       <a:endParaRPr lang="en-PK" sz="2000" kern="100" dirty="0">
                         <a:effectLst/>
-                        <a:latin typeface="Calibri" panose="020F0502020204030204" pitchFamily="34" charset="0"/>
+                        <a:latin typeface="+mn-lt"/>
                         <a:ea typeface="Calibri" panose="020F0502020204030204" pitchFamily="34" charset="0"/>
                         <a:cs typeface="Arial" panose="020B0604020202020204" pitchFamily="34" charset="0"/>
                       </a:endParaRPr>
@@ -3853,16 +4733,16 @@
                       <a:r>
                         <a:rPr lang="en-US" sz="2000" kern="100" dirty="0">
                           <a:effectLst/>
-                          <a:latin typeface="Calibri" panose="020F0502020204030204" pitchFamily="34" charset="0"/>
-                          <a:ea typeface="Calibri" panose="020F0502020204030204" pitchFamily="34" charset="0"/>
-                          <a:cs typeface="Arial" panose="020B0604020202020204" pitchFamily="34" charset="0"/>
-                        </a:rPr>
-                        <a:t>2104 </a:t>
+                          <a:latin typeface="+mn-lt"/>
+                          <a:ea typeface="Calibri" panose="020F0502020204030204" pitchFamily="34" charset="0"/>
+                          <a:cs typeface="Arial" panose="020B0604020202020204" pitchFamily="34" charset="0"/>
+                        </a:rPr>
+                        <a:t>2051 </a:t>
                       </a:r>
                       <a:r>
                         <a:rPr lang="en-US" sz="2000" kern="100" dirty="0" err="1">
                           <a:effectLst/>
-                          <a:latin typeface="Calibri" panose="020F0502020204030204" pitchFamily="34" charset="0"/>
+                          <a:latin typeface="+mn-lt"/>
                           <a:ea typeface="Calibri" panose="020F0502020204030204" pitchFamily="34" charset="0"/>
                           <a:cs typeface="Arial" panose="020B0604020202020204" pitchFamily="34" charset="0"/>
                         </a:rPr>
@@ -3871,7 +4751,7 @@
                       <a:r>
                         <a:rPr lang="en-US" sz="2000" kern="100" dirty="0">
                           <a:effectLst/>
-                          <a:latin typeface="Calibri" panose="020F0502020204030204" pitchFamily="34" charset="0"/>
+                          <a:latin typeface="+mn-lt"/>
                           <a:ea typeface="Calibri" panose="020F0502020204030204" pitchFamily="34" charset="0"/>
                           <a:cs typeface="Arial" panose="020B0604020202020204" pitchFamily="34" charset="0"/>
                         </a:rPr>
@@ -3879,7 +4759,7 @@
                       </a:r>
                       <a:endParaRPr lang="en-PK" sz="2000" kern="100" dirty="0">
                         <a:effectLst/>
-                        <a:latin typeface="Calibri" panose="020F0502020204030204" pitchFamily="34" charset="0"/>
+                        <a:latin typeface="+mn-lt"/>
                         <a:ea typeface="Calibri" panose="020F0502020204030204" pitchFamily="34" charset="0"/>
                         <a:cs typeface="Arial" panose="020B0604020202020204" pitchFamily="34" charset="0"/>
                       </a:endParaRPr>
@@ -3896,15 +4776,15 @@
                       <a:r>
                         <a:rPr lang="en-US" sz="2000" kern="100" dirty="0">
                           <a:effectLst/>
-                          <a:latin typeface="Calibri" panose="020F0502020204030204" pitchFamily="34" charset="0"/>
-                          <a:ea typeface="Calibri" panose="020F0502020204030204" pitchFamily="34" charset="0"/>
-                          <a:cs typeface="Arial" panose="020B0604020202020204" pitchFamily="34" charset="0"/>
-                        </a:rPr>
-                        <a:t>Play music</a:t>
+                          <a:latin typeface="+mn-lt"/>
+                          <a:ea typeface="Calibri" panose="020F0502020204030204" pitchFamily="34" charset="0"/>
+                          <a:cs typeface="Arial" panose="020B0604020202020204" pitchFamily="34" charset="0"/>
+                        </a:rPr>
+                        <a:t>Connect</a:t>
                       </a:r>
                       <a:endParaRPr lang="en-PK" sz="2000" kern="100" dirty="0">
                         <a:effectLst/>
-                        <a:latin typeface="Calibri" panose="020F0502020204030204" pitchFamily="34" charset="0"/>
+                        <a:latin typeface="+mn-lt"/>
                         <a:ea typeface="Calibri" panose="020F0502020204030204" pitchFamily="34" charset="0"/>
                         <a:cs typeface="Arial" panose="020B0604020202020204" pitchFamily="34" charset="0"/>
                       </a:endParaRPr>
@@ -3921,11 +4801,11 @@
                       <a:r>
                         <a:rPr lang="en-US" sz="2000" i="1" kern="100" dirty="0">
                           <a:effectLst/>
-                          <a:latin typeface="Calibri" panose="020F0502020204030204" pitchFamily="34" charset="0"/>
-                          <a:ea typeface="Calibri" panose="020F0502020204030204" pitchFamily="34" charset="0"/>
-                          <a:cs typeface="Arial" panose="020B0604020202020204" pitchFamily="34" charset="0"/>
-                        </a:rPr>
-                        <a:t>Alexa, play </a:t>
+                          <a:latin typeface="+mn-lt"/>
+                          <a:ea typeface="Calibri" panose="020F0502020204030204" pitchFamily="34" charset="0"/>
+                          <a:cs typeface="Arial" panose="020B0604020202020204" pitchFamily="34" charset="0"/>
+                        </a:rPr>
+                        <a:t>Alexa, connect to </a:t>
                       </a:r>
                       <a:r>
                         <a:rPr lang="en-US" sz="2000" b="1" i="1" kern="100" dirty="0">
@@ -3933,18 +4813,18 @@
                             <a:srgbClr val="FF0000"/>
                           </a:solidFill>
                           <a:effectLst/>
-                          <a:latin typeface="Calibri" panose="020F0502020204030204" pitchFamily="34" charset="0"/>
-                          <a:ea typeface="Calibri" panose="020F0502020204030204" pitchFamily="34" charset="0"/>
-                          <a:cs typeface="Arial" panose="020B0604020202020204" pitchFamily="34" charset="0"/>
-                        </a:rPr>
-                        <a:t>centuries</a:t>
-                      </a:r>
-                      <a:endParaRPr lang="en-PK" sz="2000" b="1" kern="100" dirty="0">
+                          <a:latin typeface="+mn-lt"/>
+                          <a:ea typeface="Calibri" panose="020F0502020204030204" pitchFamily="34" charset="0"/>
+                          <a:cs typeface="Arial" panose="020B0604020202020204" pitchFamily="34" charset="0"/>
+                        </a:rPr>
+                        <a:t>Sarfraz’s MacBook Pro</a:t>
+                      </a:r>
+                      <a:endParaRPr lang="en-PK" sz="2000" b="1" i="1" kern="100" dirty="0">
                         <a:solidFill>
                           <a:srgbClr val="FF0000"/>
                         </a:solidFill>
                         <a:effectLst/>
-                        <a:latin typeface="Calibri" panose="020F0502020204030204" pitchFamily="34" charset="0"/>
+                        <a:latin typeface="+mn-lt"/>
                         <a:ea typeface="Calibri" panose="020F0502020204030204" pitchFamily="34" charset="0"/>
                         <a:cs typeface="Arial" panose="020B0604020202020204" pitchFamily="34" charset="0"/>
                       </a:endParaRPr>
@@ -3957,19 +4837,19 @@
                     <a:bodyPr/>
                     <a:lstStyle/>
                     <a:p>
-                      <a:pPr algn="ctr"/>
-                      <a:r>
-                        <a:rPr lang="en-US" sz="2000" kern="100" dirty="0">
-                          <a:effectLst/>
-                          <a:latin typeface="Calibri" panose="020F0502020204030204" pitchFamily="34" charset="0"/>
-                          <a:ea typeface="Calibri" panose="020F0502020204030204" pitchFamily="34" charset="0"/>
-                          <a:cs typeface="Arial" panose="020B0604020202020204" pitchFamily="34" charset="0"/>
-                        </a:rPr>
-                        <a:t>Here is centuries by Fallout boys on Amazon Music</a:t>
-                      </a:r>
-                      <a:endParaRPr lang="en-PK" sz="2000" kern="100" dirty="0">
-                        <a:effectLst/>
-                        <a:latin typeface="Calibri" panose="020F0502020204030204" pitchFamily="34" charset="0"/>
+                      <a:pPr algn="l"/>
+                      <a:r>
+                        <a:rPr lang="en-US" sz="2000" kern="100">
+                          <a:effectLst/>
+                          <a:latin typeface="+mn-lt"/>
+                          <a:ea typeface="Calibri" panose="020F0502020204030204" pitchFamily="34" charset="0"/>
+                          <a:cs typeface="Arial" panose="020B0604020202020204" pitchFamily="34" charset="0"/>
+                        </a:rPr>
+                        <a:t>Searching… Connected to Sarfraz’s MacBook Pro</a:t>
+                      </a:r>
+                      <a:endParaRPr lang="en-PK" sz="2000" kern="100">
+                        <a:effectLst/>
+                        <a:latin typeface="+mn-lt"/>
                         <a:ea typeface="Calibri" panose="020F0502020204030204" pitchFamily="34" charset="0"/>
                         <a:cs typeface="Arial" panose="020B0604020202020204" pitchFamily="34" charset="0"/>
                       </a:endParaRPr>
@@ -3993,7 +4873,7 @@
                       <a:r>
                         <a:rPr lang="en-US" sz="2000" kern="100">
                           <a:effectLst/>
-                          <a:latin typeface="Calibri" panose="020F0502020204030204" pitchFamily="34" charset="0"/>
+                          <a:latin typeface="+mn-lt"/>
                           <a:ea typeface="Calibri" panose="020F0502020204030204" pitchFamily="34" charset="0"/>
                           <a:cs typeface="Arial" panose="020B0604020202020204" pitchFamily="34" charset="0"/>
                         </a:rPr>
@@ -4001,7 +4881,7 @@
                       </a:r>
                       <a:endParaRPr lang="en-PK" sz="2000" kern="100">
                         <a:effectLst/>
-                        <a:latin typeface="Calibri" panose="020F0502020204030204" pitchFamily="34" charset="0"/>
+                        <a:latin typeface="+mn-lt"/>
                         <a:ea typeface="Calibri" panose="020F0502020204030204" pitchFamily="34" charset="0"/>
                         <a:cs typeface="Arial" panose="020B0604020202020204" pitchFamily="34" charset="0"/>
                       </a:endParaRPr>
@@ -4022,91 +4902,575 @@
                       <a:r>
                         <a:rPr lang="en-US" sz="2000" kern="100" dirty="0">
                           <a:effectLst/>
+                          <a:latin typeface="+mn-lt"/>
+                          <a:ea typeface="Calibri" panose="020F0502020204030204" pitchFamily="34" charset="0"/>
+                          <a:cs typeface="Arial" panose="020B0604020202020204" pitchFamily="34" charset="0"/>
+                        </a:rPr>
+                        <a:t>2052 </a:t>
+                      </a:r>
+                      <a:r>
+                        <a:rPr lang="en-US" sz="2000" kern="100" dirty="0" err="1">
+                          <a:effectLst/>
+                          <a:latin typeface="+mn-lt"/>
+                          <a:ea typeface="Calibri" panose="020F0502020204030204" pitchFamily="34" charset="0"/>
+                          <a:cs typeface="Arial" panose="020B0604020202020204" pitchFamily="34" charset="0"/>
+                        </a:rPr>
+                        <a:t>hrs</a:t>
+                      </a:r>
+                      <a:r>
+                        <a:rPr lang="en-US" sz="2000" kern="100" dirty="0">
+                          <a:effectLst/>
+                          <a:latin typeface="+mn-lt"/>
+                          <a:ea typeface="Calibri" panose="020F0502020204030204" pitchFamily="34" charset="0"/>
+                          <a:cs typeface="Arial" panose="020B0604020202020204" pitchFamily="34" charset="0"/>
+                        </a:rPr>
+                        <a:t> on Oct 21, 2023</a:t>
+                      </a:r>
+                      <a:endParaRPr lang="en-PK" sz="2000" kern="100" dirty="0">
+                        <a:effectLst/>
+                        <a:latin typeface="+mn-lt"/>
+                        <a:ea typeface="Calibri" panose="020F0502020204030204" pitchFamily="34" charset="0"/>
+                        <a:cs typeface="Arial" panose="020B0604020202020204" pitchFamily="34" charset="0"/>
+                      </a:endParaRPr>
+                    </a:p>
+                  </a:txBody>
+                  <a:tcPr marL="68580" marR="68580" marT="0" marB="0" anchor="ctr"/>
+                </a:tc>
+                <a:tc>
+                  <a:txBody>
+                    <a:bodyPr/>
+                    <a:lstStyle/>
+                    <a:p>
+                      <a:pPr algn="l"/>
+                      <a:r>
+                        <a:rPr lang="en-US" sz="2000" kern="100" dirty="0">
+                          <a:effectLst/>
+                          <a:latin typeface="+mn-lt"/>
+                          <a:ea typeface="Calibri" panose="020F0502020204030204" pitchFamily="34" charset="0"/>
+                          <a:cs typeface="Arial" panose="020B0604020202020204" pitchFamily="34" charset="0"/>
+                        </a:rPr>
+                        <a:t>Play</a:t>
+                      </a:r>
+                      <a:endParaRPr lang="en-PK" sz="2000" kern="100" dirty="0">
+                        <a:effectLst/>
+                        <a:latin typeface="+mn-lt"/>
+                        <a:ea typeface="Calibri" panose="020F0502020204030204" pitchFamily="34" charset="0"/>
+                        <a:cs typeface="Arial" panose="020B0604020202020204" pitchFamily="34" charset="0"/>
+                      </a:endParaRPr>
+                    </a:p>
+                  </a:txBody>
+                  <a:tcPr marL="68580" marR="68580" marT="0" marB="0" anchor="ctr"/>
+                </a:tc>
+                <a:tc>
+                  <a:txBody>
+                    <a:bodyPr/>
+                    <a:lstStyle/>
+                    <a:p>
+                      <a:pPr algn="l"/>
+                      <a:r>
+                        <a:rPr lang="en-US" sz="2000" i="1" kern="100" dirty="0">
+                          <a:effectLst/>
+                          <a:latin typeface="+mn-lt"/>
+                          <a:ea typeface="Calibri" panose="020F0502020204030204" pitchFamily="34" charset="0"/>
+                          <a:cs typeface="Arial" panose="020B0604020202020204" pitchFamily="34" charset="0"/>
+                        </a:rPr>
+                        <a:t>Manually (played YouTube from MacBook)</a:t>
+                      </a:r>
+                      <a:endParaRPr lang="en-PK" sz="2000" kern="100" dirty="0">
+                        <a:effectLst/>
+                        <a:latin typeface="+mn-lt"/>
+                        <a:ea typeface="Calibri" panose="020F0502020204030204" pitchFamily="34" charset="0"/>
+                        <a:cs typeface="Arial" panose="020B0604020202020204" pitchFamily="34" charset="0"/>
+                      </a:endParaRPr>
+                    </a:p>
+                  </a:txBody>
+                  <a:tcPr marL="68580" marR="68580" marT="0" marB="0" anchor="ctr"/>
+                </a:tc>
+                <a:tc>
+                  <a:txBody>
+                    <a:bodyPr/>
+                    <a:lstStyle/>
+                    <a:p>
+                      <a:pPr algn="l"/>
+                      <a:r>
+                        <a:rPr lang="en-US" sz="2000" i="1" kern="100" dirty="0">
+                          <a:effectLst/>
+                          <a:latin typeface="+mn-lt"/>
+                          <a:ea typeface="Calibri" panose="020F0502020204030204" pitchFamily="34" charset="0"/>
+                          <a:cs typeface="Arial" panose="020B0604020202020204" pitchFamily="34" charset="0"/>
+                        </a:rPr>
+                        <a:t>Audio streaming)</a:t>
+                      </a:r>
+                      <a:endParaRPr lang="en-PK" sz="2000" kern="100" dirty="0">
+                        <a:effectLst/>
+                        <a:latin typeface="+mn-lt"/>
+                        <a:ea typeface="Calibri" panose="020F0502020204030204" pitchFamily="34" charset="0"/>
+                        <a:cs typeface="Arial" panose="020B0604020202020204" pitchFamily="34" charset="0"/>
+                      </a:endParaRPr>
+                    </a:p>
+                  </a:txBody>
+                  <a:tcPr marL="68580" marR="68580" marT="0" marB="0" anchor="ctr"/>
+                </a:tc>
+                <a:extLst>
+                  <a:ext uri="{0D108BD9-81ED-4DB2-BD59-A6C34878D82A}">
+                    <a16:rowId xmlns:a16="http://schemas.microsoft.com/office/drawing/2014/main" val="2759697237"/>
+                  </a:ext>
+                </a:extLst>
+              </a:tr>
+            </a:tbl>
+          </a:graphicData>
+        </a:graphic>
+      </p:graphicFrame>
+      <p:sp>
+        <p:nvSpPr>
+          <p:cNvPr id="2" name="TextBox 1">
+            <a:extLst>
+              <a:ext uri="{FF2B5EF4-FFF2-40B4-BE49-F238E27FC236}">
+                <a16:creationId xmlns:a16="http://schemas.microsoft.com/office/drawing/2014/main" id="{62124052-BC48-B6E9-48C8-061CF39F04E5}"/>
+              </a:ext>
+            </a:extLst>
+          </p:cNvPr>
+          <p:cNvSpPr txBox="1"/>
+          <p:nvPr/>
+        </p:nvSpPr>
+        <p:spPr>
+          <a:xfrm>
+            <a:off x="2447364" y="6525125"/>
+            <a:ext cx="8713695" cy="338554"/>
+          </a:xfrm>
+          <a:prstGeom prst="rect">
+            <a:avLst/>
+          </a:prstGeom>
+          <a:noFill/>
+        </p:spPr>
+        <p:txBody>
+          <a:bodyPr wrap="square" rtlCol="0">
+            <a:spAutoFit/>
+          </a:bodyPr>
+          <a:lstStyle/>
+          <a:p>
+            <a:pPr algn="ctr"/>
+            <a:r>
+              <a:rPr lang="en-PK" sz="1600" i="1" dirty="0"/>
+              <a:t>Note: The text in highlighted in red is potential evidence to be searched in Echo Show Device Image</a:t>
+            </a:r>
+          </a:p>
+        </p:txBody>
+      </p:sp>
+    </p:spTree>
+    <p:extLst>
+      <p:ext uri="{BB962C8B-B14F-4D97-AF65-F5344CB8AC3E}">
+        <p14:creationId xmlns:p14="http://schemas.microsoft.com/office/powerpoint/2010/main" val="2500795591"/>
+      </p:ext>
+    </p:extLst>
+  </p:cSld>
+  <p:clrMapOvr>
+    <a:masterClrMapping/>
+  </p:clrMapOvr>
+</p:sld>
+</file>
+
+<file path=ppt/slides/slide12.xml><?xml version="1.0" encoding="utf-8"?>
+<p:sld xmlns:a="http://schemas.openxmlformats.org/drawingml/2006/main" xmlns:r="http://schemas.openxmlformats.org/officeDocument/2006/relationships" xmlns:p="http://schemas.openxmlformats.org/presentationml/2006/main">
+  <p:cSld>
+    <p:spTree>
+      <p:nvGrpSpPr>
+        <p:cNvPr id="1" name=""/>
+        <p:cNvGrpSpPr/>
+        <p:nvPr/>
+      </p:nvGrpSpPr>
+      <p:grpSpPr>
+        <a:xfrm>
+          <a:off x="0" y="0"/>
+          <a:ext cx="0" cy="0"/>
+          <a:chOff x="0" y="0"/>
+          <a:chExt cx="0" cy="0"/>
+        </a:xfrm>
+      </p:grpSpPr>
+      <p:sp>
+        <p:nvSpPr>
+          <p:cNvPr id="4" name="Title 3">
+            <a:extLst>
+              <a:ext uri="{FF2B5EF4-FFF2-40B4-BE49-F238E27FC236}">
+                <a16:creationId xmlns:a16="http://schemas.microsoft.com/office/drawing/2014/main" id="{4B469AA7-C42C-CCE9-1B07-385C895CA9A9}"/>
+              </a:ext>
+            </a:extLst>
+          </p:cNvPr>
+          <p:cNvSpPr>
+            <a:spLocks noGrp="1"/>
+          </p:cNvSpPr>
+          <p:nvPr>
+            <p:ph type="title"/>
+          </p:nvPr>
+        </p:nvSpPr>
+        <p:spPr/>
+        <p:txBody>
+          <a:bodyPr/>
+          <a:lstStyle/>
+          <a:p>
+            <a:r>
+              <a:rPr lang="en-US" kern="100" dirty="0"/>
+              <a:t>Playing Audio / Music</a:t>
+            </a:r>
+            <a:endParaRPr lang="en-PK" dirty="0"/>
+          </a:p>
+        </p:txBody>
+      </p:sp>
+      <p:graphicFrame>
+        <p:nvGraphicFramePr>
+          <p:cNvPr id="6" name="Table 5">
+            <a:extLst>
+              <a:ext uri="{FF2B5EF4-FFF2-40B4-BE49-F238E27FC236}">
+                <a16:creationId xmlns:a16="http://schemas.microsoft.com/office/drawing/2014/main" id="{E35AC7B3-4DAE-F1E6-D0DB-3FF372274282}"/>
+              </a:ext>
+            </a:extLst>
+          </p:cNvPr>
+          <p:cNvGraphicFramePr>
+            <a:graphicFrameLocks noGrp="1"/>
+          </p:cNvGraphicFramePr>
+          <p:nvPr>
+            <p:extLst>
+              <p:ext uri="{D42A27DB-BD31-4B8C-83A1-F6EECF244321}">
+                <p14:modId xmlns:p14="http://schemas.microsoft.com/office/powerpoint/2010/main" val="335445602"/>
+              </p:ext>
+            </p:extLst>
+          </p:nvPr>
+        </p:nvGraphicFramePr>
+        <p:xfrm>
+          <a:off x="838199" y="1690687"/>
+          <a:ext cx="10548801" cy="2133600"/>
+        </p:xfrm>
+        <a:graphic>
+          <a:graphicData uri="http://schemas.openxmlformats.org/drawingml/2006/table">
+            <a:tbl>
+              <a:tblPr firstRow="1" firstCol="1" bandRow="1">
+                <a:tableStyleId>{5940675A-B579-460E-94D1-54222C63F5DA}</a:tableStyleId>
+              </a:tblPr>
+              <a:tblGrid>
+                <a:gridCol w="576264">
+                  <a:extLst>
+                    <a:ext uri="{9D8B030D-6E8A-4147-A177-3AD203B41FA5}">
+                      <a16:colId xmlns:a16="http://schemas.microsoft.com/office/drawing/2014/main" val="2048541075"/>
+                    </a:ext>
+                  </a:extLst>
+                </a:gridCol>
+                <a:gridCol w="1543050">
+                  <a:extLst>
+                    <a:ext uri="{9D8B030D-6E8A-4147-A177-3AD203B41FA5}">
+                      <a16:colId xmlns:a16="http://schemas.microsoft.com/office/drawing/2014/main" val="1365377391"/>
+                    </a:ext>
+                  </a:extLst>
+                </a:gridCol>
+                <a:gridCol w="2259946">
+                  <a:extLst>
+                    <a:ext uri="{9D8B030D-6E8A-4147-A177-3AD203B41FA5}">
+                      <a16:colId xmlns:a16="http://schemas.microsoft.com/office/drawing/2014/main" val="191054896"/>
+                    </a:ext>
+                  </a:extLst>
+                </a:gridCol>
+                <a:gridCol w="3569354">
+                  <a:extLst>
+                    <a:ext uri="{9D8B030D-6E8A-4147-A177-3AD203B41FA5}">
+                      <a16:colId xmlns:a16="http://schemas.microsoft.com/office/drawing/2014/main" val="1866194607"/>
+                    </a:ext>
+                  </a:extLst>
+                </a:gridCol>
+                <a:gridCol w="2600187">
+                  <a:extLst>
+                    <a:ext uri="{9D8B030D-6E8A-4147-A177-3AD203B41FA5}">
+                      <a16:colId xmlns:a16="http://schemas.microsoft.com/office/drawing/2014/main" val="2165446263"/>
+                    </a:ext>
+                  </a:extLst>
+                </a:gridCol>
+              </a:tblGrid>
+              <a:tr h="504031">
+                <a:tc>
+                  <a:txBody>
+                    <a:bodyPr/>
+                    <a:lstStyle/>
+                    <a:p>
+                      <a:pPr algn="ctr"/>
+                      <a:r>
+                        <a:rPr lang="en-US" sz="2000" b="1" i="0" kern="100" dirty="0">
+                          <a:effectLst/>
+                          <a:latin typeface="+mn-lt"/>
+                          <a:ea typeface="Calibri" panose="020F0502020204030204" pitchFamily="34" charset="0"/>
+                          <a:cs typeface="Arial" panose="020B0604020202020204" pitchFamily="34" charset="0"/>
+                        </a:rPr>
+                        <a:t>S. No.</a:t>
+                      </a:r>
+                      <a:endParaRPr lang="en-PK" sz="2000" i="0" kern="100" dirty="0">
+                        <a:effectLst/>
+                        <a:latin typeface="+mn-lt"/>
+                        <a:ea typeface="Calibri" panose="020F0502020204030204" pitchFamily="34" charset="0"/>
+                        <a:cs typeface="Arial" panose="020B0604020202020204" pitchFamily="34" charset="0"/>
+                      </a:endParaRPr>
+                    </a:p>
+                  </a:txBody>
+                  <a:tcPr marL="68580" marR="68580" marT="0" marB="0" anchor="ctr">
+                    <a:solidFill>
+                      <a:srgbClr val="FFFF00"/>
+                    </a:solidFill>
+                  </a:tcPr>
+                </a:tc>
+                <a:tc>
+                  <a:txBody>
+                    <a:bodyPr/>
+                    <a:lstStyle/>
+                    <a:p>
+                      <a:pPr algn="ctr"/>
+                      <a:r>
+                        <a:rPr lang="en-US" sz="2000" b="1" i="0" kern="100" dirty="0">
+                          <a:effectLst/>
+                          <a:latin typeface="+mn-lt"/>
+                          <a:ea typeface="Calibri" panose="020F0502020204030204" pitchFamily="34" charset="0"/>
+                          <a:cs typeface="Arial" panose="020B0604020202020204" pitchFamily="34" charset="0"/>
+                        </a:rPr>
+                        <a:t>Date &amp; Time</a:t>
+                      </a:r>
+                      <a:endParaRPr lang="en-PK" sz="2000" i="0" kern="100" dirty="0">
+                        <a:effectLst/>
+                        <a:latin typeface="+mn-lt"/>
+                        <a:ea typeface="Calibri" panose="020F0502020204030204" pitchFamily="34" charset="0"/>
+                        <a:cs typeface="Arial" panose="020B0604020202020204" pitchFamily="34" charset="0"/>
+                      </a:endParaRPr>
+                    </a:p>
+                  </a:txBody>
+                  <a:tcPr marL="68580" marR="68580" marT="0" marB="0" anchor="ctr">
+                    <a:solidFill>
+                      <a:srgbClr val="FFFF00"/>
+                    </a:solidFill>
+                  </a:tcPr>
+                </a:tc>
+                <a:tc>
+                  <a:txBody>
+                    <a:bodyPr/>
+                    <a:lstStyle/>
+                    <a:p>
+                      <a:pPr algn="ctr"/>
+                      <a:r>
+                        <a:rPr lang="en-US" sz="2000" b="1" i="0" kern="100" dirty="0">
+                          <a:effectLst/>
+                          <a:latin typeface="+mn-lt"/>
+                          <a:ea typeface="Calibri" panose="020F0502020204030204" pitchFamily="34" charset="0"/>
+                          <a:cs typeface="Arial" panose="020B0604020202020204" pitchFamily="34" charset="0"/>
+                        </a:rPr>
+                        <a:t>Action</a:t>
+                      </a:r>
+                      <a:endParaRPr lang="en-PK" sz="2000" i="0" kern="100" dirty="0">
+                        <a:effectLst/>
+                        <a:latin typeface="+mn-lt"/>
+                        <a:ea typeface="Calibri" panose="020F0502020204030204" pitchFamily="34" charset="0"/>
+                        <a:cs typeface="Arial" panose="020B0604020202020204" pitchFamily="34" charset="0"/>
+                      </a:endParaRPr>
+                    </a:p>
+                  </a:txBody>
+                  <a:tcPr marL="68580" marR="68580" marT="0" marB="0" anchor="ctr">
+                    <a:solidFill>
+                      <a:srgbClr val="FFFF00"/>
+                    </a:solidFill>
+                  </a:tcPr>
+                </a:tc>
+                <a:tc>
+                  <a:txBody>
+                    <a:bodyPr/>
+                    <a:lstStyle/>
+                    <a:p>
+                      <a:pPr algn="ctr"/>
+                      <a:r>
+                        <a:rPr lang="en-US" sz="2000" b="1" i="0" kern="100" dirty="0">
+                          <a:effectLst/>
+                          <a:latin typeface="+mn-lt"/>
+                          <a:ea typeface="Calibri" panose="020F0502020204030204" pitchFamily="34" charset="0"/>
+                          <a:cs typeface="Arial" panose="020B0604020202020204" pitchFamily="34" charset="0"/>
+                        </a:rPr>
+                        <a:t>Voice Command</a:t>
+                      </a:r>
+                      <a:endParaRPr lang="en-PK" sz="2000" i="0" kern="100" dirty="0">
+                        <a:effectLst/>
+                        <a:latin typeface="+mn-lt"/>
+                        <a:ea typeface="Calibri" panose="020F0502020204030204" pitchFamily="34" charset="0"/>
+                        <a:cs typeface="Arial" panose="020B0604020202020204" pitchFamily="34" charset="0"/>
+                      </a:endParaRPr>
+                    </a:p>
+                  </a:txBody>
+                  <a:tcPr marL="68580" marR="68580" marT="0" marB="0" anchor="ctr">
+                    <a:solidFill>
+                      <a:srgbClr val="FFFF00"/>
+                    </a:solidFill>
+                  </a:tcPr>
+                </a:tc>
+                <a:tc>
+                  <a:txBody>
+                    <a:bodyPr/>
+                    <a:lstStyle/>
+                    <a:p>
+                      <a:pPr algn="ctr"/>
+                      <a:r>
+                        <a:rPr lang="en-US" sz="2000" b="1" i="0" kern="100" dirty="0">
+                          <a:effectLst/>
+                          <a:latin typeface="+mn-lt"/>
+                          <a:ea typeface="Calibri" panose="020F0502020204030204" pitchFamily="34" charset="0"/>
+                          <a:cs typeface="Arial" panose="020B0604020202020204" pitchFamily="34" charset="0"/>
+                        </a:rPr>
+                        <a:t>Response</a:t>
+                      </a:r>
+                      <a:endParaRPr lang="en-PK" sz="2000" i="0" kern="100" dirty="0">
+                        <a:effectLst/>
+                        <a:latin typeface="+mn-lt"/>
+                        <a:ea typeface="Calibri" panose="020F0502020204030204" pitchFamily="34" charset="0"/>
+                        <a:cs typeface="Arial" panose="020B0604020202020204" pitchFamily="34" charset="0"/>
+                      </a:endParaRPr>
+                    </a:p>
+                  </a:txBody>
+                  <a:tcPr marL="68580" marR="68580" marT="0" marB="0" anchor="ctr">
+                    <a:solidFill>
+                      <a:srgbClr val="FFFF00"/>
+                    </a:solidFill>
+                  </a:tcPr>
+                </a:tc>
+                <a:extLst>
+                  <a:ext uri="{0D108BD9-81ED-4DB2-BD59-A6C34878D82A}">
+                    <a16:rowId xmlns:a16="http://schemas.microsoft.com/office/drawing/2014/main" val="1568174763"/>
+                  </a:ext>
+                </a:extLst>
+              </a:tr>
+              <a:tr h="504031">
+                <a:tc>
+                  <a:txBody>
+                    <a:bodyPr/>
+                    <a:lstStyle/>
+                    <a:p>
+                      <a:pPr algn="ctr"/>
+                      <a:r>
+                        <a:rPr lang="en-US" sz="2000" kern="100" dirty="0">
+                          <a:effectLst/>
                           <a:latin typeface="Calibri" panose="020F0502020204030204" pitchFamily="34" charset="0"/>
                           <a:ea typeface="Calibri" panose="020F0502020204030204" pitchFamily="34" charset="0"/>
                           <a:cs typeface="Arial" panose="020B0604020202020204" pitchFamily="34" charset="0"/>
                         </a:rPr>
-                        <a:t>2106 </a:t>
+                        <a:t>1</a:t>
+                      </a:r>
+                      <a:endParaRPr lang="en-PK" sz="2000" kern="100" dirty="0">
+                        <a:effectLst/>
+                        <a:latin typeface="Calibri" panose="020F0502020204030204" pitchFamily="34" charset="0"/>
+                        <a:ea typeface="Calibri" panose="020F0502020204030204" pitchFamily="34" charset="0"/>
+                        <a:cs typeface="Arial" panose="020B0604020202020204" pitchFamily="34" charset="0"/>
+                      </a:endParaRPr>
+                    </a:p>
+                  </a:txBody>
+                  <a:tcPr marL="68580" marR="68580" marT="0" marB="0" anchor="ctr"/>
+                </a:tc>
+                <a:tc>
+                  <a:txBody>
+                    <a:bodyPr/>
+                    <a:lstStyle/>
+                    <a:p>
+                      <a:pPr marL="0" algn="l" defTabSz="914400" rtl="0" eaLnBrk="1" latinLnBrk="0" hangingPunct="1">
+                        <a:tabLst>
+                          <a:tab pos="786130" algn="ctr"/>
+                        </a:tabLst>
+                      </a:pPr>
+                      <a:r>
+                        <a:rPr lang="en-US" sz="2000" kern="100" dirty="0">
+                          <a:solidFill>
+                            <a:schemeClr val="tx1"/>
+                          </a:solidFill>
+                          <a:effectLst/>
+                          <a:latin typeface="+mn-lt"/>
+                          <a:ea typeface="Calibri" panose="020F0502020204030204" pitchFamily="34" charset="0"/>
+                          <a:cs typeface="Arial" panose="020B0604020202020204" pitchFamily="34" charset="0"/>
+                        </a:rPr>
+                        <a:t>2104 </a:t>
                       </a:r>
                       <a:r>
                         <a:rPr lang="en-US" sz="2000" kern="100" dirty="0" err="1">
+                          <a:solidFill>
+                            <a:schemeClr val="tx1"/>
+                          </a:solidFill>
+                          <a:effectLst/>
+                          <a:latin typeface="+mn-lt"/>
+                          <a:ea typeface="Calibri" panose="020F0502020204030204" pitchFamily="34" charset="0"/>
+                          <a:cs typeface="Arial" panose="020B0604020202020204" pitchFamily="34" charset="0"/>
+                        </a:rPr>
+                        <a:t>hrs</a:t>
+                      </a:r>
+                      <a:r>
+                        <a:rPr lang="en-US" sz="2000" kern="100" dirty="0">
+                          <a:solidFill>
+                            <a:schemeClr val="tx1"/>
+                          </a:solidFill>
+                          <a:effectLst/>
+                          <a:latin typeface="+mn-lt"/>
+                          <a:ea typeface="Calibri" panose="020F0502020204030204" pitchFamily="34" charset="0"/>
+                          <a:cs typeface="Arial" panose="020B0604020202020204" pitchFamily="34" charset="0"/>
+                        </a:rPr>
+                        <a:t> on Oct 21, 2023</a:t>
+                      </a:r>
+                      <a:endParaRPr lang="en-PK" sz="2000" kern="100" dirty="0">
+                        <a:solidFill>
+                          <a:schemeClr val="tx1"/>
+                        </a:solidFill>
+                        <a:effectLst/>
+                        <a:latin typeface="+mn-lt"/>
+                        <a:ea typeface="Calibri" panose="020F0502020204030204" pitchFamily="34" charset="0"/>
+                        <a:cs typeface="Arial" panose="020B0604020202020204" pitchFamily="34" charset="0"/>
+                      </a:endParaRPr>
+                    </a:p>
+                  </a:txBody>
+                  <a:tcPr marL="68580" marR="68580" marT="0" marB="0" anchor="ctr"/>
+                </a:tc>
+                <a:tc>
+                  <a:txBody>
+                    <a:bodyPr/>
+                    <a:lstStyle/>
+                    <a:p>
+                      <a:pPr algn="l"/>
+                      <a:r>
+                        <a:rPr lang="en-US" sz="2000" kern="100" dirty="0">
                           <a:effectLst/>
                           <a:latin typeface="Calibri" panose="020F0502020204030204" pitchFamily="34" charset="0"/>
                           <a:ea typeface="Calibri" panose="020F0502020204030204" pitchFamily="34" charset="0"/>
                           <a:cs typeface="Arial" panose="020B0604020202020204" pitchFamily="34" charset="0"/>
                         </a:rPr>
-                        <a:t>hrs</a:t>
-                      </a:r>
-                      <a:r>
-                        <a:rPr lang="en-US" sz="2000" kern="100" dirty="0">
+                        <a:t>Play music</a:t>
+                      </a:r>
+                      <a:endParaRPr lang="en-PK" sz="2000" kern="100" dirty="0">
+                        <a:effectLst/>
+                        <a:latin typeface="Calibri" panose="020F0502020204030204" pitchFamily="34" charset="0"/>
+                        <a:ea typeface="Calibri" panose="020F0502020204030204" pitchFamily="34" charset="0"/>
+                        <a:cs typeface="Arial" panose="020B0604020202020204" pitchFamily="34" charset="0"/>
+                      </a:endParaRPr>
+                    </a:p>
+                  </a:txBody>
+                  <a:tcPr marL="68580" marR="68580" marT="0" marB="0" anchor="ctr"/>
+                </a:tc>
+                <a:tc>
+                  <a:txBody>
+                    <a:bodyPr/>
+                    <a:lstStyle/>
+                    <a:p>
+                      <a:pPr algn="l"/>
+                      <a:r>
+                        <a:rPr lang="en-US" sz="2000" i="1" kern="100" dirty="0">
                           <a:effectLst/>
                           <a:latin typeface="Calibri" panose="020F0502020204030204" pitchFamily="34" charset="0"/>
                           <a:ea typeface="Calibri" panose="020F0502020204030204" pitchFamily="34" charset="0"/>
                           <a:cs typeface="Arial" panose="020B0604020202020204" pitchFamily="34" charset="0"/>
                         </a:rPr>
-                        <a:t> on Oct 21, 2023</a:t>
-                      </a:r>
-                      <a:endParaRPr lang="en-PK" sz="2000" kern="100" dirty="0">
-                        <a:effectLst/>
-                        <a:latin typeface="Calibri" panose="020F0502020204030204" pitchFamily="34" charset="0"/>
-                        <a:ea typeface="Calibri" panose="020F0502020204030204" pitchFamily="34" charset="0"/>
-                        <a:cs typeface="Arial" panose="020B0604020202020204" pitchFamily="34" charset="0"/>
-                      </a:endParaRPr>
-                    </a:p>
-                  </a:txBody>
-                  <a:tcPr marL="68580" marR="68580" marT="0" marB="0" anchor="ctr"/>
-                </a:tc>
-                <a:tc>
-                  <a:txBody>
-                    <a:bodyPr/>
-                    <a:lstStyle/>
-                    <a:p>
-                      <a:pPr algn="l"/>
-                      <a:r>
-                        <a:rPr lang="en-US" sz="2000" kern="100">
+                        <a:t>Alexa, play </a:t>
+                      </a:r>
+                      <a:r>
+                        <a:rPr lang="en-US" sz="2000" b="1" i="1" kern="100" dirty="0">
+                          <a:solidFill>
+                            <a:srgbClr val="FF0000"/>
+                          </a:solidFill>
                           <a:effectLst/>
                           <a:latin typeface="Calibri" panose="020F0502020204030204" pitchFamily="34" charset="0"/>
                           <a:ea typeface="Calibri" panose="020F0502020204030204" pitchFamily="34" charset="0"/>
                           <a:cs typeface="Arial" panose="020B0604020202020204" pitchFamily="34" charset="0"/>
                         </a:rPr>
-                        <a:t>Play music</a:t>
-                      </a:r>
-                      <a:endParaRPr lang="en-PK" sz="2000" kern="100">
-                        <a:effectLst/>
-                        <a:latin typeface="Calibri" panose="020F0502020204030204" pitchFamily="34" charset="0"/>
-                        <a:ea typeface="Calibri" panose="020F0502020204030204" pitchFamily="34" charset="0"/>
-                        <a:cs typeface="Arial" panose="020B0604020202020204" pitchFamily="34" charset="0"/>
-                      </a:endParaRPr>
-                    </a:p>
-                  </a:txBody>
-                  <a:tcPr marL="68580" marR="68580" marT="0" marB="0" anchor="ctr"/>
-                </a:tc>
-                <a:tc>
-                  <a:txBody>
-                    <a:bodyPr/>
-                    <a:lstStyle/>
-                    <a:p>
-                      <a:pPr algn="l"/>
-                      <a:r>
-                        <a:rPr lang="en-US" sz="2000" i="1" kern="100" dirty="0">
-                          <a:effectLst/>
-                          <a:latin typeface="Calibri" panose="020F0502020204030204" pitchFamily="34" charset="0"/>
-                          <a:ea typeface="Calibri" panose="020F0502020204030204" pitchFamily="34" charset="0"/>
-                          <a:cs typeface="Arial" panose="020B0604020202020204" pitchFamily="34" charset="0"/>
-                        </a:rPr>
-                        <a:t>Alexa, play </a:t>
-                      </a:r>
-                      <a:r>
-                        <a:rPr lang="en-US" sz="2000" b="1" i="1" kern="100" dirty="0">
-                          <a:solidFill>
-                            <a:srgbClr val="FF0000"/>
-                          </a:solidFill>
-                          <a:effectLst/>
-                          <a:latin typeface="Calibri" panose="020F0502020204030204" pitchFamily="34" charset="0"/>
-                          <a:ea typeface="Calibri" panose="020F0502020204030204" pitchFamily="34" charset="0"/>
-                          <a:cs typeface="Arial" panose="020B0604020202020204" pitchFamily="34" charset="0"/>
-                        </a:rPr>
-                        <a:t>money heist theme song</a:t>
+                        <a:t>centuries</a:t>
                       </a:r>
                       <a:endParaRPr lang="en-PK" sz="2000" b="1" kern="100" dirty="0">
                         <a:solidFill>
@@ -4126,7 +5490,188 @@
                     <a:bodyPr/>
                     <a:lstStyle/>
                     <a:p>
+                      <a:pPr algn="l"/>
+                      <a:r>
+                        <a:rPr lang="en-US" sz="2000" kern="100" dirty="0">
+                          <a:effectLst/>
+                          <a:latin typeface="Calibri" panose="020F0502020204030204" pitchFamily="34" charset="0"/>
+                          <a:ea typeface="Calibri" panose="020F0502020204030204" pitchFamily="34" charset="0"/>
+                          <a:cs typeface="Arial" panose="020B0604020202020204" pitchFamily="34" charset="0"/>
+                        </a:rPr>
+                        <a:t>Here is centuries by Fallout boys on Amazon Music</a:t>
+                      </a:r>
+                      <a:endParaRPr lang="en-PK" sz="2000" kern="100" dirty="0">
+                        <a:effectLst/>
+                        <a:latin typeface="Calibri" panose="020F0502020204030204" pitchFamily="34" charset="0"/>
+                        <a:ea typeface="Calibri" panose="020F0502020204030204" pitchFamily="34" charset="0"/>
+                        <a:cs typeface="Arial" panose="020B0604020202020204" pitchFamily="34" charset="0"/>
+                      </a:endParaRPr>
+                    </a:p>
+                  </a:txBody>
+                  <a:tcPr marL="68580" marR="68580" marT="0" marB="0" anchor="ctr"/>
+                </a:tc>
+                <a:extLst>
+                  <a:ext uri="{0D108BD9-81ED-4DB2-BD59-A6C34878D82A}">
+                    <a16:rowId xmlns:a16="http://schemas.microsoft.com/office/drawing/2014/main" val="1891754207"/>
+                  </a:ext>
+                </a:extLst>
+              </a:tr>
+              <a:tr h="504031">
+                <a:tc>
+                  <a:txBody>
+                    <a:bodyPr/>
+                    <a:lstStyle/>
+                    <a:p>
                       <a:pPr algn="ctr"/>
+                      <a:r>
+                        <a:rPr lang="en-US" sz="2000" kern="100">
+                          <a:effectLst/>
+                          <a:latin typeface="Calibri" panose="020F0502020204030204" pitchFamily="34" charset="0"/>
+                          <a:ea typeface="Calibri" panose="020F0502020204030204" pitchFamily="34" charset="0"/>
+                          <a:cs typeface="Arial" panose="020B0604020202020204" pitchFamily="34" charset="0"/>
+                        </a:rPr>
+                        <a:t>2</a:t>
+                      </a:r>
+                      <a:endParaRPr lang="en-PK" sz="2000" kern="100">
+                        <a:effectLst/>
+                        <a:latin typeface="Calibri" panose="020F0502020204030204" pitchFamily="34" charset="0"/>
+                        <a:ea typeface="Calibri" panose="020F0502020204030204" pitchFamily="34" charset="0"/>
+                        <a:cs typeface="Arial" panose="020B0604020202020204" pitchFamily="34" charset="0"/>
+                      </a:endParaRPr>
+                    </a:p>
+                  </a:txBody>
+                  <a:tcPr marL="68580" marR="68580" marT="0" marB="0" anchor="ctr"/>
+                </a:tc>
+                <a:tc>
+                  <a:txBody>
+                    <a:bodyPr/>
+                    <a:lstStyle/>
+                    <a:p>
+                      <a:pPr marL="0" algn="l" defTabSz="914400" rtl="0" eaLnBrk="1" latinLnBrk="0" hangingPunct="1">
+                        <a:tabLst>
+                          <a:tab pos="786130" algn="ctr"/>
+                        </a:tabLst>
+                      </a:pPr>
+                      <a:r>
+                        <a:rPr lang="en-US" sz="2000" kern="100" dirty="0">
+                          <a:solidFill>
+                            <a:schemeClr val="tx1"/>
+                          </a:solidFill>
+                          <a:effectLst/>
+                          <a:latin typeface="+mn-lt"/>
+                          <a:ea typeface="Calibri" panose="020F0502020204030204" pitchFamily="34" charset="0"/>
+                          <a:cs typeface="Arial" panose="020B0604020202020204" pitchFamily="34" charset="0"/>
+                        </a:rPr>
+                        <a:t>2106 </a:t>
+                      </a:r>
+                      <a:r>
+                        <a:rPr lang="en-US" sz="2000" kern="100" dirty="0" err="1">
+                          <a:solidFill>
+                            <a:schemeClr val="tx1"/>
+                          </a:solidFill>
+                          <a:effectLst/>
+                          <a:latin typeface="+mn-lt"/>
+                          <a:ea typeface="Calibri" panose="020F0502020204030204" pitchFamily="34" charset="0"/>
+                          <a:cs typeface="Arial" panose="020B0604020202020204" pitchFamily="34" charset="0"/>
+                        </a:rPr>
+                        <a:t>hrs</a:t>
+                      </a:r>
+                      <a:r>
+                        <a:rPr lang="en-US" sz="2000" kern="100" dirty="0">
+                          <a:solidFill>
+                            <a:schemeClr val="tx1"/>
+                          </a:solidFill>
+                          <a:effectLst/>
+                          <a:latin typeface="+mn-lt"/>
+                          <a:ea typeface="Calibri" panose="020F0502020204030204" pitchFamily="34" charset="0"/>
+                          <a:cs typeface="Arial" panose="020B0604020202020204" pitchFamily="34" charset="0"/>
+                        </a:rPr>
+                        <a:t> on Oct 21, 2023</a:t>
+                      </a:r>
+                      <a:endParaRPr lang="en-PK" sz="2000" kern="100" dirty="0">
+                        <a:solidFill>
+                          <a:schemeClr val="tx1"/>
+                        </a:solidFill>
+                        <a:effectLst/>
+                        <a:latin typeface="+mn-lt"/>
+                        <a:ea typeface="Calibri" panose="020F0502020204030204" pitchFamily="34" charset="0"/>
+                        <a:cs typeface="Arial" panose="020B0604020202020204" pitchFamily="34" charset="0"/>
+                      </a:endParaRPr>
+                    </a:p>
+                  </a:txBody>
+                  <a:tcPr marL="68580" marR="68580" marT="0" marB="0" anchor="ctr"/>
+                </a:tc>
+                <a:tc>
+                  <a:txBody>
+                    <a:bodyPr/>
+                    <a:lstStyle/>
+                    <a:p>
+                      <a:pPr algn="l"/>
+                      <a:r>
+                        <a:rPr lang="en-US" sz="2000" kern="100" dirty="0">
+                          <a:effectLst/>
+                          <a:latin typeface="Calibri" panose="020F0502020204030204" pitchFamily="34" charset="0"/>
+                          <a:ea typeface="Calibri" panose="020F0502020204030204" pitchFamily="34" charset="0"/>
+                          <a:cs typeface="Arial" panose="020B0604020202020204" pitchFamily="34" charset="0"/>
+                        </a:rPr>
+                        <a:t>Play music</a:t>
+                      </a:r>
+                      <a:endParaRPr lang="en-PK" sz="2000" kern="100" dirty="0">
+                        <a:effectLst/>
+                        <a:latin typeface="Calibri" panose="020F0502020204030204" pitchFamily="34" charset="0"/>
+                        <a:ea typeface="Calibri" panose="020F0502020204030204" pitchFamily="34" charset="0"/>
+                        <a:cs typeface="Arial" panose="020B0604020202020204" pitchFamily="34" charset="0"/>
+                      </a:endParaRPr>
+                    </a:p>
+                  </a:txBody>
+                  <a:tcPr marL="68580" marR="68580" marT="0" marB="0" anchor="ctr"/>
+                </a:tc>
+                <a:tc>
+                  <a:txBody>
+                    <a:bodyPr/>
+                    <a:lstStyle/>
+                    <a:p>
+                      <a:pPr algn="l"/>
+                      <a:r>
+                        <a:rPr lang="en-US" sz="2000" i="1" kern="100" dirty="0">
+                          <a:effectLst/>
+                          <a:latin typeface="Calibri" panose="020F0502020204030204" pitchFamily="34" charset="0"/>
+                          <a:ea typeface="Calibri" panose="020F0502020204030204" pitchFamily="34" charset="0"/>
+                          <a:cs typeface="Arial" panose="020B0604020202020204" pitchFamily="34" charset="0"/>
+                        </a:rPr>
+                        <a:t>Alexa, play </a:t>
+                      </a:r>
+                      <a:r>
+                        <a:rPr lang="en-US" sz="2000" b="1" i="1" kern="100" dirty="0">
+                          <a:solidFill>
+                            <a:srgbClr val="FF0000"/>
+                          </a:solidFill>
+                          <a:effectLst/>
+                          <a:latin typeface="Calibri" panose="020F0502020204030204" pitchFamily="34" charset="0"/>
+                          <a:ea typeface="Calibri" panose="020F0502020204030204" pitchFamily="34" charset="0"/>
+                          <a:cs typeface="Arial" panose="020B0604020202020204" pitchFamily="34" charset="0"/>
+                        </a:rPr>
+                        <a:t>money heist theme song</a:t>
+                      </a:r>
+                      <a:endParaRPr lang="en-PK" sz="2000" b="1" kern="100" dirty="0">
+                        <a:solidFill>
+                          <a:srgbClr val="FF0000"/>
+                        </a:solidFill>
+                        <a:effectLst/>
+                        <a:latin typeface="Calibri" panose="020F0502020204030204" pitchFamily="34" charset="0"/>
+                        <a:ea typeface="Calibri" panose="020F0502020204030204" pitchFamily="34" charset="0"/>
+                        <a:cs typeface="Arial" panose="020B0604020202020204" pitchFamily="34" charset="0"/>
+                      </a:endParaRPr>
+                    </a:p>
+                  </a:txBody>
+                  <a:tcPr marL="68580" marR="68580" marT="0" marB="0" anchor="ctr"/>
+                </a:tc>
+                <a:tc>
+                  <a:txBody>
+                    <a:bodyPr/>
+                    <a:lstStyle/>
+                    <a:p>
+                      <a:pPr algn="l"/>
                       <a:r>
                         <a:rPr lang="en-US" sz="2000" kern="100" dirty="0">
                           <a:effectLst/>
@@ -4205,7 +5750,7 @@
 </p:sld>
 </file>
 
-<file path=ppt/slides/slide11.xml><?xml version="1.0" encoding="utf-8"?>
+<file path=ppt/slides/slide13.xml><?xml version="1.0" encoding="utf-8"?>
 <p:sld xmlns:a="http://schemas.openxmlformats.org/drawingml/2006/main" xmlns:r="http://schemas.openxmlformats.org/officeDocument/2006/relationships" xmlns:p="http://schemas.openxmlformats.org/presentationml/2006/main">
   <p:cSld>
     <p:spTree>
@@ -4266,7 +5811,7 @@
           <p:nvPr>
             <p:extLst>
               <p:ext uri="{D42A27DB-BD31-4B8C-83A1-F6EECF244321}">
-                <p14:modId xmlns:p14="http://schemas.microsoft.com/office/powerpoint/2010/main" val="4129073831"/>
+                <p14:modId xmlns:p14="http://schemas.microsoft.com/office/powerpoint/2010/main" val="455639066"/>
               </p:ext>
             </p:extLst>
           </p:nvPr>
@@ -4480,7 +6025,7 @@
                       <a:r>
                         <a:rPr lang="en-US" sz="2000" kern="100">
                           <a:effectLst/>
-                          <a:latin typeface="Calibri" panose="020F0502020204030204" pitchFamily="34" charset="0"/>
+                          <a:latin typeface="+mn-lt"/>
                           <a:ea typeface="Calibri" panose="020F0502020204030204" pitchFamily="34" charset="0"/>
                           <a:cs typeface="Arial" panose="020B0604020202020204" pitchFamily="34" charset="0"/>
                         </a:rPr>
@@ -4488,7 +6033,7 @@
                       </a:r>
                       <a:endParaRPr lang="en-PK" sz="2000" kern="100">
                         <a:effectLst/>
-                        <a:latin typeface="Calibri" panose="020F0502020204030204" pitchFamily="34" charset="0"/>
+                        <a:latin typeface="+mn-lt"/>
                         <a:ea typeface="Calibri" panose="020F0502020204030204" pitchFamily="34" charset="0"/>
                         <a:cs typeface="Arial" panose="020B0604020202020204" pitchFamily="34" charset="0"/>
                       </a:endParaRPr>
@@ -4509,7 +6054,7 @@
                       <a:r>
                         <a:rPr lang="en-US" sz="2000" kern="100" dirty="0">
                           <a:effectLst/>
-                          <a:latin typeface="Calibri" panose="020F0502020204030204" pitchFamily="34" charset="0"/>
+                          <a:latin typeface="+mn-lt"/>
                           <a:ea typeface="Calibri" panose="020F0502020204030204" pitchFamily="34" charset="0"/>
                           <a:cs typeface="Arial" panose="020B0604020202020204" pitchFamily="34" charset="0"/>
                         </a:rPr>
@@ -4518,7 +6063,7 @@
                       <a:r>
                         <a:rPr lang="en-US" sz="2000" kern="100" dirty="0" err="1">
                           <a:effectLst/>
-                          <a:latin typeface="Calibri" panose="020F0502020204030204" pitchFamily="34" charset="0"/>
+                          <a:latin typeface="+mn-lt"/>
                           <a:ea typeface="Calibri" panose="020F0502020204030204" pitchFamily="34" charset="0"/>
                           <a:cs typeface="Arial" panose="020B0604020202020204" pitchFamily="34" charset="0"/>
                         </a:rPr>
@@ -4527,7 +6072,7 @@
                       <a:r>
                         <a:rPr lang="en-US" sz="2000" kern="100" dirty="0">
                           <a:effectLst/>
-                          <a:latin typeface="Calibri" panose="020F0502020204030204" pitchFamily="34" charset="0"/>
+                          <a:latin typeface="+mn-lt"/>
                           <a:ea typeface="Calibri" panose="020F0502020204030204" pitchFamily="34" charset="0"/>
                           <a:cs typeface="Arial" panose="020B0604020202020204" pitchFamily="34" charset="0"/>
                         </a:rPr>
@@ -4535,7 +6080,7 @@
                       </a:r>
                       <a:endParaRPr lang="en-PK" sz="2000" kern="100" dirty="0">
                         <a:effectLst/>
-                        <a:latin typeface="Calibri" panose="020F0502020204030204" pitchFamily="34" charset="0"/>
+                        <a:latin typeface="+mn-lt"/>
                         <a:ea typeface="Calibri" panose="020F0502020204030204" pitchFamily="34" charset="0"/>
                         <a:cs typeface="Arial" panose="020B0604020202020204" pitchFamily="34" charset="0"/>
                       </a:endParaRPr>
@@ -4552,7 +6097,7 @@
                       <a:r>
                         <a:rPr lang="en-US" sz="2000" kern="100">
                           <a:effectLst/>
-                          <a:latin typeface="Calibri" panose="020F0502020204030204" pitchFamily="34" charset="0"/>
+                          <a:latin typeface="+mn-lt"/>
                           <a:ea typeface="Calibri" panose="020F0502020204030204" pitchFamily="34" charset="0"/>
                           <a:cs typeface="Arial" panose="020B0604020202020204" pitchFamily="34" charset="0"/>
                         </a:rPr>
@@ -4560,7 +6105,7 @@
                       </a:r>
                       <a:endParaRPr lang="en-PK" sz="2000" kern="100">
                         <a:effectLst/>
-                        <a:latin typeface="Calibri" panose="020F0502020204030204" pitchFamily="34" charset="0"/>
+                        <a:latin typeface="+mn-lt"/>
                         <a:ea typeface="Calibri" panose="020F0502020204030204" pitchFamily="34" charset="0"/>
                         <a:cs typeface="Arial" panose="020B0604020202020204" pitchFamily="34" charset="0"/>
                       </a:endParaRPr>
@@ -4577,7 +6122,7 @@
                       <a:r>
                         <a:rPr lang="en-US" sz="2000" i="1" kern="100">
                           <a:effectLst/>
-                          <a:latin typeface="Calibri" panose="020F0502020204030204" pitchFamily="34" charset="0"/>
+                          <a:latin typeface="+mn-lt"/>
                           <a:ea typeface="Calibri" panose="020F0502020204030204" pitchFamily="34" charset="0"/>
                           <a:cs typeface="Arial" panose="020B0604020202020204" pitchFamily="34" charset="0"/>
                         </a:rPr>
@@ -4585,7 +6130,7 @@
                       </a:r>
                       <a:endParaRPr lang="en-PK" sz="2000" kern="100">
                         <a:effectLst/>
-                        <a:latin typeface="Calibri" panose="020F0502020204030204" pitchFamily="34" charset="0"/>
+                        <a:latin typeface="+mn-lt"/>
                         <a:ea typeface="Calibri" panose="020F0502020204030204" pitchFamily="34" charset="0"/>
                         <a:cs typeface="Arial" panose="020B0604020202020204" pitchFamily="34" charset="0"/>
                       </a:endParaRPr>
@@ -4598,11 +6143,11 @@
                     <a:bodyPr/>
                     <a:lstStyle/>
                     <a:p>
-                      <a:pPr algn="ctr"/>
+                      <a:pPr algn="l"/>
                       <a:r>
                         <a:rPr lang="en-US" sz="2000" kern="100">
                           <a:effectLst/>
-                          <a:latin typeface="Calibri" panose="020F0502020204030204" pitchFamily="34" charset="0"/>
+                          <a:latin typeface="+mn-lt"/>
                           <a:ea typeface="Calibri" panose="020F0502020204030204" pitchFamily="34" charset="0"/>
                           <a:cs typeface="Arial" panose="020B0604020202020204" pitchFamily="34" charset="0"/>
                         </a:rPr>
@@ -4610,7 +6155,7 @@
                       </a:r>
                       <a:endParaRPr lang="en-PK" sz="2000" kern="100">
                         <a:effectLst/>
-                        <a:latin typeface="Calibri" panose="020F0502020204030204" pitchFamily="34" charset="0"/>
+                        <a:latin typeface="+mn-lt"/>
                         <a:ea typeface="Calibri" panose="020F0502020204030204" pitchFamily="34" charset="0"/>
                         <a:cs typeface="Arial" panose="020B0604020202020204" pitchFamily="34" charset="0"/>
                       </a:endParaRPr>
@@ -4634,7 +6179,7 @@
                       <a:r>
                         <a:rPr lang="en-US" sz="2000" kern="100">
                           <a:effectLst/>
-                          <a:latin typeface="Calibri" panose="020F0502020204030204" pitchFamily="34" charset="0"/>
+                          <a:latin typeface="+mn-lt"/>
                           <a:ea typeface="Calibri" panose="020F0502020204030204" pitchFamily="34" charset="0"/>
                           <a:cs typeface="Arial" panose="020B0604020202020204" pitchFamily="34" charset="0"/>
                         </a:rPr>
@@ -4642,7 +6187,7 @@
                       </a:r>
                       <a:endParaRPr lang="en-PK" sz="2000" kern="100">
                         <a:effectLst/>
-                        <a:latin typeface="Calibri" panose="020F0502020204030204" pitchFamily="34" charset="0"/>
+                        <a:latin typeface="+mn-lt"/>
                         <a:ea typeface="Calibri" panose="020F0502020204030204" pitchFamily="34" charset="0"/>
                         <a:cs typeface="Arial" panose="020B0604020202020204" pitchFamily="34" charset="0"/>
                       </a:endParaRPr>
@@ -4663,7 +6208,7 @@
                       <a:r>
                         <a:rPr lang="en-US" sz="2000" kern="100" dirty="0">
                           <a:effectLst/>
-                          <a:latin typeface="Calibri" panose="020F0502020204030204" pitchFamily="34" charset="0"/>
+                          <a:latin typeface="+mn-lt"/>
                           <a:ea typeface="Calibri" panose="020F0502020204030204" pitchFamily="34" charset="0"/>
                           <a:cs typeface="Arial" panose="020B0604020202020204" pitchFamily="34" charset="0"/>
                         </a:rPr>
@@ -4672,7 +6217,7 @@
                       <a:r>
                         <a:rPr lang="en-US" sz="2000" kern="100" dirty="0" err="1">
                           <a:effectLst/>
-                          <a:latin typeface="Calibri" panose="020F0502020204030204" pitchFamily="34" charset="0"/>
+                          <a:latin typeface="+mn-lt"/>
                           <a:ea typeface="Calibri" panose="020F0502020204030204" pitchFamily="34" charset="0"/>
                           <a:cs typeface="Arial" panose="020B0604020202020204" pitchFamily="34" charset="0"/>
                         </a:rPr>
@@ -4681,7 +6226,7 @@
                       <a:r>
                         <a:rPr lang="en-US" sz="2000" kern="100" dirty="0">
                           <a:effectLst/>
-                          <a:latin typeface="Calibri" panose="020F0502020204030204" pitchFamily="34" charset="0"/>
+                          <a:latin typeface="+mn-lt"/>
                           <a:ea typeface="Calibri" panose="020F0502020204030204" pitchFamily="34" charset="0"/>
                           <a:cs typeface="Arial" panose="020B0604020202020204" pitchFamily="34" charset="0"/>
                         </a:rPr>
@@ -4689,7 +6234,7 @@
                       </a:r>
                       <a:endParaRPr lang="en-PK" sz="2000" kern="100" dirty="0">
                         <a:effectLst/>
-                        <a:latin typeface="Calibri" panose="020F0502020204030204" pitchFamily="34" charset="0"/>
+                        <a:latin typeface="+mn-lt"/>
                         <a:ea typeface="Calibri" panose="020F0502020204030204" pitchFamily="34" charset="0"/>
                         <a:cs typeface="Arial" panose="020B0604020202020204" pitchFamily="34" charset="0"/>
                       </a:endParaRPr>
@@ -4704,17 +6249,17 @@
                     <a:p>
                       <a:pPr algn="l"/>
                       <a:r>
-                        <a:rPr lang="en-US" sz="2000" kern="100">
-                          <a:effectLst/>
-                          <a:latin typeface="Calibri" panose="020F0502020204030204" pitchFamily="34" charset="0"/>
+                        <a:rPr lang="en-US" sz="2000" kern="100" dirty="0">
+                          <a:effectLst/>
+                          <a:latin typeface="+mn-lt"/>
                           <a:ea typeface="Calibri" panose="020F0502020204030204" pitchFamily="34" charset="0"/>
                           <a:cs typeface="Arial" panose="020B0604020202020204" pitchFamily="34" charset="0"/>
                         </a:rPr>
                         <a:t>Open webpage</a:t>
                       </a:r>
-                      <a:endParaRPr lang="en-PK" sz="2000" kern="100">
-                        <a:effectLst/>
-                        <a:latin typeface="Calibri" panose="020F0502020204030204" pitchFamily="34" charset="0"/>
+                      <a:endParaRPr lang="en-PK" sz="2000" kern="100" dirty="0">
+                        <a:effectLst/>
+                        <a:latin typeface="+mn-lt"/>
                         <a:ea typeface="Calibri" panose="020F0502020204030204" pitchFamily="34" charset="0"/>
                         <a:cs typeface="Arial" panose="020B0604020202020204" pitchFamily="34" charset="0"/>
                       </a:endParaRPr>
@@ -4731,7 +6276,7 @@
                       <a:r>
                         <a:rPr lang="en-US" sz="2000" i="1" kern="100" dirty="0">
                           <a:effectLst/>
-                          <a:latin typeface="Calibri" panose="020F0502020204030204" pitchFamily="34" charset="0"/>
+                          <a:latin typeface="+mn-lt"/>
                           <a:ea typeface="Calibri" panose="020F0502020204030204" pitchFamily="34" charset="0"/>
                           <a:cs typeface="Arial" panose="020B0604020202020204" pitchFamily="34" charset="0"/>
                         </a:rPr>
@@ -4743,7 +6288,7 @@
                             <a:srgbClr val="FF0000"/>
                           </a:solidFill>
                           <a:effectLst/>
-                          <a:latin typeface="Calibri" panose="020F0502020204030204" pitchFamily="34" charset="0"/>
+                          <a:latin typeface="+mn-lt"/>
                           <a:ea typeface="Calibri" panose="020F0502020204030204" pitchFamily="34" charset="0"/>
                           <a:cs typeface="Arial" panose="020B0604020202020204" pitchFamily="34" charset="0"/>
                         </a:rPr>
@@ -4754,7 +6299,7 @@
                           <a:srgbClr val="FF0000"/>
                         </a:solidFill>
                         <a:effectLst/>
-                        <a:latin typeface="Calibri" panose="020F0502020204030204" pitchFamily="34" charset="0"/>
+                        <a:latin typeface="+mn-lt"/>
                         <a:ea typeface="Calibri" panose="020F0502020204030204" pitchFamily="34" charset="0"/>
                         <a:cs typeface="Arial" panose="020B0604020202020204" pitchFamily="34" charset="0"/>
                       </a:endParaRPr>
@@ -4767,11 +6312,11 @@
                     <a:bodyPr/>
                     <a:lstStyle/>
                     <a:p>
-                      <a:pPr algn="ctr"/>
+                      <a:pPr algn="l"/>
                       <a:r>
                         <a:rPr lang="en-US" sz="2000" kern="100">
                           <a:effectLst/>
-                          <a:latin typeface="Calibri" panose="020F0502020204030204" pitchFamily="34" charset="0"/>
+                          <a:latin typeface="+mn-lt"/>
                           <a:ea typeface="Calibri" panose="020F0502020204030204" pitchFamily="34" charset="0"/>
                           <a:cs typeface="Arial" panose="020B0604020202020204" pitchFamily="34" charset="0"/>
                         </a:rPr>
@@ -4779,7 +6324,7 @@
                       </a:r>
                       <a:endParaRPr lang="en-PK" sz="2000" kern="100">
                         <a:effectLst/>
-                        <a:latin typeface="Calibri" panose="020F0502020204030204" pitchFamily="34" charset="0"/>
+                        <a:latin typeface="+mn-lt"/>
                         <a:ea typeface="Calibri" panose="020F0502020204030204" pitchFamily="34" charset="0"/>
                         <a:cs typeface="Arial" panose="020B0604020202020204" pitchFamily="34" charset="0"/>
                       </a:endParaRPr>
@@ -4803,7 +6348,7 @@
                       <a:r>
                         <a:rPr lang="en-US" sz="2000" kern="100">
                           <a:effectLst/>
-                          <a:latin typeface="Calibri" panose="020F0502020204030204" pitchFamily="34" charset="0"/>
+                          <a:latin typeface="+mn-lt"/>
                           <a:ea typeface="Calibri" panose="020F0502020204030204" pitchFamily="34" charset="0"/>
                           <a:cs typeface="Arial" panose="020B0604020202020204" pitchFamily="34" charset="0"/>
                         </a:rPr>
@@ -4811,7 +6356,7 @@
                       </a:r>
                       <a:endParaRPr lang="en-PK" sz="2000" kern="100">
                         <a:effectLst/>
-                        <a:latin typeface="Calibri" panose="020F0502020204030204" pitchFamily="34" charset="0"/>
+                        <a:latin typeface="+mn-lt"/>
                         <a:ea typeface="Calibri" panose="020F0502020204030204" pitchFamily="34" charset="0"/>
                         <a:cs typeface="Arial" panose="020B0604020202020204" pitchFamily="34" charset="0"/>
                       </a:endParaRPr>
@@ -4832,7 +6377,7 @@
                       <a:r>
                         <a:rPr lang="en-US" sz="2000" kern="100" dirty="0">
                           <a:effectLst/>
-                          <a:latin typeface="Calibri" panose="020F0502020204030204" pitchFamily="34" charset="0"/>
+                          <a:latin typeface="+mn-lt"/>
                           <a:ea typeface="Calibri" panose="020F0502020204030204" pitchFamily="34" charset="0"/>
                           <a:cs typeface="Arial" panose="020B0604020202020204" pitchFamily="34" charset="0"/>
                         </a:rPr>
@@ -4841,7 +6386,7 @@
                       <a:r>
                         <a:rPr lang="en-US" sz="2000" kern="100" dirty="0" err="1">
                           <a:effectLst/>
-                          <a:latin typeface="Calibri" panose="020F0502020204030204" pitchFamily="34" charset="0"/>
+                          <a:latin typeface="+mn-lt"/>
                           <a:ea typeface="Calibri" panose="020F0502020204030204" pitchFamily="34" charset="0"/>
                           <a:cs typeface="Arial" panose="020B0604020202020204" pitchFamily="34" charset="0"/>
                         </a:rPr>
@@ -4850,7 +6395,7 @@
                       <a:r>
                         <a:rPr lang="en-US" sz="2000" kern="100" dirty="0">
                           <a:effectLst/>
-                          <a:latin typeface="Calibri" panose="020F0502020204030204" pitchFamily="34" charset="0"/>
+                          <a:latin typeface="+mn-lt"/>
                           <a:ea typeface="Calibri" panose="020F0502020204030204" pitchFamily="34" charset="0"/>
                           <a:cs typeface="Arial" panose="020B0604020202020204" pitchFamily="34" charset="0"/>
                         </a:rPr>
@@ -4858,7 +6403,7 @@
                       </a:r>
                       <a:endParaRPr lang="en-PK" sz="2000" kern="100" dirty="0">
                         <a:effectLst/>
-                        <a:latin typeface="Calibri" panose="020F0502020204030204" pitchFamily="34" charset="0"/>
+                        <a:latin typeface="+mn-lt"/>
                         <a:ea typeface="Calibri" panose="020F0502020204030204" pitchFamily="34" charset="0"/>
                         <a:cs typeface="Arial" panose="020B0604020202020204" pitchFamily="34" charset="0"/>
                       </a:endParaRPr>
@@ -4873,88 +6418,88 @@
                     <a:p>
                       <a:pPr algn="l"/>
                       <a:r>
+                        <a:rPr lang="en-US" sz="2000" kern="100" dirty="0">
+                          <a:effectLst/>
+                          <a:latin typeface="+mn-lt"/>
+                          <a:ea typeface="Calibri" panose="020F0502020204030204" pitchFamily="34" charset="0"/>
+                          <a:cs typeface="Arial" panose="020B0604020202020204" pitchFamily="34" charset="0"/>
+                        </a:rPr>
+                        <a:t>Use a search engine - google</a:t>
+                      </a:r>
+                      <a:endParaRPr lang="en-PK" sz="2000" kern="100" dirty="0">
+                        <a:effectLst/>
+                        <a:latin typeface="+mn-lt"/>
+                        <a:ea typeface="Calibri" panose="020F0502020204030204" pitchFamily="34" charset="0"/>
+                        <a:cs typeface="Arial" panose="020B0604020202020204" pitchFamily="34" charset="0"/>
+                      </a:endParaRPr>
+                    </a:p>
+                  </a:txBody>
+                  <a:tcPr marL="68580" marR="68580" marT="0" marB="0" anchor="ctr"/>
+                </a:tc>
+                <a:tc>
+                  <a:txBody>
+                    <a:bodyPr/>
+                    <a:lstStyle/>
+                    <a:p>
+                      <a:pPr algn="l"/>
+                      <a:r>
+                        <a:rPr lang="en-US" sz="2000" i="1" kern="100" dirty="0">
+                          <a:effectLst/>
+                          <a:latin typeface="+mn-lt"/>
+                          <a:ea typeface="Calibri" panose="020F0502020204030204" pitchFamily="34" charset="0"/>
+                          <a:cs typeface="Arial" panose="020B0604020202020204" pitchFamily="34" charset="0"/>
+                        </a:rPr>
+                        <a:t>Alexa, search </a:t>
+                      </a:r>
+                      <a:r>
+                        <a:rPr lang="en-US" sz="2000" b="1" i="1" kern="100" dirty="0">
+                          <a:solidFill>
+                            <a:srgbClr val="FF0000"/>
+                          </a:solidFill>
+                          <a:effectLst/>
+                          <a:latin typeface="+mn-lt"/>
+                          <a:ea typeface="Calibri" panose="020F0502020204030204" pitchFamily="34" charset="0"/>
+                          <a:cs typeface="Arial" panose="020B0604020202020204" pitchFamily="34" charset="0"/>
+                        </a:rPr>
+                        <a:t>chicken nuggets </a:t>
+                      </a:r>
+                      <a:r>
+                        <a:rPr lang="en-US" sz="2000" i="1" kern="100" dirty="0">
+                          <a:effectLst/>
+                          <a:latin typeface="+mn-lt"/>
+                          <a:ea typeface="Calibri" panose="020F0502020204030204" pitchFamily="34" charset="0"/>
+                          <a:cs typeface="Arial" panose="020B0604020202020204" pitchFamily="34" charset="0"/>
+                        </a:rPr>
+                        <a:t>on google</a:t>
+                      </a:r>
+                      <a:endParaRPr lang="en-PK" sz="2000" kern="100" dirty="0">
+                        <a:effectLst/>
+                        <a:latin typeface="+mn-lt"/>
+                        <a:ea typeface="Calibri" panose="020F0502020204030204" pitchFamily="34" charset="0"/>
+                        <a:cs typeface="Arial" panose="020B0604020202020204" pitchFamily="34" charset="0"/>
+                      </a:endParaRPr>
+                    </a:p>
+                  </a:txBody>
+                  <a:tcPr marL="68580" marR="68580" marT="0" marB="0" anchor="ctr"/>
+                </a:tc>
+                <a:tc>
+                  <a:txBody>
+                    <a:bodyPr/>
+                    <a:lstStyle/>
+                    <a:p>
+                      <a:pPr algn="l"/>
+                      <a:r>
                         <a:rPr lang="en-US" sz="2000" kern="100">
                           <a:effectLst/>
-                          <a:latin typeface="Calibri" panose="020F0502020204030204" pitchFamily="34" charset="0"/>
-                          <a:ea typeface="Calibri" panose="020F0502020204030204" pitchFamily="34" charset="0"/>
-                          <a:cs typeface="Arial" panose="020B0604020202020204" pitchFamily="34" charset="0"/>
-                        </a:rPr>
-                        <a:t>Use a search engine - google</a:t>
+                          <a:latin typeface="+mn-lt"/>
+                          <a:ea typeface="Calibri" panose="020F0502020204030204" pitchFamily="34" charset="0"/>
+                          <a:cs typeface="Arial" panose="020B0604020202020204" pitchFamily="34" charset="0"/>
+                        </a:rPr>
+                        <a:t>Here is what I found</a:t>
                       </a:r>
                       <a:endParaRPr lang="en-PK" sz="2000" kern="100">
                         <a:effectLst/>
-                        <a:latin typeface="Calibri" panose="020F0502020204030204" pitchFamily="34" charset="0"/>
-                        <a:ea typeface="Calibri" panose="020F0502020204030204" pitchFamily="34" charset="0"/>
-                        <a:cs typeface="Arial" panose="020B0604020202020204" pitchFamily="34" charset="0"/>
-                      </a:endParaRPr>
-                    </a:p>
-                  </a:txBody>
-                  <a:tcPr marL="68580" marR="68580" marT="0" marB="0" anchor="ctr"/>
-                </a:tc>
-                <a:tc>
-                  <a:txBody>
-                    <a:bodyPr/>
-                    <a:lstStyle/>
-                    <a:p>
-                      <a:pPr algn="l"/>
-                      <a:r>
-                        <a:rPr lang="en-US" sz="2000" i="1" kern="100" dirty="0">
-                          <a:effectLst/>
-                          <a:latin typeface="Calibri" panose="020F0502020204030204" pitchFamily="34" charset="0"/>
-                          <a:ea typeface="Calibri" panose="020F0502020204030204" pitchFamily="34" charset="0"/>
-                          <a:cs typeface="Arial" panose="020B0604020202020204" pitchFamily="34" charset="0"/>
-                        </a:rPr>
-                        <a:t>Alexa, search </a:t>
-                      </a:r>
-                      <a:r>
-                        <a:rPr lang="en-US" sz="2000" b="1" i="1" kern="100" dirty="0">
-                          <a:solidFill>
-                            <a:srgbClr val="FF0000"/>
-                          </a:solidFill>
-                          <a:effectLst/>
-                          <a:latin typeface="Calibri" panose="020F0502020204030204" pitchFamily="34" charset="0"/>
-                          <a:ea typeface="Calibri" panose="020F0502020204030204" pitchFamily="34" charset="0"/>
-                          <a:cs typeface="Arial" panose="020B0604020202020204" pitchFamily="34" charset="0"/>
-                        </a:rPr>
-                        <a:t>chicken nuggets </a:t>
-                      </a:r>
-                      <a:r>
-                        <a:rPr lang="en-US" sz="2000" i="1" kern="100" dirty="0">
-                          <a:effectLst/>
-                          <a:latin typeface="Calibri" panose="020F0502020204030204" pitchFamily="34" charset="0"/>
-                          <a:ea typeface="Calibri" panose="020F0502020204030204" pitchFamily="34" charset="0"/>
-                          <a:cs typeface="Arial" panose="020B0604020202020204" pitchFamily="34" charset="0"/>
-                        </a:rPr>
-                        <a:t>on google</a:t>
-                      </a:r>
-                      <a:endParaRPr lang="en-PK" sz="2000" kern="100" dirty="0">
-                        <a:effectLst/>
-                        <a:latin typeface="Calibri" panose="020F0502020204030204" pitchFamily="34" charset="0"/>
-                        <a:ea typeface="Calibri" panose="020F0502020204030204" pitchFamily="34" charset="0"/>
-                        <a:cs typeface="Arial" panose="020B0604020202020204" pitchFamily="34" charset="0"/>
-                      </a:endParaRPr>
-                    </a:p>
-                  </a:txBody>
-                  <a:tcPr marL="68580" marR="68580" marT="0" marB="0" anchor="ctr"/>
-                </a:tc>
-                <a:tc>
-                  <a:txBody>
-                    <a:bodyPr/>
-                    <a:lstStyle/>
-                    <a:p>
-                      <a:pPr algn="ctr"/>
-                      <a:r>
-                        <a:rPr lang="en-US" sz="2000" kern="100">
-                          <a:effectLst/>
-                          <a:latin typeface="Calibri" panose="020F0502020204030204" pitchFamily="34" charset="0"/>
-                          <a:ea typeface="Calibri" panose="020F0502020204030204" pitchFamily="34" charset="0"/>
-                          <a:cs typeface="Arial" panose="020B0604020202020204" pitchFamily="34" charset="0"/>
-                        </a:rPr>
-                        <a:t>Here is what I found</a:t>
-                      </a:r>
-                      <a:endParaRPr lang="en-PK" sz="2000" kern="100">
-                        <a:effectLst/>
-                        <a:latin typeface="Calibri" panose="020F0502020204030204" pitchFamily="34" charset="0"/>
+                        <a:latin typeface="+mn-lt"/>
                         <a:ea typeface="Calibri" panose="020F0502020204030204" pitchFamily="34" charset="0"/>
                         <a:cs typeface="Arial" panose="020B0604020202020204" pitchFamily="34" charset="0"/>
                       </a:endParaRPr>
@@ -4978,7 +6523,7 @@
                       <a:r>
                         <a:rPr lang="en-US" sz="2000" kern="100">
                           <a:effectLst/>
-                          <a:latin typeface="Calibri" panose="020F0502020204030204" pitchFamily="34" charset="0"/>
+                          <a:latin typeface="+mn-lt"/>
                           <a:ea typeface="Calibri" panose="020F0502020204030204" pitchFamily="34" charset="0"/>
                           <a:cs typeface="Arial" panose="020B0604020202020204" pitchFamily="34" charset="0"/>
                         </a:rPr>
@@ -4986,7 +6531,7 @@
                       </a:r>
                       <a:endParaRPr lang="en-PK" sz="2000" kern="100">
                         <a:effectLst/>
-                        <a:latin typeface="Calibri" panose="020F0502020204030204" pitchFamily="34" charset="0"/>
+                        <a:latin typeface="+mn-lt"/>
                         <a:ea typeface="Calibri" panose="020F0502020204030204" pitchFamily="34" charset="0"/>
                         <a:cs typeface="Arial" panose="020B0604020202020204" pitchFamily="34" charset="0"/>
                       </a:endParaRPr>
@@ -5007,7 +6552,7 @@
                       <a:r>
                         <a:rPr lang="en-US" sz="2000" kern="100" dirty="0">
                           <a:effectLst/>
-                          <a:latin typeface="Calibri" panose="020F0502020204030204" pitchFamily="34" charset="0"/>
+                          <a:latin typeface="+mn-lt"/>
                           <a:ea typeface="Calibri" panose="020F0502020204030204" pitchFamily="34" charset="0"/>
                           <a:cs typeface="Arial" panose="020B0604020202020204" pitchFamily="34" charset="0"/>
                         </a:rPr>
@@ -5016,7 +6561,7 @@
                       <a:r>
                         <a:rPr lang="en-US" sz="2000" kern="100" dirty="0" err="1">
                           <a:effectLst/>
-                          <a:latin typeface="Calibri" panose="020F0502020204030204" pitchFamily="34" charset="0"/>
+                          <a:latin typeface="+mn-lt"/>
                           <a:ea typeface="Calibri" panose="020F0502020204030204" pitchFamily="34" charset="0"/>
                           <a:cs typeface="Arial" panose="020B0604020202020204" pitchFamily="34" charset="0"/>
                         </a:rPr>
@@ -5025,7 +6570,7 @@
                       <a:r>
                         <a:rPr lang="en-US" sz="2000" kern="100" dirty="0">
                           <a:effectLst/>
-                          <a:latin typeface="Calibri" panose="020F0502020204030204" pitchFamily="34" charset="0"/>
+                          <a:latin typeface="+mn-lt"/>
                           <a:ea typeface="Calibri" panose="020F0502020204030204" pitchFamily="34" charset="0"/>
                           <a:cs typeface="Arial" panose="020B0604020202020204" pitchFamily="34" charset="0"/>
                         </a:rPr>
@@ -5033,7 +6578,7 @@
                       </a:r>
                       <a:endParaRPr lang="en-PK" sz="2000" kern="100" dirty="0">
                         <a:effectLst/>
-                        <a:latin typeface="Calibri" panose="020F0502020204030204" pitchFamily="34" charset="0"/>
+                        <a:latin typeface="+mn-lt"/>
                         <a:ea typeface="Calibri" panose="020F0502020204030204" pitchFamily="34" charset="0"/>
                         <a:cs typeface="Arial" panose="020B0604020202020204" pitchFamily="34" charset="0"/>
                       </a:endParaRPr>
@@ -5048,17 +6593,17 @@
                     <a:p>
                       <a:pPr algn="l"/>
                       <a:r>
-                        <a:rPr lang="en-US" sz="2000" kern="100">
-                          <a:effectLst/>
-                          <a:latin typeface="Calibri" panose="020F0502020204030204" pitchFamily="34" charset="0"/>
+                        <a:rPr lang="en-US" sz="2000" kern="100" dirty="0">
+                          <a:effectLst/>
+                          <a:latin typeface="+mn-lt"/>
                           <a:ea typeface="Calibri" panose="020F0502020204030204" pitchFamily="34" charset="0"/>
                           <a:cs typeface="Arial" panose="020B0604020202020204" pitchFamily="34" charset="0"/>
                         </a:rPr>
                         <a:t>Open YouTube and play </a:t>
                       </a:r>
-                      <a:endParaRPr lang="en-PK" sz="2000" kern="100">
-                        <a:effectLst/>
-                        <a:latin typeface="Calibri" panose="020F0502020204030204" pitchFamily="34" charset="0"/>
+                      <a:endParaRPr lang="en-PK" sz="2000" kern="100" dirty="0">
+                        <a:effectLst/>
+                        <a:latin typeface="+mn-lt"/>
                         <a:ea typeface="Calibri" panose="020F0502020204030204" pitchFamily="34" charset="0"/>
                         <a:cs typeface="Arial" panose="020B0604020202020204" pitchFamily="34" charset="0"/>
                       </a:endParaRPr>
@@ -5075,7 +6620,7 @@
                       <a:r>
                         <a:rPr lang="en-US" sz="2000" i="1" kern="100" dirty="0">
                           <a:effectLst/>
-                          <a:latin typeface="Calibri" panose="020F0502020204030204" pitchFamily="34" charset="0"/>
+                          <a:latin typeface="+mn-lt"/>
                           <a:ea typeface="Calibri" panose="020F0502020204030204" pitchFamily="34" charset="0"/>
                           <a:cs typeface="Arial" panose="020B0604020202020204" pitchFamily="34" charset="0"/>
                         </a:rPr>
@@ -5087,7 +6632,7 @@
                             <a:srgbClr val="FF0000"/>
                           </a:solidFill>
                           <a:effectLst/>
-                          <a:latin typeface="Calibri" panose="020F0502020204030204" pitchFamily="34" charset="0"/>
+                          <a:latin typeface="+mn-lt"/>
                           <a:ea typeface="Calibri" panose="020F0502020204030204" pitchFamily="34" charset="0"/>
                           <a:cs typeface="Arial" panose="020B0604020202020204" pitchFamily="34" charset="0"/>
                         </a:rPr>
@@ -5099,7 +6644,7 @@
                             <a:srgbClr val="FF0000"/>
                           </a:solidFill>
                           <a:effectLst/>
-                          <a:latin typeface="Calibri" panose="020F0502020204030204" pitchFamily="34" charset="0"/>
+                          <a:latin typeface="+mn-lt"/>
                           <a:ea typeface="Calibri" panose="020F0502020204030204" pitchFamily="34" charset="0"/>
                           <a:cs typeface="Arial" panose="020B0604020202020204" pitchFamily="34" charset="0"/>
                         </a:rPr>
@@ -5111,7 +6656,7 @@
                             <a:srgbClr val="FF0000"/>
                           </a:solidFill>
                           <a:effectLst/>
-                          <a:latin typeface="Calibri" panose="020F0502020204030204" pitchFamily="34" charset="0"/>
+                          <a:latin typeface="+mn-lt"/>
                           <a:ea typeface="Calibri" panose="020F0502020204030204" pitchFamily="34" charset="0"/>
                           <a:cs typeface="Arial" panose="020B0604020202020204" pitchFamily="34" charset="0"/>
                         </a:rPr>
@@ -5120,7 +6665,7 @@
                       <a:r>
                         <a:rPr lang="en-US" sz="2000" i="1" kern="100" dirty="0">
                           <a:effectLst/>
-                          <a:latin typeface="Calibri" panose="020F0502020204030204" pitchFamily="34" charset="0"/>
+                          <a:latin typeface="+mn-lt"/>
                           <a:ea typeface="Calibri" panose="020F0502020204030204" pitchFamily="34" charset="0"/>
                           <a:cs typeface="Arial" panose="020B0604020202020204" pitchFamily="34" charset="0"/>
                         </a:rPr>
@@ -5128,7 +6673,7 @@
                       </a:r>
                       <a:endParaRPr lang="en-PK" sz="2000" kern="100" dirty="0">
                         <a:effectLst/>
-                        <a:latin typeface="Calibri" panose="020F0502020204030204" pitchFamily="34" charset="0"/>
+                        <a:latin typeface="+mn-lt"/>
                         <a:ea typeface="Calibri" panose="020F0502020204030204" pitchFamily="34" charset="0"/>
                         <a:cs typeface="Arial" panose="020B0604020202020204" pitchFamily="34" charset="0"/>
                       </a:endParaRPr>
@@ -5141,11 +6686,11 @@
                     <a:bodyPr/>
                     <a:lstStyle/>
                     <a:p>
-                      <a:pPr algn="ctr"/>
+                      <a:pPr algn="l"/>
                       <a:r>
                         <a:rPr lang="en-US" sz="2000" kern="100" dirty="0">
                           <a:effectLst/>
-                          <a:latin typeface="Calibri" panose="020F0502020204030204" pitchFamily="34" charset="0"/>
+                          <a:latin typeface="+mn-lt"/>
                           <a:ea typeface="Calibri" panose="020F0502020204030204" pitchFamily="34" charset="0"/>
                           <a:cs typeface="Arial" panose="020B0604020202020204" pitchFamily="34" charset="0"/>
                         </a:rPr>
@@ -5154,7 +6699,7 @@
                       <a:r>
                         <a:rPr lang="en-US" sz="2000" kern="100" dirty="0" err="1">
                           <a:effectLst/>
-                          <a:latin typeface="Calibri" panose="020F0502020204030204" pitchFamily="34" charset="0"/>
+                          <a:latin typeface="+mn-lt"/>
                           <a:ea typeface="Calibri" panose="020F0502020204030204" pitchFamily="34" charset="0"/>
                           <a:cs typeface="Arial" panose="020B0604020202020204" pitchFamily="34" charset="0"/>
                         </a:rPr>
@@ -5163,7 +6708,7 @@
                       <a:r>
                         <a:rPr lang="en-US" sz="2000" kern="100" dirty="0">
                           <a:effectLst/>
-                          <a:latin typeface="Calibri" panose="020F0502020204030204" pitchFamily="34" charset="0"/>
+                          <a:latin typeface="+mn-lt"/>
                           <a:ea typeface="Calibri" panose="020F0502020204030204" pitchFamily="34" charset="0"/>
                           <a:cs typeface="Arial" panose="020B0604020202020204" pitchFamily="34" charset="0"/>
                         </a:rPr>
@@ -5171,7 +6716,7 @@
                       </a:r>
                       <a:endParaRPr lang="en-PK" sz="2000" kern="100" dirty="0">
                         <a:effectLst/>
-                        <a:latin typeface="Calibri" panose="020F0502020204030204" pitchFamily="34" charset="0"/>
+                        <a:latin typeface="+mn-lt"/>
                         <a:ea typeface="Calibri" panose="020F0502020204030204" pitchFamily="34" charset="0"/>
                         <a:cs typeface="Arial" panose="020B0604020202020204" pitchFamily="34" charset="0"/>
                       </a:endParaRPr>
@@ -5238,7 +6783,90 @@
 </p:sld>
 </file>
 
-<file path=ppt/slides/slide12.xml><?xml version="1.0" encoding="utf-8"?>
+<file path=ppt/slides/slide14.xml><?xml version="1.0" encoding="utf-8"?>
+<p:sld xmlns:a="http://schemas.openxmlformats.org/drawingml/2006/main" xmlns:r="http://schemas.openxmlformats.org/officeDocument/2006/relationships" xmlns:p="http://schemas.openxmlformats.org/presentationml/2006/main">
+  <p:cSld>
+    <p:spTree>
+      <p:nvGrpSpPr>
+        <p:cNvPr id="1" name=""/>
+        <p:cNvGrpSpPr/>
+        <p:nvPr/>
+      </p:nvGrpSpPr>
+      <p:grpSpPr>
+        <a:xfrm>
+          <a:off x="0" y="0"/>
+          <a:ext cx="0" cy="0"/>
+          <a:chOff x="0" y="0"/>
+          <a:chExt cx="0" cy="0"/>
+        </a:xfrm>
+      </p:grpSpPr>
+      <p:sp>
+        <p:nvSpPr>
+          <p:cNvPr id="4" name="Title 3">
+            <a:extLst>
+              <a:ext uri="{FF2B5EF4-FFF2-40B4-BE49-F238E27FC236}">
+                <a16:creationId xmlns:a16="http://schemas.microsoft.com/office/drawing/2014/main" id="{97BE39B7-263E-31A9-B6B6-5E8939506BC0}"/>
+              </a:ext>
+            </a:extLst>
+          </p:cNvPr>
+          <p:cNvSpPr>
+            <a:spLocks noGrp="1"/>
+          </p:cNvSpPr>
+          <p:nvPr>
+            <p:ph type="title"/>
+          </p:nvPr>
+        </p:nvSpPr>
+        <p:spPr/>
+        <p:txBody>
+          <a:bodyPr/>
+          <a:lstStyle/>
+          <a:p>
+            <a:r>
+              <a:rPr lang="en-PK" dirty="0"/>
+              <a:t>Summary of Evidence Implanted</a:t>
+            </a:r>
+          </a:p>
+        </p:txBody>
+      </p:sp>
+      <p:sp>
+        <p:nvSpPr>
+          <p:cNvPr id="5" name="Text Placeholder 4">
+            <a:extLst>
+              <a:ext uri="{FF2B5EF4-FFF2-40B4-BE49-F238E27FC236}">
+                <a16:creationId xmlns:a16="http://schemas.microsoft.com/office/drawing/2014/main" id="{828E74D8-42D8-54DB-FD72-E514B5EC9E3A}"/>
+              </a:ext>
+            </a:extLst>
+          </p:cNvPr>
+          <p:cNvSpPr>
+            <a:spLocks noGrp="1"/>
+          </p:cNvSpPr>
+          <p:nvPr>
+            <p:ph type="body" idx="1"/>
+          </p:nvPr>
+        </p:nvSpPr>
+        <p:spPr/>
+        <p:txBody>
+          <a:bodyPr/>
+          <a:lstStyle/>
+          <a:p>
+            <a:endParaRPr lang="en-PK"/>
+          </a:p>
+        </p:txBody>
+      </p:sp>
+    </p:spTree>
+    <p:extLst>
+      <p:ext uri="{BB962C8B-B14F-4D97-AF65-F5344CB8AC3E}">
+        <p14:creationId xmlns:p14="http://schemas.microsoft.com/office/powerpoint/2010/main" val="1117736130"/>
+      </p:ext>
+    </p:extLst>
+  </p:cSld>
+  <p:clrMapOvr>
+    <a:masterClrMapping/>
+  </p:clrMapOvr>
+</p:sld>
+</file>
+
+<file path=ppt/slides/slide15.xml><?xml version="1.0" encoding="utf-8"?>
 <p:sld xmlns:a="http://schemas.openxmlformats.org/drawingml/2006/main" xmlns:r="http://schemas.openxmlformats.org/officeDocument/2006/relationships" xmlns:p="http://schemas.openxmlformats.org/presentationml/2006/main">
   <p:cSld>
     <p:spTree>
@@ -5278,7 +6906,7 @@
           <a:p>
             <a:r>
               <a:rPr lang="en-PK" dirty="0"/>
-              <a:t>Summary of Data/Evidence Population</a:t>
+              <a:t>Summary of Data/Evidence Planted</a:t>
             </a:r>
           </a:p>
         </p:txBody>
@@ -5299,7 +6927,7 @@
             <p:ph idx="1"/>
             <p:extLst>
               <p:ext uri="{D42A27DB-BD31-4B8C-83A1-F6EECF244321}">
-                <p14:modId xmlns:p14="http://schemas.microsoft.com/office/powerpoint/2010/main" val="3290421192"/>
+                <p14:modId xmlns:p14="http://schemas.microsoft.com/office/powerpoint/2010/main" val="1911988260"/>
               </p:ext>
             </p:extLst>
           </p:nvPr>
@@ -5382,7 +7010,7 @@
                       <a:pPr algn="ctr"/>
                       <a:r>
                         <a:rPr lang="en-PK" sz="2200" b="1" dirty="0"/>
-                        <a:t>Evidence Populated</a:t>
+                        <a:t>Evidence Planted</a:t>
                       </a:r>
                     </a:p>
                   </a:txBody>
@@ -6076,7 +7704,7 @@
 </p:sld>
 </file>
 
-<file path=ppt/slides/slide13.xml><?xml version="1.0" encoding="utf-8"?>
+<file path=ppt/slides/slide16.xml><?xml version="1.0" encoding="utf-8"?>
 <p:sld xmlns:a="http://schemas.openxmlformats.org/drawingml/2006/main" xmlns:r="http://schemas.openxmlformats.org/officeDocument/2006/relationships" xmlns:p="http://schemas.openxmlformats.org/presentationml/2006/main">
   <p:cSld>
     <p:spTree>
@@ -6116,7 +7744,7 @@
           <a:p>
             <a:r>
               <a:rPr lang="en-PK" dirty="0"/>
-              <a:t>Summary of Data/Evidence Population</a:t>
+              <a:t>Summary of Data/Evidence Planted</a:t>
             </a:r>
           </a:p>
         </p:txBody>
@@ -6135,6 +7763,11 @@
           </p:cNvGraphicFramePr>
           <p:nvPr>
             <p:ph idx="1"/>
+            <p:extLst>
+              <p:ext uri="{D42A27DB-BD31-4B8C-83A1-F6EECF244321}">
+                <p14:modId xmlns:p14="http://schemas.microsoft.com/office/powerpoint/2010/main" val="1073034622"/>
+              </p:ext>
+            </p:extLst>
           </p:nvPr>
         </p:nvGraphicFramePr>
         <p:xfrm>
@@ -6215,7 +7848,7 @@
                       <a:pPr algn="ctr"/>
                       <a:r>
                         <a:rPr lang="en-PK" sz="2200" b="1" dirty="0"/>
-                        <a:t>Evidence Populated</a:t>
+                        <a:t>Evidence Planted</a:t>
                       </a:r>
                     </a:p>
                   </a:txBody>
@@ -6957,7 +8590,7 @@
 </p:sld>
 </file>
 
-<file path=ppt/slides/slide14.xml><?xml version="1.0" encoding="utf-8"?>
+<file path=ppt/slides/slide17.xml><?xml version="1.0" encoding="utf-8"?>
 <p:sld xmlns:a="http://schemas.openxmlformats.org/drawingml/2006/main" xmlns:r="http://schemas.openxmlformats.org/officeDocument/2006/relationships" xmlns:p="http://schemas.openxmlformats.org/presentationml/2006/main">
   <p:cSld>
     <p:spTree>
@@ -6997,7 +8630,7 @@
           <a:p>
             <a:r>
               <a:rPr lang="en-PK" dirty="0"/>
-              <a:t>Summary of Data/Evidence Population</a:t>
+              <a:t>Summary of Data/Evidence Planted</a:t>
             </a:r>
           </a:p>
         </p:txBody>
@@ -7016,6 +8649,11 @@
           </p:cNvGraphicFramePr>
           <p:nvPr>
             <p:ph idx="1"/>
+            <p:extLst>
+              <p:ext uri="{D42A27DB-BD31-4B8C-83A1-F6EECF244321}">
+                <p14:modId xmlns:p14="http://schemas.microsoft.com/office/powerpoint/2010/main" val="2073448540"/>
+              </p:ext>
+            </p:extLst>
           </p:nvPr>
         </p:nvGraphicFramePr>
         <p:xfrm>
@@ -7096,7 +8734,7 @@
                       <a:pPr algn="ctr"/>
                       <a:r>
                         <a:rPr lang="en-PK" sz="2200" b="1" dirty="0"/>
-                        <a:t>Evidence Populated</a:t>
+                        <a:t>Evidence Planted</a:t>
                       </a:r>
                     </a:p>
                   </a:txBody>
@@ -7885,7 +9523,7 @@
                 </a:solidFill>
                 <a:effectLst/>
               </a:rPr>
-              <a:t>Data Storage: </a:t>
+              <a:t>Evidence Storage: </a:t>
             </a:r>
             <a:r>
               <a:rPr lang="en-GB" b="0" i="0" dirty="0">
@@ -8152,6 +9790,202 @@
 </file>
 
 <file path=ppt/slides/slide4.xml><?xml version="1.0" encoding="utf-8"?>
+<p:sld xmlns:a="http://schemas.openxmlformats.org/drawingml/2006/main" xmlns:r="http://schemas.openxmlformats.org/officeDocument/2006/relationships" xmlns:p="http://schemas.openxmlformats.org/presentationml/2006/main">
+  <p:cSld>
+    <p:spTree>
+      <p:nvGrpSpPr>
+        <p:cNvPr id="1" name=""/>
+        <p:cNvGrpSpPr/>
+        <p:nvPr/>
+      </p:nvGrpSpPr>
+      <p:grpSpPr>
+        <a:xfrm>
+          <a:off x="0" y="0"/>
+          <a:ext cx="0" cy="0"/>
+          <a:chOff x="0" y="0"/>
+          <a:chExt cx="0" cy="0"/>
+        </a:xfrm>
+      </p:grpSpPr>
+      <p:sp>
+        <p:nvSpPr>
+          <p:cNvPr id="4" name="Title 3">
+            <a:extLst>
+              <a:ext uri="{FF2B5EF4-FFF2-40B4-BE49-F238E27FC236}">
+                <a16:creationId xmlns:a16="http://schemas.microsoft.com/office/drawing/2014/main" id="{97BE39B7-263E-31A9-B6B6-5E8939506BC0}"/>
+              </a:ext>
+            </a:extLst>
+          </p:cNvPr>
+          <p:cNvSpPr>
+            <a:spLocks noGrp="1"/>
+          </p:cNvSpPr>
+          <p:nvPr>
+            <p:ph type="title"/>
+          </p:nvPr>
+        </p:nvSpPr>
+        <p:spPr/>
+        <p:txBody>
+          <a:bodyPr/>
+          <a:lstStyle/>
+          <a:p>
+            <a:r>
+              <a:rPr lang="en-PK" dirty="0"/>
+              <a:t>Details of Planted Evidence</a:t>
+            </a:r>
+          </a:p>
+        </p:txBody>
+      </p:sp>
+      <p:sp>
+        <p:nvSpPr>
+          <p:cNvPr id="5" name="Text Placeholder 4">
+            <a:extLst>
+              <a:ext uri="{FF2B5EF4-FFF2-40B4-BE49-F238E27FC236}">
+                <a16:creationId xmlns:a16="http://schemas.microsoft.com/office/drawing/2014/main" id="{828E74D8-42D8-54DB-FD72-E514B5EC9E3A}"/>
+              </a:ext>
+            </a:extLst>
+          </p:cNvPr>
+          <p:cNvSpPr>
+            <a:spLocks noGrp="1"/>
+          </p:cNvSpPr>
+          <p:nvPr>
+            <p:ph type="body" idx="1"/>
+          </p:nvPr>
+        </p:nvSpPr>
+        <p:spPr/>
+        <p:txBody>
+          <a:bodyPr/>
+          <a:lstStyle/>
+          <a:p>
+            <a:endParaRPr lang="en-PK"/>
+          </a:p>
+        </p:txBody>
+      </p:sp>
+    </p:spTree>
+    <p:extLst>
+      <p:ext uri="{BB962C8B-B14F-4D97-AF65-F5344CB8AC3E}">
+        <p14:creationId xmlns:p14="http://schemas.microsoft.com/office/powerpoint/2010/main" val="765846409"/>
+      </p:ext>
+    </p:extLst>
+  </p:cSld>
+  <p:clrMapOvr>
+    <a:masterClrMapping/>
+  </p:clrMapOvr>
+</p:sld>
+</file>
+
+<file path=ppt/slides/slide5.xml><?xml version="1.0" encoding="utf-8"?>
+<p:sld xmlns:a="http://schemas.openxmlformats.org/drawingml/2006/main" xmlns:r="http://schemas.openxmlformats.org/officeDocument/2006/relationships" xmlns:p="http://schemas.openxmlformats.org/presentationml/2006/main">
+  <p:cSld>
+    <p:spTree>
+      <p:nvGrpSpPr>
+        <p:cNvPr id="1" name=""/>
+        <p:cNvGrpSpPr/>
+        <p:nvPr/>
+      </p:nvGrpSpPr>
+      <p:grpSpPr>
+        <a:xfrm>
+          <a:off x="0" y="0"/>
+          <a:ext cx="0" cy="0"/>
+          <a:chOff x="0" y="0"/>
+          <a:chExt cx="0" cy="0"/>
+        </a:xfrm>
+      </p:grpSpPr>
+      <p:sp>
+        <p:nvSpPr>
+          <p:cNvPr id="4" name="Title 3">
+            <a:extLst>
+              <a:ext uri="{FF2B5EF4-FFF2-40B4-BE49-F238E27FC236}">
+                <a16:creationId xmlns:a16="http://schemas.microsoft.com/office/drawing/2014/main" id="{CB413EEA-7822-88CA-D0AC-13807E0FC068}"/>
+              </a:ext>
+            </a:extLst>
+          </p:cNvPr>
+          <p:cNvSpPr>
+            <a:spLocks noGrp="1"/>
+          </p:cNvSpPr>
+          <p:nvPr>
+            <p:ph type="title"/>
+          </p:nvPr>
+        </p:nvSpPr>
+        <p:spPr/>
+        <p:txBody>
+          <a:bodyPr/>
+          <a:lstStyle/>
+          <a:p>
+            <a:r>
+              <a:rPr lang="en-PK" dirty="0"/>
+              <a:t>What potential evidence to look for?</a:t>
+            </a:r>
+          </a:p>
+        </p:txBody>
+      </p:sp>
+      <p:sp>
+        <p:nvSpPr>
+          <p:cNvPr id="5" name="Content Placeholder 4">
+            <a:extLst>
+              <a:ext uri="{FF2B5EF4-FFF2-40B4-BE49-F238E27FC236}">
+                <a16:creationId xmlns:a16="http://schemas.microsoft.com/office/drawing/2014/main" id="{15A309AC-FB7D-4F97-E983-49F9CA7F2497}"/>
+              </a:ext>
+            </a:extLst>
+          </p:cNvPr>
+          <p:cNvSpPr>
+            <a:spLocks noGrp="1"/>
+          </p:cNvSpPr>
+          <p:nvPr>
+            <p:ph idx="1"/>
+          </p:nvPr>
+        </p:nvSpPr>
+        <p:spPr/>
+        <p:txBody>
+          <a:bodyPr/>
+          <a:lstStyle/>
+          <a:p>
+            <a:r>
+              <a:rPr lang="en-PK" dirty="0"/>
+              <a:t>Following slides shows the evidence which has been planted on device</a:t>
+            </a:r>
+          </a:p>
+          <a:p>
+            <a:endParaRPr lang="en-PK" dirty="0"/>
+          </a:p>
+          <a:p>
+            <a:r>
+              <a:rPr lang="en-PK" dirty="0"/>
+              <a:t>Potential evidence to be looked for has been highlighted in red</a:t>
+            </a:r>
+          </a:p>
+          <a:p>
+            <a:endParaRPr lang="en-PK" dirty="0"/>
+          </a:p>
+          <a:p>
+            <a:r>
+              <a:rPr lang="en-PK" dirty="0"/>
+              <a:t>Moreover, timestamp of each activity is also a significant evidence</a:t>
+            </a:r>
+          </a:p>
+          <a:p>
+            <a:endParaRPr lang="en-PK" dirty="0"/>
+          </a:p>
+          <a:p>
+            <a:r>
+              <a:rPr lang="en-PK" dirty="0"/>
+              <a:t>Timestamp is very important in reconstructing the scenario</a:t>
+            </a:r>
+          </a:p>
+        </p:txBody>
+      </p:sp>
+    </p:spTree>
+    <p:extLst>
+      <p:ext uri="{BB962C8B-B14F-4D97-AF65-F5344CB8AC3E}">
+        <p14:creationId xmlns:p14="http://schemas.microsoft.com/office/powerpoint/2010/main" val="2997503070"/>
+      </p:ext>
+    </p:extLst>
+  </p:cSld>
+  <p:clrMapOvr>
+    <a:masterClrMapping/>
+  </p:clrMapOvr>
+</p:sld>
+</file>
+
+<file path=ppt/slides/slide6.xml><?xml version="1.0" encoding="utf-8"?>
 <p:sld xmlns:a="http://schemas.openxmlformats.org/drawingml/2006/main" xmlns:r="http://schemas.openxmlformats.org/officeDocument/2006/relationships" xmlns:p="http://schemas.openxmlformats.org/presentationml/2006/main">
   <p:cSld>
     <p:spTree>
@@ -9343,7 +11177,7 @@
 </p:sld>
 </file>
 
-<file path=ppt/slides/slide5.xml><?xml version="1.0" encoding="utf-8"?>
+<file path=ppt/slides/slide7.xml><?xml version="1.0" encoding="utf-8"?>
 <p:sld xmlns:a="http://schemas.openxmlformats.org/drawingml/2006/main" xmlns:r="http://schemas.openxmlformats.org/officeDocument/2006/relationships" xmlns:p="http://schemas.openxmlformats.org/presentationml/2006/main">
   <p:cSld>
     <p:spTree>
@@ -10530,7 +12364,7 @@
 </p:sld>
 </file>
 
-<file path=ppt/slides/slide6.xml><?xml version="1.0" encoding="utf-8"?>
+<file path=ppt/slides/slide8.xml><?xml version="1.0" encoding="utf-8"?>
 <p:sld xmlns:a="http://schemas.openxmlformats.org/drawingml/2006/main" xmlns:r="http://schemas.openxmlformats.org/officeDocument/2006/relationships" xmlns:p="http://schemas.openxmlformats.org/presentationml/2006/main">
   <p:cSld>
     <p:spTree>
@@ -10591,7 +12425,7 @@
           <p:nvPr>
             <p:extLst>
               <p:ext uri="{D42A27DB-BD31-4B8C-83A1-F6EECF244321}">
-                <p14:modId xmlns:p14="http://schemas.microsoft.com/office/powerpoint/2010/main" val="3714643814"/>
+                <p14:modId xmlns:p14="http://schemas.microsoft.com/office/powerpoint/2010/main" val="4070679398"/>
               </p:ext>
             </p:extLst>
           </p:nvPr>
@@ -10825,19 +12659,74 @@
                       </a:endParaRPr>
                     </a:p>
                   </a:txBody>
-                  <a:tcPr marL="68580" marR="68580" marT="0" marB="0"/>
-                </a:tc>
-                <a:tc>
-                  <a:txBody>
-                    <a:bodyPr/>
-                    <a:lstStyle/>
-                    <a:p>
-                      <a:pPr marL="0" algn="ctr" defTabSz="914400" rtl="0" eaLnBrk="1" latinLnBrk="0" hangingPunct="1">
+                  <a:tcPr marL="68580" marR="68580" marT="0" marB="0" anchor="ctr"/>
+                </a:tc>
+                <a:tc>
+                  <a:txBody>
+                    <a:bodyPr/>
+                    <a:lstStyle/>
+                    <a:p>
+                      <a:pPr marL="0" algn="l" defTabSz="914400" rtl="0" eaLnBrk="1" latinLnBrk="0" hangingPunct="1">
                         <a:tabLst>
                           <a:tab pos="786130" algn="ctr"/>
                         </a:tabLst>
                       </a:pPr>
                       <a:r>
+                        <a:rPr lang="en-US" sz="2000" kern="100" dirty="0">
+                          <a:solidFill>
+                            <a:schemeClr val="tx1"/>
+                          </a:solidFill>
+                          <a:effectLst/>
+                          <a:latin typeface="+mn-lt"/>
+                          <a:ea typeface="Calibri" panose="020F0502020204030204" pitchFamily="34" charset="0"/>
+                          <a:cs typeface="Arial" panose="020B0604020202020204" pitchFamily="34" charset="0"/>
+                        </a:rPr>
+                        <a:t>1850 </a:t>
+                      </a:r>
+                      <a:r>
+                        <a:rPr lang="en-US" sz="2000" kern="100" dirty="0" err="1">
+                          <a:solidFill>
+                            <a:schemeClr val="tx1"/>
+                          </a:solidFill>
+                          <a:effectLst/>
+                          <a:latin typeface="+mn-lt"/>
+                          <a:ea typeface="Calibri" panose="020F0502020204030204" pitchFamily="34" charset="0"/>
+                          <a:cs typeface="Arial" panose="020B0604020202020204" pitchFamily="34" charset="0"/>
+                        </a:rPr>
+                        <a:t>hrs</a:t>
+                      </a:r>
+                      <a:r>
+                        <a:rPr lang="en-US" sz="2000" kern="100" dirty="0">
+                          <a:solidFill>
+                            <a:schemeClr val="tx1"/>
+                          </a:solidFill>
+                          <a:effectLst/>
+                          <a:latin typeface="+mn-lt"/>
+                          <a:ea typeface="Calibri" panose="020F0502020204030204" pitchFamily="34" charset="0"/>
+                          <a:cs typeface="Arial" panose="020B0604020202020204" pitchFamily="34" charset="0"/>
+                        </a:rPr>
+                        <a:t> on Oct 21, 2023</a:t>
+                      </a:r>
+                      <a:endParaRPr lang="en-PK" sz="2000" kern="100" dirty="0">
+                        <a:solidFill>
+                          <a:schemeClr val="tx1"/>
+                        </a:solidFill>
+                        <a:effectLst/>
+                        <a:latin typeface="+mn-lt"/>
+                        <a:ea typeface="Calibri" panose="020F0502020204030204" pitchFamily="34" charset="0"/>
+                        <a:cs typeface="Arial" panose="020B0604020202020204" pitchFamily="34" charset="0"/>
+                      </a:endParaRPr>
+                    </a:p>
+                  </a:txBody>
+                  <a:tcPr marL="68580" marR="68580" marT="0" marB="0" anchor="ctr"/>
+                </a:tc>
+                <a:tc>
+                  <a:txBody>
+                    <a:bodyPr/>
+                    <a:lstStyle/>
+                    <a:p>
+                      <a:pPr marL="0" algn="l" defTabSz="914400" rtl="0" eaLnBrk="1" latinLnBrk="0" hangingPunct="1"/>
+                      <a:r>
                         <a:rPr lang="en-US" sz="2000" kern="100">
                           <a:solidFill>
                             <a:schemeClr val="tx1"/>
@@ -10847,7 +12736,7 @@
                           <a:ea typeface="Calibri" panose="020F0502020204030204" pitchFamily="34" charset="0"/>
                           <a:cs typeface="Arial" panose="020B0604020202020204" pitchFamily="34" charset="0"/>
                         </a:rPr>
-                        <a:t>1850 hrs on Oct 21, 2023</a:t>
+                        <a:t>Add to To do list</a:t>
                       </a:r>
                       <a:endParaRPr lang="en-PK" sz="2000" kern="100">
                         <a:solidFill>
@@ -10860,14 +12749,14 @@
                       </a:endParaRPr>
                     </a:p>
                   </a:txBody>
-                  <a:tcPr marL="68580" marR="68580" marT="0" marB="0"/>
-                </a:tc>
-                <a:tc>
-                  <a:txBody>
-                    <a:bodyPr/>
-                    <a:lstStyle/>
-                    <a:p>
-                      <a:pPr marL="0" algn="ctr" defTabSz="914400" rtl="0" eaLnBrk="1" latinLnBrk="0" hangingPunct="1"/>
+                  <a:tcPr marL="68580" marR="68580" marT="0" marB="0" anchor="ctr"/>
+                </a:tc>
+                <a:tc>
+                  <a:txBody>
+                    <a:bodyPr/>
+                    <a:lstStyle/>
+                    <a:p>
+                      <a:pPr marL="0" algn="l" defTabSz="914400" rtl="0" eaLnBrk="1" latinLnBrk="0" hangingPunct="1"/>
                       <a:r>
                         <a:rPr lang="en-US" sz="2000" kern="100">
                           <a:solidFill>
@@ -10878,7 +12767,7 @@
                           <a:ea typeface="Calibri" panose="020F0502020204030204" pitchFamily="34" charset="0"/>
                           <a:cs typeface="Arial" panose="020B0604020202020204" pitchFamily="34" charset="0"/>
                         </a:rPr>
-                        <a:t>Add to To do list</a:t>
+                        <a:t>Alexa, add submit the ITNG paper to my to do list</a:t>
                       </a:r>
                       <a:endParaRPr lang="en-PK" sz="2000" kern="100">
                         <a:solidFill>
@@ -10891,14 +12780,14 @@
                       </a:endParaRPr>
                     </a:p>
                   </a:txBody>
-                  <a:tcPr marL="68580" marR="68580" marT="0" marB="0"/>
-                </a:tc>
-                <a:tc>
-                  <a:txBody>
-                    <a:bodyPr/>
-                    <a:lstStyle/>
-                    <a:p>
-                      <a:pPr marL="0" algn="ctr" defTabSz="914400" rtl="0" eaLnBrk="1" latinLnBrk="0" hangingPunct="1"/>
+                  <a:tcPr marL="68580" marR="68580" marT="0" marB="0" anchor="ctr"/>
+                </a:tc>
+                <a:tc>
+                  <a:txBody>
+                    <a:bodyPr/>
+                    <a:lstStyle/>
+                    <a:p>
+                      <a:pPr marL="0" algn="l" defTabSz="914400" rtl="0" eaLnBrk="1" latinLnBrk="0" hangingPunct="1"/>
                       <a:r>
                         <a:rPr lang="en-US" sz="2000" kern="100">
                           <a:solidFill>
@@ -10909,7 +12798,7 @@
                           <a:ea typeface="Calibri" panose="020F0502020204030204" pitchFamily="34" charset="0"/>
                           <a:cs typeface="Arial" panose="020B0604020202020204" pitchFamily="34" charset="0"/>
                         </a:rPr>
-                        <a:t>Alexa, add submit the ITNG paper to my to do list</a:t>
+                        <a:t>Submit the i.t.n.g paper added to your to do list</a:t>
                       </a:r>
                       <a:endParaRPr lang="en-PK" sz="2000" kern="100">
                         <a:solidFill>
@@ -10922,38 +12811,7 @@
                       </a:endParaRPr>
                     </a:p>
                   </a:txBody>
-                  <a:tcPr marL="68580" marR="68580" marT="0" marB="0"/>
-                </a:tc>
-                <a:tc>
-                  <a:txBody>
-                    <a:bodyPr/>
-                    <a:lstStyle/>
-                    <a:p>
-                      <a:pPr marL="0" algn="ctr" defTabSz="914400" rtl="0" eaLnBrk="1" latinLnBrk="0" hangingPunct="1"/>
-                      <a:r>
-                        <a:rPr lang="en-US" sz="2000" kern="100">
-                          <a:solidFill>
-                            <a:schemeClr val="tx1"/>
-                          </a:solidFill>
-                          <a:effectLst/>
-                          <a:latin typeface="+mn-lt"/>
-                          <a:ea typeface="Calibri" panose="020F0502020204030204" pitchFamily="34" charset="0"/>
-                          <a:cs typeface="Arial" panose="020B0604020202020204" pitchFamily="34" charset="0"/>
-                        </a:rPr>
-                        <a:t>Submit the i.t.n.g paper added to your to do list</a:t>
-                      </a:r>
-                      <a:endParaRPr lang="en-PK" sz="2000" kern="100">
-                        <a:solidFill>
-                          <a:schemeClr val="tx1"/>
-                        </a:solidFill>
-                        <a:effectLst/>
-                        <a:latin typeface="+mn-lt"/>
-                        <a:ea typeface="Calibri" panose="020F0502020204030204" pitchFamily="34" charset="0"/>
-                        <a:cs typeface="Arial" panose="020B0604020202020204" pitchFamily="34" charset="0"/>
-                      </a:endParaRPr>
-                    </a:p>
-                  </a:txBody>
-                  <a:tcPr marL="68580" marR="68580" marT="0" marB="0"/>
+                  <a:tcPr marL="68580" marR="68580" marT="0" marB="0" anchor="ctr"/>
                 </a:tc>
                 <a:extLst>
                   <a:ext uri="{0D108BD9-81ED-4DB2-BD59-A6C34878D82A}">
@@ -10991,14 +12849,14 @@
                       </a:endParaRPr>
                     </a:p>
                   </a:txBody>
-                  <a:tcPr marL="68580" marR="68580" marT="0" marB="0"/>
-                </a:tc>
-                <a:tc>
-                  <a:txBody>
-                    <a:bodyPr/>
-                    <a:lstStyle/>
-                    <a:p>
-                      <a:pPr marL="0" algn="ctr" defTabSz="914400" rtl="0" eaLnBrk="1" latinLnBrk="0" hangingPunct="1">
+                  <a:tcPr marL="68580" marR="68580" marT="0" marB="0" anchor="ctr"/>
+                </a:tc>
+                <a:tc>
+                  <a:txBody>
+                    <a:bodyPr/>
+                    <a:lstStyle/>
+                    <a:p>
+                      <a:pPr marL="0" algn="l" defTabSz="914400" rtl="0" eaLnBrk="1" latinLnBrk="0" hangingPunct="1">
                         <a:tabLst>
                           <a:tab pos="786130" algn="ctr"/>
                         </a:tabLst>
@@ -11050,14 +12908,45 @@
                       </a:endParaRPr>
                     </a:p>
                   </a:txBody>
-                  <a:tcPr marL="68580" marR="68580" marT="0" marB="0"/>
-                </a:tc>
-                <a:tc>
-                  <a:txBody>
-                    <a:bodyPr/>
-                    <a:lstStyle/>
-                    <a:p>
-                      <a:pPr marL="0" algn="ctr" defTabSz="914400" rtl="0" eaLnBrk="1" latinLnBrk="0" hangingPunct="1"/>
+                  <a:tcPr marL="68580" marR="68580" marT="0" marB="0" anchor="ctr"/>
+                </a:tc>
+                <a:tc>
+                  <a:txBody>
+                    <a:bodyPr/>
+                    <a:lstStyle/>
+                    <a:p>
+                      <a:pPr marL="0" algn="l" defTabSz="914400" rtl="0" eaLnBrk="1" latinLnBrk="0" hangingPunct="1"/>
+                      <a:r>
+                        <a:rPr lang="en-US" sz="2000" kern="100" dirty="0">
+                          <a:solidFill>
+                            <a:schemeClr val="tx1"/>
+                          </a:solidFill>
+                          <a:effectLst/>
+                          <a:latin typeface="+mn-lt"/>
+                          <a:ea typeface="Calibri" panose="020F0502020204030204" pitchFamily="34" charset="0"/>
+                          <a:cs typeface="Arial" panose="020B0604020202020204" pitchFamily="34" charset="0"/>
+                        </a:rPr>
+                        <a:t>Show To do list</a:t>
+                      </a:r>
+                      <a:endParaRPr lang="en-PK" sz="2000" kern="100" dirty="0">
+                        <a:solidFill>
+                          <a:schemeClr val="tx1"/>
+                        </a:solidFill>
+                        <a:effectLst/>
+                        <a:latin typeface="+mn-lt"/>
+                        <a:ea typeface="Calibri" panose="020F0502020204030204" pitchFamily="34" charset="0"/>
+                        <a:cs typeface="Arial" panose="020B0604020202020204" pitchFamily="34" charset="0"/>
+                      </a:endParaRPr>
+                    </a:p>
+                  </a:txBody>
+                  <a:tcPr marL="68580" marR="68580" marT="0" marB="0" anchor="ctr"/>
+                </a:tc>
+                <a:tc>
+                  <a:txBody>
+                    <a:bodyPr/>
+                    <a:lstStyle/>
+                    <a:p>
+                      <a:pPr marL="0" algn="l" defTabSz="914400" rtl="0" eaLnBrk="1" latinLnBrk="0" hangingPunct="1"/>
                       <a:r>
                         <a:rPr lang="en-US" sz="2000" kern="100">
                           <a:solidFill>
@@ -11068,7 +12957,7 @@
                           <a:ea typeface="Calibri" panose="020F0502020204030204" pitchFamily="34" charset="0"/>
                           <a:cs typeface="Arial" panose="020B0604020202020204" pitchFamily="34" charset="0"/>
                         </a:rPr>
-                        <a:t>Show To do list</a:t>
+                        <a:t>Alexa, show my to do list</a:t>
                       </a:r>
                       <a:endParaRPr lang="en-PK" sz="2000" kern="100">
                         <a:solidFill>
@@ -11081,14 +12970,14 @@
                       </a:endParaRPr>
                     </a:p>
                   </a:txBody>
-                  <a:tcPr marL="68580" marR="68580" marT="0" marB="0"/>
-                </a:tc>
-                <a:tc>
-                  <a:txBody>
-                    <a:bodyPr/>
-                    <a:lstStyle/>
-                    <a:p>
-                      <a:pPr marL="0" algn="ctr" defTabSz="914400" rtl="0" eaLnBrk="1" latinLnBrk="0" hangingPunct="1"/>
+                  <a:tcPr marL="68580" marR="68580" marT="0" marB="0" anchor="ctr"/>
+                </a:tc>
+                <a:tc>
+                  <a:txBody>
+                    <a:bodyPr/>
+                    <a:lstStyle/>
+                    <a:p>
+                      <a:pPr marL="0" algn="l" defTabSz="914400" rtl="0" eaLnBrk="1" latinLnBrk="0" hangingPunct="1"/>
                       <a:r>
                         <a:rPr lang="en-US" sz="2000" kern="100">
                           <a:solidFill>
@@ -11099,7 +12988,7 @@
                           <a:ea typeface="Calibri" panose="020F0502020204030204" pitchFamily="34" charset="0"/>
                           <a:cs typeface="Arial" panose="020B0604020202020204" pitchFamily="34" charset="0"/>
                         </a:rPr>
-                        <a:t>Alexa, show my to do list</a:t>
+                        <a:t>To do list opened</a:t>
                       </a:r>
                       <a:endParaRPr lang="en-PK" sz="2000" kern="100">
                         <a:solidFill>
@@ -11112,38 +13001,7 @@
                       </a:endParaRPr>
                     </a:p>
                   </a:txBody>
-                  <a:tcPr marL="68580" marR="68580" marT="0" marB="0"/>
-                </a:tc>
-                <a:tc>
-                  <a:txBody>
-                    <a:bodyPr/>
-                    <a:lstStyle/>
-                    <a:p>
-                      <a:pPr marL="0" algn="ctr" defTabSz="914400" rtl="0" eaLnBrk="1" latinLnBrk="0" hangingPunct="1"/>
-                      <a:r>
-                        <a:rPr lang="en-US" sz="2000" kern="100">
-                          <a:solidFill>
-                            <a:schemeClr val="tx1"/>
-                          </a:solidFill>
-                          <a:effectLst/>
-                          <a:latin typeface="+mn-lt"/>
-                          <a:ea typeface="Calibri" panose="020F0502020204030204" pitchFamily="34" charset="0"/>
-                          <a:cs typeface="Arial" panose="020B0604020202020204" pitchFamily="34" charset="0"/>
-                        </a:rPr>
-                        <a:t>To do list opened</a:t>
-                      </a:r>
-                      <a:endParaRPr lang="en-PK" sz="2000" kern="100">
-                        <a:solidFill>
-                          <a:schemeClr val="tx1"/>
-                        </a:solidFill>
-                        <a:effectLst/>
-                        <a:latin typeface="+mn-lt"/>
-                        <a:ea typeface="Calibri" panose="020F0502020204030204" pitchFamily="34" charset="0"/>
-                        <a:cs typeface="Arial" panose="020B0604020202020204" pitchFamily="34" charset="0"/>
-                      </a:endParaRPr>
-                    </a:p>
-                  </a:txBody>
-                  <a:tcPr marL="68580" marR="68580" marT="0" marB="0"/>
+                  <a:tcPr marL="68580" marR="68580" marT="0" marB="0" anchor="ctr"/>
                 </a:tc>
                 <a:extLst>
                   <a:ext uri="{0D108BD9-81ED-4DB2-BD59-A6C34878D82A}">
@@ -11159,6 +13017,170 @@
                     <a:p>
                       <a:pPr marL="0" algn="ctr" defTabSz="914400" rtl="0" eaLnBrk="1" latinLnBrk="0" hangingPunct="1"/>
                       <a:r>
+                        <a:rPr lang="en-US" sz="2000" kern="100" dirty="0">
+                          <a:solidFill>
+                            <a:schemeClr val="tx1"/>
+                          </a:solidFill>
+                          <a:effectLst/>
+                          <a:latin typeface="+mn-lt"/>
+                          <a:ea typeface="Calibri" panose="020F0502020204030204" pitchFamily="34" charset="0"/>
+                          <a:cs typeface="Arial" panose="020B0604020202020204" pitchFamily="34" charset="0"/>
+                        </a:rPr>
+                        <a:t>3</a:t>
+                      </a:r>
+                      <a:endParaRPr lang="en-PK" sz="2000" kern="100" dirty="0">
+                        <a:solidFill>
+                          <a:schemeClr val="tx1"/>
+                        </a:solidFill>
+                        <a:effectLst/>
+                        <a:latin typeface="+mn-lt"/>
+                        <a:ea typeface="Calibri" panose="020F0502020204030204" pitchFamily="34" charset="0"/>
+                        <a:cs typeface="Arial" panose="020B0604020202020204" pitchFamily="34" charset="0"/>
+                      </a:endParaRPr>
+                    </a:p>
+                  </a:txBody>
+                  <a:tcPr marL="68580" marR="68580" marT="0" marB="0" anchor="ctr"/>
+                </a:tc>
+                <a:tc>
+                  <a:txBody>
+                    <a:bodyPr/>
+                    <a:lstStyle/>
+                    <a:p>
+                      <a:pPr marL="0" algn="l" defTabSz="914400" rtl="0" eaLnBrk="1" latinLnBrk="0" hangingPunct="1">
+                        <a:tabLst>
+                          <a:tab pos="786130" algn="ctr"/>
+                        </a:tabLst>
+                      </a:pPr>
+                      <a:r>
+                        <a:rPr lang="en-US" sz="2000" kern="100" dirty="0">
+                          <a:solidFill>
+                            <a:schemeClr val="tx1"/>
+                          </a:solidFill>
+                          <a:effectLst/>
+                          <a:latin typeface="+mn-lt"/>
+                          <a:ea typeface="Calibri" panose="020F0502020204030204" pitchFamily="34" charset="0"/>
+                          <a:cs typeface="Arial" panose="020B0604020202020204" pitchFamily="34" charset="0"/>
+                        </a:rPr>
+                        <a:t>1853 </a:t>
+                      </a:r>
+                      <a:r>
+                        <a:rPr lang="en-US" sz="2000" kern="100" dirty="0" err="1">
+                          <a:solidFill>
+                            <a:schemeClr val="tx1"/>
+                          </a:solidFill>
+                          <a:effectLst/>
+                          <a:latin typeface="+mn-lt"/>
+                          <a:ea typeface="Calibri" panose="020F0502020204030204" pitchFamily="34" charset="0"/>
+                          <a:cs typeface="Arial" panose="020B0604020202020204" pitchFamily="34" charset="0"/>
+                        </a:rPr>
+                        <a:t>hrs</a:t>
+                      </a:r>
+                      <a:r>
+                        <a:rPr lang="en-US" sz="2000" kern="100" dirty="0">
+                          <a:solidFill>
+                            <a:schemeClr val="tx1"/>
+                          </a:solidFill>
+                          <a:effectLst/>
+                          <a:latin typeface="+mn-lt"/>
+                          <a:ea typeface="Calibri" panose="020F0502020204030204" pitchFamily="34" charset="0"/>
+                          <a:cs typeface="Arial" panose="020B0604020202020204" pitchFamily="34" charset="0"/>
+                        </a:rPr>
+                        <a:t> on Oct 21, 2023</a:t>
+                      </a:r>
+                      <a:endParaRPr lang="en-PK" sz="2000" kern="100" dirty="0">
+                        <a:solidFill>
+                          <a:schemeClr val="tx1"/>
+                        </a:solidFill>
+                        <a:effectLst/>
+                        <a:latin typeface="+mn-lt"/>
+                        <a:ea typeface="Calibri" panose="020F0502020204030204" pitchFamily="34" charset="0"/>
+                        <a:cs typeface="Arial" panose="020B0604020202020204" pitchFamily="34" charset="0"/>
+                      </a:endParaRPr>
+                    </a:p>
+                  </a:txBody>
+                  <a:tcPr marL="68580" marR="68580" marT="0" marB="0" anchor="ctr"/>
+                </a:tc>
+                <a:tc>
+                  <a:txBody>
+                    <a:bodyPr/>
+                    <a:lstStyle/>
+                    <a:p>
+                      <a:pPr marL="0" algn="l" defTabSz="914400" rtl="0" eaLnBrk="1" latinLnBrk="0" hangingPunct="1"/>
+                      <a:r>
+                        <a:rPr lang="en-US" sz="2000" kern="100" dirty="0">
+                          <a:solidFill>
+                            <a:schemeClr val="tx1"/>
+                          </a:solidFill>
+                          <a:effectLst/>
+                          <a:latin typeface="+mn-lt"/>
+                          <a:ea typeface="Calibri" panose="020F0502020204030204" pitchFamily="34" charset="0"/>
+                          <a:cs typeface="Arial" panose="020B0604020202020204" pitchFamily="34" charset="0"/>
+                        </a:rPr>
+                        <a:t>Reminder</a:t>
+                      </a:r>
+                      <a:endParaRPr lang="en-PK" sz="2000" kern="100" dirty="0">
+                        <a:solidFill>
+                          <a:schemeClr val="tx1"/>
+                        </a:solidFill>
+                        <a:effectLst/>
+                        <a:latin typeface="+mn-lt"/>
+                        <a:ea typeface="Calibri" panose="020F0502020204030204" pitchFamily="34" charset="0"/>
+                        <a:cs typeface="Arial" panose="020B0604020202020204" pitchFamily="34" charset="0"/>
+                      </a:endParaRPr>
+                    </a:p>
+                  </a:txBody>
+                  <a:tcPr marL="68580" marR="68580" marT="0" marB="0" anchor="ctr"/>
+                </a:tc>
+                <a:tc>
+                  <a:txBody>
+                    <a:bodyPr/>
+                    <a:lstStyle/>
+                    <a:p>
+                      <a:pPr marL="0" algn="l" defTabSz="914400" rtl="0" eaLnBrk="1" latinLnBrk="0" hangingPunct="1"/>
+                      <a:r>
+                        <a:rPr lang="en-US" sz="2000" kern="100" dirty="0">
+                          <a:solidFill>
+                            <a:schemeClr val="tx1"/>
+                          </a:solidFill>
+                          <a:effectLst/>
+                          <a:latin typeface="+mn-lt"/>
+                          <a:ea typeface="Calibri" panose="020F0502020204030204" pitchFamily="34" charset="0"/>
+                          <a:cs typeface="Arial" panose="020B0604020202020204" pitchFamily="34" charset="0"/>
+                        </a:rPr>
+                        <a:t>Alexa, </a:t>
+                      </a:r>
+                      <a:r>
+                        <a:rPr lang="en-US" sz="2000" b="1" i="1" kern="100" dirty="0">
+                          <a:solidFill>
+                            <a:srgbClr val="FF0000"/>
+                          </a:solidFill>
+                          <a:effectLst/>
+                          <a:latin typeface="+mn-lt"/>
+                          <a:ea typeface="Calibri" panose="020F0502020204030204" pitchFamily="34" charset="0"/>
+                          <a:cs typeface="Arial" panose="020B0604020202020204" pitchFamily="34" charset="0"/>
+                        </a:rPr>
+                        <a:t>set a reminder for William to exercise every day at 7pm</a:t>
+                      </a:r>
+                      <a:endParaRPr lang="en-PK" sz="2000" b="1" i="1" kern="100" dirty="0">
+                        <a:solidFill>
+                          <a:srgbClr val="FF0000"/>
+                        </a:solidFill>
+                        <a:effectLst/>
+                        <a:latin typeface="+mn-lt"/>
+                        <a:ea typeface="Calibri" panose="020F0502020204030204" pitchFamily="34" charset="0"/>
+                        <a:cs typeface="Arial" panose="020B0604020202020204" pitchFamily="34" charset="0"/>
+                      </a:endParaRPr>
+                    </a:p>
+                  </a:txBody>
+                  <a:tcPr marL="68580" marR="68580" marT="0" marB="0" anchor="ctr"/>
+                </a:tc>
+                <a:tc>
+                  <a:txBody>
+                    <a:bodyPr/>
+                    <a:lstStyle/>
+                    <a:p>
+                      <a:pPr marL="0" algn="l" defTabSz="914400" rtl="0" eaLnBrk="1" latinLnBrk="0" hangingPunct="1"/>
+                      <a:r>
                         <a:rPr lang="en-US" sz="2000" kern="100">
                           <a:solidFill>
                             <a:schemeClr val="tx1"/>
@@ -11168,7 +13190,7 @@
                           <a:ea typeface="Calibri" panose="020F0502020204030204" pitchFamily="34" charset="0"/>
                           <a:cs typeface="Arial" panose="020B0604020202020204" pitchFamily="34" charset="0"/>
                         </a:rPr>
-                        <a:t>3</a:t>
+                        <a:t>Okay John, I will remind John every day at &amp; pm to exercise</a:t>
                       </a:r>
                       <a:endParaRPr lang="en-PK" sz="2000" kern="100">
                         <a:solidFill>
@@ -11181,171 +13203,7 @@
                       </a:endParaRPr>
                     </a:p>
                   </a:txBody>
-                  <a:tcPr marL="68580" marR="68580" marT="0" marB="0"/>
-                </a:tc>
-                <a:tc>
-                  <a:txBody>
-                    <a:bodyPr/>
-                    <a:lstStyle/>
-                    <a:p>
-                      <a:pPr marL="0" algn="ctr" defTabSz="914400" rtl="0" eaLnBrk="1" latinLnBrk="0" hangingPunct="1">
-                        <a:tabLst>
-                          <a:tab pos="786130" algn="ctr"/>
-                        </a:tabLst>
-                      </a:pPr>
-                      <a:r>
-                        <a:rPr lang="en-US" sz="2000" kern="100" dirty="0">
-                          <a:solidFill>
-                            <a:schemeClr val="tx1"/>
-                          </a:solidFill>
-                          <a:effectLst/>
-                          <a:latin typeface="+mn-lt"/>
-                          <a:ea typeface="Calibri" panose="020F0502020204030204" pitchFamily="34" charset="0"/>
-                          <a:cs typeface="Arial" panose="020B0604020202020204" pitchFamily="34" charset="0"/>
-                        </a:rPr>
-                        <a:t>1853 </a:t>
-                      </a:r>
-                      <a:r>
-                        <a:rPr lang="en-US" sz="2000" kern="100" dirty="0" err="1">
-                          <a:solidFill>
-                            <a:schemeClr val="tx1"/>
-                          </a:solidFill>
-                          <a:effectLst/>
-                          <a:latin typeface="+mn-lt"/>
-                          <a:ea typeface="Calibri" panose="020F0502020204030204" pitchFamily="34" charset="0"/>
-                          <a:cs typeface="Arial" panose="020B0604020202020204" pitchFamily="34" charset="0"/>
-                        </a:rPr>
-                        <a:t>hrs</a:t>
-                      </a:r>
-                      <a:r>
-                        <a:rPr lang="en-US" sz="2000" kern="100" dirty="0">
-                          <a:solidFill>
-                            <a:schemeClr val="tx1"/>
-                          </a:solidFill>
-                          <a:effectLst/>
-                          <a:latin typeface="+mn-lt"/>
-                          <a:ea typeface="Calibri" panose="020F0502020204030204" pitchFamily="34" charset="0"/>
-                          <a:cs typeface="Arial" panose="020B0604020202020204" pitchFamily="34" charset="0"/>
-                        </a:rPr>
-                        <a:t> on Oct 21, 2023</a:t>
-                      </a:r>
-                      <a:endParaRPr lang="en-PK" sz="2000" kern="100" dirty="0">
-                        <a:solidFill>
-                          <a:schemeClr val="tx1"/>
-                        </a:solidFill>
-                        <a:effectLst/>
-                        <a:latin typeface="+mn-lt"/>
-                        <a:ea typeface="Calibri" panose="020F0502020204030204" pitchFamily="34" charset="0"/>
-                        <a:cs typeface="Arial" panose="020B0604020202020204" pitchFamily="34" charset="0"/>
-                      </a:endParaRPr>
-                    </a:p>
-                  </a:txBody>
-                  <a:tcPr marL="68580" marR="68580" marT="0" marB="0"/>
-                </a:tc>
-                <a:tc>
-                  <a:txBody>
-                    <a:bodyPr/>
-                    <a:lstStyle/>
-                    <a:p>
-                      <a:pPr marL="0" algn="ctr" defTabSz="914400" rtl="0" eaLnBrk="1" latinLnBrk="0" hangingPunct="1"/>
-                      <a:r>
-                        <a:rPr lang="en-US" sz="2000" kern="100">
-                          <a:solidFill>
-                            <a:schemeClr val="tx1"/>
-                          </a:solidFill>
-                          <a:effectLst/>
-                          <a:latin typeface="+mn-lt"/>
-                          <a:ea typeface="Calibri" panose="020F0502020204030204" pitchFamily="34" charset="0"/>
-                          <a:cs typeface="Arial" panose="020B0604020202020204" pitchFamily="34" charset="0"/>
-                        </a:rPr>
-                        <a:t>Reminder</a:t>
-                      </a:r>
-                      <a:endParaRPr lang="en-PK" sz="2000" kern="100">
-                        <a:solidFill>
-                          <a:schemeClr val="tx1"/>
-                        </a:solidFill>
-                        <a:effectLst/>
-                        <a:latin typeface="+mn-lt"/>
-                        <a:ea typeface="Calibri" panose="020F0502020204030204" pitchFamily="34" charset="0"/>
-                        <a:cs typeface="Arial" panose="020B0604020202020204" pitchFamily="34" charset="0"/>
-                      </a:endParaRPr>
-                    </a:p>
-                  </a:txBody>
-                  <a:tcPr marL="68580" marR="68580" marT="0" marB="0"/>
-                </a:tc>
-                <a:tc>
-                  <a:txBody>
-                    <a:bodyPr/>
-                    <a:lstStyle/>
-                    <a:p>
-                      <a:pPr marL="0" algn="ctr" defTabSz="914400" rtl="0" eaLnBrk="1" latinLnBrk="0" hangingPunct="1"/>
-                      <a:r>
-                        <a:rPr lang="en-US" sz="2000" kern="100" dirty="0">
-                          <a:solidFill>
-                            <a:schemeClr val="tx1"/>
-                          </a:solidFill>
-                          <a:effectLst/>
-                          <a:latin typeface="+mn-lt"/>
-                          <a:ea typeface="Calibri" panose="020F0502020204030204" pitchFamily="34" charset="0"/>
-                          <a:cs typeface="Arial" panose="020B0604020202020204" pitchFamily="34" charset="0"/>
-                        </a:rPr>
-                        <a:t>Alexa, </a:t>
-                      </a:r>
-                      <a:r>
-                        <a:rPr lang="en-US" sz="2000" b="1" i="1" kern="100" dirty="0">
-                          <a:solidFill>
-                            <a:srgbClr val="FF0000"/>
-                          </a:solidFill>
-                          <a:effectLst/>
-                          <a:latin typeface="+mn-lt"/>
-                          <a:ea typeface="Calibri" panose="020F0502020204030204" pitchFamily="34" charset="0"/>
-                          <a:cs typeface="Arial" panose="020B0604020202020204" pitchFamily="34" charset="0"/>
-                        </a:rPr>
-                        <a:t>set a reminder for William to exercise every day at 7pm</a:t>
-                      </a:r>
-                      <a:endParaRPr lang="en-PK" sz="2000" b="1" i="1" kern="100" dirty="0">
-                        <a:solidFill>
-                          <a:srgbClr val="FF0000"/>
-                        </a:solidFill>
-                        <a:effectLst/>
-                        <a:latin typeface="+mn-lt"/>
-                        <a:ea typeface="Calibri" panose="020F0502020204030204" pitchFamily="34" charset="0"/>
-                        <a:cs typeface="Arial" panose="020B0604020202020204" pitchFamily="34" charset="0"/>
-                      </a:endParaRPr>
-                    </a:p>
-                  </a:txBody>
-                  <a:tcPr marL="68580" marR="68580" marT="0" marB="0"/>
-                </a:tc>
-                <a:tc>
-                  <a:txBody>
-                    <a:bodyPr/>
-                    <a:lstStyle/>
-                    <a:p>
-                      <a:pPr marL="0" algn="ctr" defTabSz="914400" rtl="0" eaLnBrk="1" latinLnBrk="0" hangingPunct="1"/>
-                      <a:r>
-                        <a:rPr lang="en-US" sz="2000" kern="100">
-                          <a:solidFill>
-                            <a:schemeClr val="tx1"/>
-                          </a:solidFill>
-                          <a:effectLst/>
-                          <a:latin typeface="+mn-lt"/>
-                          <a:ea typeface="Calibri" panose="020F0502020204030204" pitchFamily="34" charset="0"/>
-                          <a:cs typeface="Arial" panose="020B0604020202020204" pitchFamily="34" charset="0"/>
-                        </a:rPr>
-                        <a:t>Okay John, I will remind John every day at &amp; pm to exercise</a:t>
-                      </a:r>
-                      <a:endParaRPr lang="en-PK" sz="2000" kern="100">
-                        <a:solidFill>
-                          <a:schemeClr val="tx1"/>
-                        </a:solidFill>
-                        <a:effectLst/>
-                        <a:latin typeface="+mn-lt"/>
-                        <a:ea typeface="Calibri" panose="020F0502020204030204" pitchFamily="34" charset="0"/>
-                        <a:cs typeface="Arial" panose="020B0604020202020204" pitchFamily="34" charset="0"/>
-                      </a:endParaRPr>
-                    </a:p>
-                  </a:txBody>
-                  <a:tcPr marL="68580" marR="68580" marT="0" marB="0"/>
+                  <a:tcPr marL="68580" marR="68580" marT="0" marB="0" anchor="ctr"/>
                 </a:tc>
                 <a:extLst>
                   <a:ext uri="{0D108BD9-81ED-4DB2-BD59-A6C34878D82A}">
@@ -11361,7 +13219,7 @@
                     <a:p>
                       <a:pPr marL="0" algn="ctr" defTabSz="914400" rtl="0" eaLnBrk="1" latinLnBrk="0" hangingPunct="1"/>
                       <a:r>
-                        <a:rPr lang="en-US" sz="2000" kern="100">
+                        <a:rPr lang="en-US" sz="2000" kern="100" dirty="0">
                           <a:solidFill>
                             <a:schemeClr val="tx1"/>
                           </a:solidFill>
@@ -11372,7 +13230,7 @@
                         </a:rPr>
                         <a:t>4</a:t>
                       </a:r>
-                      <a:endParaRPr lang="en-PK" sz="2000" kern="100">
+                      <a:endParaRPr lang="en-PK" sz="2000" kern="100" dirty="0">
                         <a:solidFill>
                           <a:schemeClr val="tx1"/>
                         </a:solidFill>
@@ -11383,14 +13241,14 @@
                       </a:endParaRPr>
                     </a:p>
                   </a:txBody>
-                  <a:tcPr marL="68580" marR="68580" marT="0" marB="0"/>
-                </a:tc>
-                <a:tc>
-                  <a:txBody>
-                    <a:bodyPr/>
-                    <a:lstStyle/>
-                    <a:p>
-                      <a:pPr marL="0" algn="ctr" defTabSz="914400" rtl="0" eaLnBrk="1" latinLnBrk="0" hangingPunct="1">
+                  <a:tcPr marL="68580" marR="68580" marT="0" marB="0" anchor="ctr"/>
+                </a:tc>
+                <a:tc>
+                  <a:txBody>
+                    <a:bodyPr/>
+                    <a:lstStyle/>
+                    <a:p>
+                      <a:pPr marL="0" algn="l" defTabSz="914400" rtl="0" eaLnBrk="1" latinLnBrk="0" hangingPunct="1">
                         <a:tabLst>
                           <a:tab pos="786130" algn="ctr"/>
                         </a:tabLst>
@@ -11442,14 +13300,14 @@
                       </a:endParaRPr>
                     </a:p>
                   </a:txBody>
-                  <a:tcPr marL="68580" marR="68580" marT="0" marB="0"/>
-                </a:tc>
-                <a:tc>
-                  <a:txBody>
-                    <a:bodyPr/>
-                    <a:lstStyle/>
-                    <a:p>
-                      <a:pPr marL="0" algn="ctr" defTabSz="914400" rtl="0" eaLnBrk="1" latinLnBrk="0" hangingPunct="1"/>
+                  <a:tcPr marL="68580" marR="68580" marT="0" marB="0" anchor="ctr"/>
+                </a:tc>
+                <a:tc>
+                  <a:txBody>
+                    <a:bodyPr/>
+                    <a:lstStyle/>
+                    <a:p>
+                      <a:pPr marL="0" algn="l" defTabSz="914400" rtl="0" eaLnBrk="1" latinLnBrk="0" hangingPunct="1"/>
                       <a:r>
                         <a:rPr lang="en-US" sz="2000" kern="100" dirty="0">
                           <a:solidFill>
@@ -11473,14 +13331,14 @@
                       </a:endParaRPr>
                     </a:p>
                   </a:txBody>
-                  <a:tcPr marL="68580" marR="68580" marT="0" marB="0"/>
-                </a:tc>
-                <a:tc>
-                  <a:txBody>
-                    <a:bodyPr/>
-                    <a:lstStyle/>
-                    <a:p>
-                      <a:pPr marL="0" algn="ctr" defTabSz="914400" rtl="0" eaLnBrk="1" latinLnBrk="0" hangingPunct="1"/>
+                  <a:tcPr marL="68580" marR="68580" marT="0" marB="0" anchor="ctr"/>
+                </a:tc>
+                <a:tc>
+                  <a:txBody>
+                    <a:bodyPr/>
+                    <a:lstStyle/>
+                    <a:p>
+                      <a:pPr marL="0" algn="l" defTabSz="914400" rtl="0" eaLnBrk="1" latinLnBrk="0" hangingPunct="1"/>
                       <a:r>
                         <a:rPr lang="en-US" sz="2000" kern="100" dirty="0">
                           <a:solidFill>
@@ -11504,14 +13362,14 @@
                       </a:endParaRPr>
                     </a:p>
                   </a:txBody>
-                  <a:tcPr marL="68580" marR="68580" marT="0" marB="0"/>
-                </a:tc>
-                <a:tc>
-                  <a:txBody>
-                    <a:bodyPr/>
-                    <a:lstStyle/>
-                    <a:p>
-                      <a:pPr marL="0" algn="ctr" defTabSz="914400" rtl="0" eaLnBrk="1" latinLnBrk="0" hangingPunct="1"/>
+                  <a:tcPr marL="68580" marR="68580" marT="0" marB="0" anchor="ctr"/>
+                </a:tc>
+                <a:tc>
+                  <a:txBody>
+                    <a:bodyPr/>
+                    <a:lstStyle/>
+                    <a:p>
+                      <a:pPr marL="0" algn="l" defTabSz="914400" rtl="0" eaLnBrk="1" latinLnBrk="0" hangingPunct="1"/>
                       <a:r>
                         <a:rPr lang="en-US" sz="2000" b="1" i="1" kern="100" dirty="0">
                           <a:solidFill>
@@ -11535,7 +13393,7 @@
                       </a:endParaRPr>
                     </a:p>
                   </a:txBody>
-                  <a:tcPr marL="68580" marR="68580" marT="0" marB="0"/>
+                  <a:tcPr marL="68580" marR="68580" marT="0" marB="0" anchor="ctr"/>
                 </a:tc>
                 <a:extLst>
                   <a:ext uri="{0D108BD9-81ED-4DB2-BD59-A6C34878D82A}">
@@ -11596,7 +13454,7 @@
 </p:sld>
 </file>
 
-<file path=ppt/slides/slide7.xml><?xml version="1.0" encoding="utf-8"?>
+<file path=ppt/slides/slide9.xml><?xml version="1.0" encoding="utf-8"?>
 <p:sld xmlns:a="http://schemas.openxmlformats.org/drawingml/2006/main" xmlns:r="http://schemas.openxmlformats.org/officeDocument/2006/relationships" xmlns:p="http://schemas.openxmlformats.org/presentationml/2006/main">
   <p:cSld>
     <p:spTree>
@@ -11657,7 +13515,7 @@
           <p:nvPr>
             <p:extLst>
               <p:ext uri="{D42A27DB-BD31-4B8C-83A1-F6EECF244321}">
-                <p14:modId xmlns:p14="http://schemas.microsoft.com/office/powerpoint/2010/main" val="2387806591"/>
+                <p14:modId xmlns:p14="http://schemas.microsoft.com/office/powerpoint/2010/main" val="57088157"/>
               </p:ext>
             </p:extLst>
           </p:nvPr>
@@ -11871,7 +13729,7 @@
                       <a:r>
                         <a:rPr lang="en-US" sz="2000" kern="100" dirty="0">
                           <a:effectLst/>
-                          <a:latin typeface="Calibri" panose="020F0502020204030204" pitchFamily="34" charset="0"/>
+                          <a:latin typeface="+mn-lt"/>
                           <a:ea typeface="Calibri" panose="020F0502020204030204" pitchFamily="34" charset="0"/>
                           <a:cs typeface="Arial" panose="020B0604020202020204" pitchFamily="34" charset="0"/>
                         </a:rPr>
@@ -11879,7 +13737,7 @@
                       </a:r>
                       <a:endParaRPr lang="en-PK" sz="2000" kern="100" dirty="0">
                         <a:effectLst/>
-                        <a:latin typeface="Calibri" panose="020F0502020204030204" pitchFamily="34" charset="0"/>
+                        <a:latin typeface="+mn-lt"/>
                         <a:ea typeface="Calibri" panose="020F0502020204030204" pitchFamily="34" charset="0"/>
                         <a:cs typeface="Arial" panose="020B0604020202020204" pitchFamily="34" charset="0"/>
                       </a:endParaRPr>
@@ -11892,15 +13750,18 @@
                     <a:bodyPr/>
                     <a:lstStyle/>
                     <a:p>
-                      <a:pPr algn="l">
+                      <a:pPr marL="0" algn="l" defTabSz="914400" rtl="0" eaLnBrk="1" latinLnBrk="0" hangingPunct="1">
                         <a:tabLst>
                           <a:tab pos="786130" algn="ctr"/>
                         </a:tabLst>
                       </a:pPr>
                       <a:r>
                         <a:rPr lang="en-US" sz="2000" kern="100" dirty="0">
-                          <a:effectLst/>
-                          <a:latin typeface="Calibri" panose="020F0502020204030204" pitchFamily="34" charset="0"/>
+                          <a:solidFill>
+                            <a:schemeClr val="tx1"/>
+                          </a:solidFill>
+                          <a:effectLst/>
+                          <a:latin typeface="+mn-lt"/>
                           <a:ea typeface="Calibri" panose="020F0502020204030204" pitchFamily="34" charset="0"/>
                           <a:cs typeface="Arial" panose="020B0604020202020204" pitchFamily="34" charset="0"/>
                         </a:rPr>
@@ -11908,8 +13769,11 @@
                       </a:r>
                       <a:r>
                         <a:rPr lang="en-US" sz="2000" kern="100" dirty="0" err="1">
-                          <a:effectLst/>
-                          <a:latin typeface="Calibri" panose="020F0502020204030204" pitchFamily="34" charset="0"/>
+                          <a:solidFill>
+                            <a:schemeClr val="tx1"/>
+                          </a:solidFill>
+                          <a:effectLst/>
+                          <a:latin typeface="+mn-lt"/>
                           <a:ea typeface="Calibri" panose="020F0502020204030204" pitchFamily="34" charset="0"/>
                           <a:cs typeface="Arial" panose="020B0604020202020204" pitchFamily="34" charset="0"/>
                         </a:rPr>
@@ -11917,16 +13781,22 @@
                       </a:r>
                       <a:r>
                         <a:rPr lang="en-US" sz="2000" kern="100" dirty="0">
-                          <a:effectLst/>
-                          <a:latin typeface="Calibri" panose="020F0502020204030204" pitchFamily="34" charset="0"/>
+                          <a:solidFill>
+                            <a:schemeClr val="tx1"/>
+                          </a:solidFill>
+                          <a:effectLst/>
+                          <a:latin typeface="+mn-lt"/>
                           <a:ea typeface="Calibri" panose="020F0502020204030204" pitchFamily="34" charset="0"/>
                           <a:cs typeface="Arial" panose="020B0604020202020204" pitchFamily="34" charset="0"/>
                         </a:rPr>
                         <a:t> on Oct 21, 2023</a:t>
                       </a:r>
                       <a:endParaRPr lang="en-PK" sz="2000" kern="100" dirty="0">
-                        <a:effectLst/>
-                        <a:latin typeface="Calibri" panose="020F0502020204030204" pitchFamily="34" charset="0"/>
+                        <a:solidFill>
+                          <a:schemeClr val="tx1"/>
+                        </a:solidFill>
+                        <a:effectLst/>
+                        <a:latin typeface="+mn-lt"/>
                         <a:ea typeface="Calibri" panose="020F0502020204030204" pitchFamily="34" charset="0"/>
                         <a:cs typeface="Arial" panose="020B0604020202020204" pitchFamily="34" charset="0"/>
                       </a:endParaRPr>
@@ -11939,11 +13809,11 @@
                     <a:bodyPr/>
                     <a:lstStyle/>
                     <a:p>
-                      <a:pPr algn="ctr"/>
+                      <a:pPr algn="l"/>
                       <a:r>
                         <a:rPr lang="en-US" sz="2000" kern="100" dirty="0">
                           <a:effectLst/>
-                          <a:latin typeface="Calibri" panose="020F0502020204030204" pitchFamily="34" charset="0"/>
+                          <a:latin typeface="+mn-lt"/>
                           <a:ea typeface="Calibri" panose="020F0502020204030204" pitchFamily="34" charset="0"/>
                           <a:cs typeface="Arial" panose="020B0604020202020204" pitchFamily="34" charset="0"/>
                         </a:rPr>
@@ -11951,7 +13821,7 @@
                       </a:r>
                       <a:endParaRPr lang="en-PK" sz="2000" kern="100" dirty="0">
                         <a:effectLst/>
-                        <a:latin typeface="Calibri" panose="020F0502020204030204" pitchFamily="34" charset="0"/>
+                        <a:latin typeface="+mn-lt"/>
                         <a:ea typeface="Calibri" panose="020F0502020204030204" pitchFamily="34" charset="0"/>
                         <a:cs typeface="Arial" panose="020B0604020202020204" pitchFamily="34" charset="0"/>
                       </a:endParaRPr>
@@ -11968,15 +13838,30 @@
                       <a:r>
                         <a:rPr lang="en-US" sz="2000" i="1" kern="100" dirty="0">
                           <a:effectLst/>
-                          <a:latin typeface="Calibri" panose="020F0502020204030204" pitchFamily="34" charset="0"/>
-                          <a:ea typeface="Calibri" panose="020F0502020204030204" pitchFamily="34" charset="0"/>
-                          <a:cs typeface="Arial" panose="020B0604020202020204" pitchFamily="34" charset="0"/>
-                        </a:rPr>
-                        <a:t>Alexa, take a picture</a:t>
-                      </a:r>
-                      <a:endParaRPr lang="en-PK" sz="2000" kern="100" dirty="0">
-                        <a:effectLst/>
-                        <a:latin typeface="Calibri" panose="020F0502020204030204" pitchFamily="34" charset="0"/>
+                          <a:latin typeface="+mn-lt"/>
+                          <a:ea typeface="Calibri" panose="020F0502020204030204" pitchFamily="34" charset="0"/>
+                          <a:cs typeface="Arial" panose="020B0604020202020204" pitchFamily="34" charset="0"/>
+                        </a:rPr>
+                        <a:t>Alexa, </a:t>
+                      </a:r>
+                      <a:r>
+                        <a:rPr lang="en-US" sz="2000" b="1" i="1" kern="100" dirty="0">
+                          <a:solidFill>
+                            <a:srgbClr val="FF0000"/>
+                          </a:solidFill>
+                          <a:effectLst/>
+                          <a:latin typeface="+mn-lt"/>
+                          <a:ea typeface="Calibri" panose="020F0502020204030204" pitchFamily="34" charset="0"/>
+                          <a:cs typeface="Arial" panose="020B0604020202020204" pitchFamily="34" charset="0"/>
+                        </a:rPr>
+                        <a:t>take a picture</a:t>
+                      </a:r>
+                      <a:endParaRPr lang="en-PK" sz="2000" b="1" i="1" kern="100" dirty="0">
+                        <a:solidFill>
+                          <a:srgbClr val="FF0000"/>
+                        </a:solidFill>
+                        <a:effectLst/>
+                        <a:latin typeface="+mn-lt"/>
                         <a:ea typeface="Calibri" panose="020F0502020204030204" pitchFamily="34" charset="0"/>
                         <a:cs typeface="Arial" panose="020B0604020202020204" pitchFamily="34" charset="0"/>
                       </a:endParaRPr>
@@ -11989,11 +13874,11 @@
                     <a:bodyPr/>
                     <a:lstStyle/>
                     <a:p>
-                      <a:pPr algn="ctr"/>
+                      <a:pPr algn="l"/>
                       <a:r>
                         <a:rPr lang="en-US" sz="2000" kern="100">
                           <a:effectLst/>
-                          <a:latin typeface="Calibri" panose="020F0502020204030204" pitchFamily="34" charset="0"/>
+                          <a:latin typeface="+mn-lt"/>
                           <a:ea typeface="Calibri" panose="020F0502020204030204" pitchFamily="34" charset="0"/>
                           <a:cs typeface="Arial" panose="020B0604020202020204" pitchFamily="34" charset="0"/>
                         </a:rPr>
@@ -12001,7 +13886,7 @@
                       </a:r>
                       <a:endParaRPr lang="en-PK" sz="2000" kern="100">
                         <a:effectLst/>
-                        <a:latin typeface="Calibri" panose="020F0502020204030204" pitchFamily="34" charset="0"/>
+                        <a:latin typeface="+mn-lt"/>
                         <a:ea typeface="Calibri" panose="020F0502020204030204" pitchFamily="34" charset="0"/>
                         <a:cs typeface="Arial" panose="020B0604020202020204" pitchFamily="34" charset="0"/>
                       </a:endParaRPr>
@@ -12025,7 +13910,7 @@
                       <a:r>
                         <a:rPr lang="en-US" sz="2000" kern="100" dirty="0">
                           <a:effectLst/>
-                          <a:latin typeface="Calibri" panose="020F0502020204030204" pitchFamily="34" charset="0"/>
+                          <a:latin typeface="+mn-lt"/>
                           <a:ea typeface="Calibri" panose="020F0502020204030204" pitchFamily="34" charset="0"/>
                           <a:cs typeface="Arial" panose="020B0604020202020204" pitchFamily="34" charset="0"/>
                         </a:rPr>
@@ -12033,7 +13918,7 @@
                       </a:r>
                       <a:endParaRPr lang="en-PK" sz="2000" kern="100" dirty="0">
                         <a:effectLst/>
-                        <a:latin typeface="Calibri" panose="020F0502020204030204" pitchFamily="34" charset="0"/>
+                        <a:latin typeface="+mn-lt"/>
                         <a:ea typeface="Calibri" panose="020F0502020204030204" pitchFamily="34" charset="0"/>
                         <a:cs typeface="Arial" panose="020B0604020202020204" pitchFamily="34" charset="0"/>
                       </a:endParaRPr>
@@ -12046,15 +13931,18 @@
                     <a:bodyPr/>
                     <a:lstStyle/>
                     <a:p>
-                      <a:pPr algn="l">
+                      <a:pPr marL="0" algn="l" defTabSz="914400" rtl="0" eaLnBrk="1" latinLnBrk="0" hangingPunct="1">
                         <a:tabLst>
                           <a:tab pos="786130" algn="ctr"/>
                         </a:tabLst>
                       </a:pPr>
                       <a:r>
                         <a:rPr lang="en-US" sz="2000" kern="100" dirty="0">
-                          <a:effectLst/>
-                          <a:latin typeface="Calibri" panose="020F0502020204030204" pitchFamily="34" charset="0"/>
+                          <a:solidFill>
+                            <a:schemeClr val="tx1"/>
+                          </a:solidFill>
+                          <a:effectLst/>
+                          <a:latin typeface="+mn-lt"/>
                           <a:ea typeface="Calibri" panose="020F0502020204030204" pitchFamily="34" charset="0"/>
                           <a:cs typeface="Arial" panose="020B0604020202020204" pitchFamily="34" charset="0"/>
                         </a:rPr>
@@ -12062,8 +13950,11 @@
                       </a:r>
                       <a:r>
                         <a:rPr lang="en-US" sz="2000" kern="100" dirty="0" err="1">
-                          <a:effectLst/>
-                          <a:latin typeface="Calibri" panose="020F0502020204030204" pitchFamily="34" charset="0"/>
+                          <a:solidFill>
+                            <a:schemeClr val="tx1"/>
+                          </a:solidFill>
+                          <a:effectLst/>
+                          <a:latin typeface="+mn-lt"/>
                           <a:ea typeface="Calibri" panose="020F0502020204030204" pitchFamily="34" charset="0"/>
                           <a:cs typeface="Arial" panose="020B0604020202020204" pitchFamily="34" charset="0"/>
                         </a:rPr>
@@ -12071,16 +13962,22 @@
                       </a:r>
                       <a:r>
                         <a:rPr lang="en-US" sz="2000" kern="100" dirty="0">
-                          <a:effectLst/>
-                          <a:latin typeface="Calibri" panose="020F0502020204030204" pitchFamily="34" charset="0"/>
+                          <a:solidFill>
+                            <a:schemeClr val="tx1"/>
+                          </a:solidFill>
+                          <a:effectLst/>
+                          <a:latin typeface="+mn-lt"/>
                           <a:ea typeface="Calibri" panose="020F0502020204030204" pitchFamily="34" charset="0"/>
                           <a:cs typeface="Arial" panose="020B0604020202020204" pitchFamily="34" charset="0"/>
                         </a:rPr>
                         <a:t> on Oct 21, 2023</a:t>
                       </a:r>
                       <a:endParaRPr lang="en-PK" sz="2000" kern="100" dirty="0">
-                        <a:effectLst/>
-                        <a:latin typeface="Calibri" panose="020F0502020204030204" pitchFamily="34" charset="0"/>
+                        <a:solidFill>
+                          <a:schemeClr val="tx1"/>
+                        </a:solidFill>
+                        <a:effectLst/>
+                        <a:latin typeface="+mn-lt"/>
                         <a:ea typeface="Calibri" panose="020F0502020204030204" pitchFamily="34" charset="0"/>
                         <a:cs typeface="Arial" panose="020B0604020202020204" pitchFamily="34" charset="0"/>
                       </a:endParaRPr>
@@ -12093,19 +13990,19 @@
                     <a:bodyPr/>
                     <a:lstStyle/>
                     <a:p>
-                      <a:pPr algn="ctr"/>
-                      <a:r>
-                        <a:rPr lang="en-US" sz="2000" kern="100">
-                          <a:effectLst/>
-                          <a:latin typeface="Calibri" panose="020F0502020204030204" pitchFamily="34" charset="0"/>
+                      <a:pPr algn="l"/>
+                      <a:r>
+                        <a:rPr lang="en-US" sz="2000" kern="100" dirty="0">
+                          <a:effectLst/>
+                          <a:latin typeface="+mn-lt"/>
                           <a:ea typeface="Calibri" panose="020F0502020204030204" pitchFamily="34" charset="0"/>
                           <a:cs typeface="Arial" panose="020B0604020202020204" pitchFamily="34" charset="0"/>
                         </a:rPr>
                         <a:t>Record video</a:t>
                       </a:r>
-                      <a:endParaRPr lang="en-PK" sz="2000" kern="100">
-                        <a:effectLst/>
-                        <a:latin typeface="Calibri" panose="020F0502020204030204" pitchFamily="34" charset="0"/>
+                      <a:endParaRPr lang="en-PK" sz="2000" kern="100" dirty="0">
+                        <a:effectLst/>
+                        <a:latin typeface="+mn-lt"/>
                         <a:ea typeface="Calibri" panose="020F0502020204030204" pitchFamily="34" charset="0"/>
                         <a:cs typeface="Arial" panose="020B0604020202020204" pitchFamily="34" charset="0"/>
                       </a:endParaRPr>
@@ -12122,49 +14019,55 @@
                       <a:r>
                         <a:rPr lang="en-US" sz="2000" i="1" kern="100" dirty="0">
                           <a:effectLst/>
-                          <a:latin typeface="Calibri" panose="020F0502020204030204" pitchFamily="34" charset="0"/>
-                          <a:ea typeface="Calibri" panose="020F0502020204030204" pitchFamily="34" charset="0"/>
-                          <a:cs typeface="Arial" panose="020B0604020202020204" pitchFamily="34" charset="0"/>
-                        </a:rPr>
-                        <a:t>Alexa, r</a:t>
-                      </a:r>
+                          <a:latin typeface="+mn-lt"/>
+                          <a:ea typeface="Calibri" panose="020F0502020204030204" pitchFamily="34" charset="0"/>
+                          <a:cs typeface="Arial" panose="020B0604020202020204" pitchFamily="34" charset="0"/>
+                        </a:rPr>
+                        <a:t>Alexa, </a:t>
+                      </a:r>
+                      <a:r>
+                        <a:rPr lang="en-US" sz="2000" b="1" i="1" kern="100" dirty="0">
+                          <a:solidFill>
+                            <a:srgbClr val="FF0000"/>
+                          </a:solidFill>
+                          <a:effectLst/>
+                          <a:latin typeface="+mn-lt"/>
+                          <a:ea typeface="Calibri" panose="020F0502020204030204" pitchFamily="34" charset="0"/>
+                          <a:cs typeface="Arial" panose="020B0604020202020204" pitchFamily="34" charset="0"/>
+                        </a:rPr>
+                        <a:t>record a video</a:t>
+                      </a:r>
+                      <a:endParaRPr lang="en-PK" sz="2000" b="1" i="1" kern="100" dirty="0">
+                        <a:solidFill>
+                          <a:srgbClr val="FF0000"/>
+                        </a:solidFill>
+                        <a:effectLst/>
+                        <a:latin typeface="+mn-lt"/>
+                        <a:ea typeface="Calibri" panose="020F0502020204030204" pitchFamily="34" charset="0"/>
+                        <a:cs typeface="Arial" panose="020B0604020202020204" pitchFamily="34" charset="0"/>
+                      </a:endParaRPr>
+                    </a:p>
+                  </a:txBody>
+                  <a:tcPr marL="68580" marR="68580" marT="0" marB="0" anchor="ctr"/>
+                </a:tc>
+                <a:tc>
+                  <a:txBody>
+                    <a:bodyPr/>
+                    <a:lstStyle/>
+                    <a:p>
+                      <a:pPr algn="l"/>
                       <a:r>
                         <a:rPr lang="en-US" sz="2000" kern="100" dirty="0">
                           <a:effectLst/>
-                          <a:latin typeface="Calibri" panose="020F0502020204030204" pitchFamily="34" charset="0"/>
-                          <a:ea typeface="Calibri" panose="020F0502020204030204" pitchFamily="34" charset="0"/>
-                          <a:cs typeface="Arial" panose="020B0604020202020204" pitchFamily="34" charset="0"/>
-                        </a:rPr>
-                        <a:t>ecord a video</a:t>
+                          <a:latin typeface="+mn-lt"/>
+                          <a:ea typeface="Calibri" panose="020F0502020204030204" pitchFamily="34" charset="0"/>
+                          <a:cs typeface="Arial" panose="020B0604020202020204" pitchFamily="34" charset="0"/>
+                        </a:rPr>
+                        <a:t>When you’re done say Alexa, stop.. Video recorded</a:t>
                       </a:r>
                       <a:endParaRPr lang="en-PK" sz="2000" kern="100" dirty="0">
                         <a:effectLst/>
-                        <a:latin typeface="Calibri" panose="020F0502020204030204" pitchFamily="34" charset="0"/>
-                        <a:ea typeface="Calibri" panose="020F0502020204030204" pitchFamily="34" charset="0"/>
-                        <a:cs typeface="Arial" panose="020B0604020202020204" pitchFamily="34" charset="0"/>
-                      </a:endParaRPr>
-                    </a:p>
-                  </a:txBody>
-                  <a:tcPr marL="68580" marR="68580" marT="0" marB="0" anchor="ctr"/>
-                </a:tc>
-                <a:tc>
-                  <a:txBody>
-                    <a:bodyPr/>
-                    <a:lstStyle/>
-                    <a:p>
-                      <a:pPr algn="ctr"/>
-                      <a:r>
-                        <a:rPr lang="en-US" sz="2000" kern="100" dirty="0">
-                          <a:effectLst/>
-                          <a:latin typeface="Calibri" panose="020F0502020204030204" pitchFamily="34" charset="0"/>
-                          <a:ea typeface="Calibri" panose="020F0502020204030204" pitchFamily="34" charset="0"/>
-                          <a:cs typeface="Arial" panose="020B0604020202020204" pitchFamily="34" charset="0"/>
-                        </a:rPr>
-                        <a:t>When you’re done say Alexa, stop.. Video recorded</a:t>
-                      </a:r>
-                      <a:endParaRPr lang="en-PK" sz="2000" kern="100" dirty="0">
-                        <a:effectLst/>
-                        <a:latin typeface="Calibri" panose="020F0502020204030204" pitchFamily="34" charset="0"/>
+                        <a:latin typeface="+mn-lt"/>
                         <a:ea typeface="Calibri" panose="020F0502020204030204" pitchFamily="34" charset="0"/>
                         <a:cs typeface="Arial" panose="020B0604020202020204" pitchFamily="34" charset="0"/>
                       </a:endParaRPr>
@@ -12188,7 +14091,7 @@
                       <a:r>
                         <a:rPr lang="en-US" sz="2000" kern="100" dirty="0">
                           <a:effectLst/>
-                          <a:latin typeface="Calibri" panose="020F0502020204030204" pitchFamily="34" charset="0"/>
+                          <a:latin typeface="+mn-lt"/>
                           <a:ea typeface="Calibri" panose="020F0502020204030204" pitchFamily="34" charset="0"/>
                           <a:cs typeface="Arial" panose="020B0604020202020204" pitchFamily="34" charset="0"/>
                         </a:rPr>
@@ -12196,7 +14099,7 @@
                       </a:r>
                       <a:endParaRPr lang="en-PK" sz="2000" kern="100" dirty="0">
                         <a:effectLst/>
-                        <a:latin typeface="Calibri" panose="020F0502020204030204" pitchFamily="34" charset="0"/>
+                        <a:latin typeface="+mn-lt"/>
                         <a:ea typeface="Calibri" panose="020F0502020204030204" pitchFamily="34" charset="0"/>
                         <a:cs typeface="Arial" panose="020B0604020202020204" pitchFamily="34" charset="0"/>
                       </a:endParaRPr>
@@ -12209,15 +14112,18 @@
                     <a:bodyPr/>
                     <a:lstStyle/>
                     <a:p>
-                      <a:pPr algn="l">
+                      <a:pPr marL="0" algn="l" defTabSz="914400" rtl="0" eaLnBrk="1" latinLnBrk="0" hangingPunct="1">
                         <a:tabLst>
                           <a:tab pos="786130" algn="ctr"/>
                         </a:tabLst>
                       </a:pPr>
                       <a:r>
                         <a:rPr lang="en-US" sz="2000" kern="100" dirty="0">
-                          <a:effectLst/>
-                          <a:latin typeface="Calibri" panose="020F0502020204030204" pitchFamily="34" charset="0"/>
+                          <a:solidFill>
+                            <a:schemeClr val="tx1"/>
+                          </a:solidFill>
+                          <a:effectLst/>
+                          <a:latin typeface="+mn-lt"/>
                           <a:ea typeface="Calibri" panose="020F0502020204030204" pitchFamily="34" charset="0"/>
                           <a:cs typeface="Arial" panose="020B0604020202020204" pitchFamily="34" charset="0"/>
                         </a:rPr>
@@ -12225,8 +14131,11 @@
                       </a:r>
                       <a:r>
                         <a:rPr lang="en-US" sz="2000" kern="100" dirty="0" err="1">
-                          <a:effectLst/>
-                          <a:latin typeface="Calibri" panose="020F0502020204030204" pitchFamily="34" charset="0"/>
+                          <a:solidFill>
+                            <a:schemeClr val="tx1"/>
+                          </a:solidFill>
+                          <a:effectLst/>
+                          <a:latin typeface="+mn-lt"/>
                           <a:ea typeface="Calibri" panose="020F0502020204030204" pitchFamily="34" charset="0"/>
                           <a:cs typeface="Arial" panose="020B0604020202020204" pitchFamily="34" charset="0"/>
                         </a:rPr>
@@ -12234,16 +14143,22 @@
                       </a:r>
                       <a:r>
                         <a:rPr lang="en-US" sz="2000" kern="100" dirty="0">
-                          <a:effectLst/>
-                          <a:latin typeface="Calibri" panose="020F0502020204030204" pitchFamily="34" charset="0"/>
+                          <a:solidFill>
+                            <a:schemeClr val="tx1"/>
+                          </a:solidFill>
+                          <a:effectLst/>
+                          <a:latin typeface="+mn-lt"/>
                           <a:ea typeface="Calibri" panose="020F0502020204030204" pitchFamily="34" charset="0"/>
                           <a:cs typeface="Arial" panose="020B0604020202020204" pitchFamily="34" charset="0"/>
                         </a:rPr>
                         <a:t> on Oct 21, 2023</a:t>
                       </a:r>
                       <a:endParaRPr lang="en-PK" sz="2000" kern="100" dirty="0">
-                        <a:effectLst/>
-                        <a:latin typeface="Calibri" panose="020F0502020204030204" pitchFamily="34" charset="0"/>
+                        <a:solidFill>
+                          <a:schemeClr val="tx1"/>
+                        </a:solidFill>
+                        <a:effectLst/>
+                        <a:latin typeface="+mn-lt"/>
                         <a:ea typeface="Calibri" panose="020F0502020204030204" pitchFamily="34" charset="0"/>
                         <a:cs typeface="Arial" panose="020B0604020202020204" pitchFamily="34" charset="0"/>
                       </a:endParaRPr>
@@ -12256,19 +14171,19 @@
                     <a:bodyPr/>
                     <a:lstStyle/>
                     <a:p>
-                      <a:pPr algn="ctr"/>
-                      <a:r>
-                        <a:rPr lang="en-US" sz="2000" kern="100">
-                          <a:effectLst/>
-                          <a:latin typeface="Calibri" panose="020F0502020204030204" pitchFamily="34" charset="0"/>
+                      <a:pPr algn="l"/>
+                      <a:r>
+                        <a:rPr lang="en-US" sz="2000" kern="100" dirty="0">
+                          <a:effectLst/>
+                          <a:latin typeface="+mn-lt"/>
                           <a:ea typeface="Calibri" panose="020F0502020204030204" pitchFamily="34" charset="0"/>
                           <a:cs typeface="Arial" panose="020B0604020202020204" pitchFamily="34" charset="0"/>
                         </a:rPr>
                         <a:t>Show photos</a:t>
                       </a:r>
-                      <a:endParaRPr lang="en-PK" sz="2000" kern="100">
-                        <a:effectLst/>
-                        <a:latin typeface="Calibri" panose="020F0502020204030204" pitchFamily="34" charset="0"/>
+                      <a:endParaRPr lang="en-PK" sz="2000" kern="100" dirty="0">
+                        <a:effectLst/>
+                        <a:latin typeface="+mn-lt"/>
                         <a:ea typeface="Calibri" panose="020F0502020204030204" pitchFamily="34" charset="0"/>
                         <a:cs typeface="Arial" panose="020B0604020202020204" pitchFamily="34" charset="0"/>
                       </a:endParaRPr>
@@ -12283,35 +14198,35 @@
                     <a:p>
                       <a:pPr algn="l"/>
                       <a:r>
-                        <a:rPr lang="en-US" sz="2000" i="1" kern="100">
-                          <a:effectLst/>
-                          <a:latin typeface="Calibri" panose="020F0502020204030204" pitchFamily="34" charset="0"/>
+                        <a:rPr lang="en-US" sz="2000" i="1" kern="100" dirty="0">
+                          <a:effectLst/>
+                          <a:latin typeface="+mn-lt"/>
                           <a:ea typeface="Calibri" panose="020F0502020204030204" pitchFamily="34" charset="0"/>
                           <a:cs typeface="Arial" panose="020B0604020202020204" pitchFamily="34" charset="0"/>
                         </a:rPr>
                         <a:t>Alexa, show photos from Oct the 9</a:t>
                       </a:r>
                       <a:r>
-                        <a:rPr lang="en-US" sz="2000" i="1" kern="100" baseline="30000">
-                          <a:effectLst/>
-                          <a:latin typeface="Calibri" panose="020F0502020204030204" pitchFamily="34" charset="0"/>
+                        <a:rPr lang="en-US" sz="2000" i="1" kern="100" baseline="30000" dirty="0">
+                          <a:effectLst/>
+                          <a:latin typeface="+mn-lt"/>
                           <a:ea typeface="Calibri" panose="020F0502020204030204" pitchFamily="34" charset="0"/>
                           <a:cs typeface="Arial" panose="020B0604020202020204" pitchFamily="34" charset="0"/>
                         </a:rPr>
                         <a:t>th</a:t>
                       </a:r>
                       <a:r>
-                        <a:rPr lang="en-US" sz="2000" i="1" kern="100">
-                          <a:effectLst/>
-                          <a:latin typeface="Calibri" panose="020F0502020204030204" pitchFamily="34" charset="0"/>
+                        <a:rPr lang="en-US" sz="2000" i="1" kern="100" dirty="0">
+                          <a:effectLst/>
+                          <a:latin typeface="+mn-lt"/>
                           <a:ea typeface="Calibri" panose="020F0502020204030204" pitchFamily="34" charset="0"/>
                           <a:cs typeface="Arial" panose="020B0604020202020204" pitchFamily="34" charset="0"/>
                         </a:rPr>
                         <a:t> </a:t>
                       </a:r>
-                      <a:endParaRPr lang="en-PK" sz="2000" kern="100">
-                        <a:effectLst/>
-                        <a:latin typeface="Calibri" panose="020F0502020204030204" pitchFamily="34" charset="0"/>
+                      <a:endParaRPr lang="en-PK" sz="2000" kern="100" dirty="0">
+                        <a:effectLst/>
+                        <a:latin typeface="+mn-lt"/>
                         <a:ea typeface="Calibri" panose="020F0502020204030204" pitchFamily="34" charset="0"/>
                         <a:cs typeface="Arial" panose="020B0604020202020204" pitchFamily="34" charset="0"/>
                       </a:endParaRPr>
@@ -12324,11 +14239,11 @@
                     <a:bodyPr/>
                     <a:lstStyle/>
                     <a:p>
-                      <a:pPr algn="ctr"/>
+                      <a:pPr algn="l"/>
                       <a:r>
                         <a:rPr lang="en-US" sz="2000" kern="100" dirty="0">
                           <a:effectLst/>
-                          <a:latin typeface="Calibri" panose="020F0502020204030204" pitchFamily="34" charset="0"/>
+                          <a:latin typeface="+mn-lt"/>
                           <a:ea typeface="Calibri" panose="020F0502020204030204" pitchFamily="34" charset="0"/>
                           <a:cs typeface="Arial" panose="020B0604020202020204" pitchFamily="34" charset="0"/>
                         </a:rPr>
@@ -12336,7 +14251,7 @@
                       </a:r>
                       <a:endParaRPr lang="en-PK" sz="2000" kern="100" dirty="0">
                         <a:effectLst/>
-                        <a:latin typeface="Calibri" panose="020F0502020204030204" pitchFamily="34" charset="0"/>
+                        <a:latin typeface="+mn-lt"/>
                         <a:ea typeface="Calibri" panose="020F0502020204030204" pitchFamily="34" charset="0"/>
                         <a:cs typeface="Arial" panose="020B0604020202020204" pitchFamily="34" charset="0"/>
                       </a:endParaRPr>
@@ -12394,1488 +14309,6 @@
     <p:extLst>
       <p:ext uri="{BB962C8B-B14F-4D97-AF65-F5344CB8AC3E}">
         <p14:creationId xmlns:p14="http://schemas.microsoft.com/office/powerpoint/2010/main" val="3121697062"/>
-      </p:ext>
-    </p:extLst>
-  </p:cSld>
-  <p:clrMapOvr>
-    <a:masterClrMapping/>
-  </p:clrMapOvr>
-</p:sld>
-</file>
-
-<file path=ppt/slides/slide8.xml><?xml version="1.0" encoding="utf-8"?>
-<p:sld xmlns:a="http://schemas.openxmlformats.org/drawingml/2006/main" xmlns:r="http://schemas.openxmlformats.org/officeDocument/2006/relationships" xmlns:p="http://schemas.openxmlformats.org/presentationml/2006/main">
-  <p:cSld>
-    <p:spTree>
-      <p:nvGrpSpPr>
-        <p:cNvPr id="1" name=""/>
-        <p:cNvGrpSpPr/>
-        <p:nvPr/>
-      </p:nvGrpSpPr>
-      <p:grpSpPr>
-        <a:xfrm>
-          <a:off x="0" y="0"/>
-          <a:ext cx="0" cy="0"/>
-          <a:chOff x="0" y="0"/>
-          <a:chExt cx="0" cy="0"/>
-        </a:xfrm>
-      </p:grpSpPr>
-      <p:sp>
-        <p:nvSpPr>
-          <p:cNvPr id="4" name="Title 3">
-            <a:extLst>
-              <a:ext uri="{FF2B5EF4-FFF2-40B4-BE49-F238E27FC236}">
-                <a16:creationId xmlns:a16="http://schemas.microsoft.com/office/drawing/2014/main" id="{4B469AA7-C42C-CCE9-1B07-385C895CA9A9}"/>
-              </a:ext>
-            </a:extLst>
-          </p:cNvPr>
-          <p:cNvSpPr>
-            <a:spLocks noGrp="1"/>
-          </p:cNvSpPr>
-          <p:nvPr>
-            <p:ph type="title"/>
-          </p:nvPr>
-        </p:nvSpPr>
-        <p:spPr/>
-        <p:txBody>
-          <a:bodyPr/>
-          <a:lstStyle/>
-          <a:p>
-            <a:r>
-              <a:rPr lang="en-US" kern="100" dirty="0"/>
-              <a:t>Playing Videos / Movies</a:t>
-            </a:r>
-            <a:endParaRPr lang="en-PK" dirty="0"/>
-          </a:p>
-        </p:txBody>
-      </p:sp>
-      <p:graphicFrame>
-        <p:nvGraphicFramePr>
-          <p:cNvPr id="6" name="Table 5">
-            <a:extLst>
-              <a:ext uri="{FF2B5EF4-FFF2-40B4-BE49-F238E27FC236}">
-                <a16:creationId xmlns:a16="http://schemas.microsoft.com/office/drawing/2014/main" id="{E35AC7B3-4DAE-F1E6-D0DB-3FF372274282}"/>
-              </a:ext>
-            </a:extLst>
-          </p:cNvPr>
-          <p:cNvGraphicFramePr>
-            <a:graphicFrameLocks noGrp="1"/>
-          </p:cNvGraphicFramePr>
-          <p:nvPr>
-            <p:extLst>
-              <p:ext uri="{D42A27DB-BD31-4B8C-83A1-F6EECF244321}">
-                <p14:modId xmlns:p14="http://schemas.microsoft.com/office/powerpoint/2010/main" val="2480500878"/>
-              </p:ext>
-            </p:extLst>
-          </p:nvPr>
-        </p:nvGraphicFramePr>
-        <p:xfrm>
-          <a:off x="838199" y="1690687"/>
-          <a:ext cx="10548801" cy="2438400"/>
-        </p:xfrm>
-        <a:graphic>
-          <a:graphicData uri="http://schemas.openxmlformats.org/drawingml/2006/table">
-            <a:tbl>
-              <a:tblPr firstRow="1" firstCol="1" bandRow="1">
-                <a:tableStyleId>{5940675A-B579-460E-94D1-54222C63F5DA}</a:tableStyleId>
-              </a:tblPr>
-              <a:tblGrid>
-                <a:gridCol w="576264">
-                  <a:extLst>
-                    <a:ext uri="{9D8B030D-6E8A-4147-A177-3AD203B41FA5}">
-                      <a16:colId xmlns:a16="http://schemas.microsoft.com/office/drawing/2014/main" val="2048541075"/>
-                    </a:ext>
-                  </a:extLst>
-                </a:gridCol>
-                <a:gridCol w="1543050">
-                  <a:extLst>
-                    <a:ext uri="{9D8B030D-6E8A-4147-A177-3AD203B41FA5}">
-                      <a16:colId xmlns:a16="http://schemas.microsoft.com/office/drawing/2014/main" val="1365377391"/>
-                    </a:ext>
-                  </a:extLst>
-                </a:gridCol>
-                <a:gridCol w="2259946">
-                  <a:extLst>
-                    <a:ext uri="{9D8B030D-6E8A-4147-A177-3AD203B41FA5}">
-                      <a16:colId xmlns:a16="http://schemas.microsoft.com/office/drawing/2014/main" val="191054896"/>
-                    </a:ext>
-                  </a:extLst>
-                </a:gridCol>
-                <a:gridCol w="3569354">
-                  <a:extLst>
-                    <a:ext uri="{9D8B030D-6E8A-4147-A177-3AD203B41FA5}">
-                      <a16:colId xmlns:a16="http://schemas.microsoft.com/office/drawing/2014/main" val="1866194607"/>
-                    </a:ext>
-                  </a:extLst>
-                </a:gridCol>
-                <a:gridCol w="2600187">
-                  <a:extLst>
-                    <a:ext uri="{9D8B030D-6E8A-4147-A177-3AD203B41FA5}">
-                      <a16:colId xmlns:a16="http://schemas.microsoft.com/office/drawing/2014/main" val="2165446263"/>
-                    </a:ext>
-                  </a:extLst>
-                </a:gridCol>
-              </a:tblGrid>
-              <a:tr h="504031">
-                <a:tc>
-                  <a:txBody>
-                    <a:bodyPr/>
-                    <a:lstStyle/>
-                    <a:p>
-                      <a:pPr algn="ctr"/>
-                      <a:r>
-                        <a:rPr lang="en-US" sz="2000" b="1" i="0" kern="100" dirty="0">
-                          <a:effectLst/>
-                          <a:latin typeface="+mn-lt"/>
-                          <a:ea typeface="Calibri" panose="020F0502020204030204" pitchFamily="34" charset="0"/>
-                          <a:cs typeface="Arial" panose="020B0604020202020204" pitchFamily="34" charset="0"/>
-                        </a:rPr>
-                        <a:t>S. No.</a:t>
-                      </a:r>
-                      <a:endParaRPr lang="en-PK" sz="2000" i="0" kern="100" dirty="0">
-                        <a:effectLst/>
-                        <a:latin typeface="+mn-lt"/>
-                        <a:ea typeface="Calibri" panose="020F0502020204030204" pitchFamily="34" charset="0"/>
-                        <a:cs typeface="Arial" panose="020B0604020202020204" pitchFamily="34" charset="0"/>
-                      </a:endParaRPr>
-                    </a:p>
-                  </a:txBody>
-                  <a:tcPr marL="68580" marR="68580" marT="0" marB="0" anchor="ctr">
-                    <a:solidFill>
-                      <a:srgbClr val="FFFF00"/>
-                    </a:solidFill>
-                  </a:tcPr>
-                </a:tc>
-                <a:tc>
-                  <a:txBody>
-                    <a:bodyPr/>
-                    <a:lstStyle/>
-                    <a:p>
-                      <a:pPr algn="ctr"/>
-                      <a:r>
-                        <a:rPr lang="en-US" sz="2000" b="1" i="0" kern="100" dirty="0">
-                          <a:effectLst/>
-                          <a:latin typeface="+mn-lt"/>
-                          <a:ea typeface="Calibri" panose="020F0502020204030204" pitchFamily="34" charset="0"/>
-                          <a:cs typeface="Arial" panose="020B0604020202020204" pitchFamily="34" charset="0"/>
-                        </a:rPr>
-                        <a:t>Date &amp; Time</a:t>
-                      </a:r>
-                      <a:endParaRPr lang="en-PK" sz="2000" i="0" kern="100" dirty="0">
-                        <a:effectLst/>
-                        <a:latin typeface="+mn-lt"/>
-                        <a:ea typeface="Calibri" panose="020F0502020204030204" pitchFamily="34" charset="0"/>
-                        <a:cs typeface="Arial" panose="020B0604020202020204" pitchFamily="34" charset="0"/>
-                      </a:endParaRPr>
-                    </a:p>
-                  </a:txBody>
-                  <a:tcPr marL="68580" marR="68580" marT="0" marB="0" anchor="ctr">
-                    <a:solidFill>
-                      <a:srgbClr val="FFFF00"/>
-                    </a:solidFill>
-                  </a:tcPr>
-                </a:tc>
-                <a:tc>
-                  <a:txBody>
-                    <a:bodyPr/>
-                    <a:lstStyle/>
-                    <a:p>
-                      <a:pPr algn="ctr"/>
-                      <a:r>
-                        <a:rPr lang="en-US" sz="2000" b="1" i="0" kern="100" dirty="0">
-                          <a:effectLst/>
-                          <a:latin typeface="+mn-lt"/>
-                          <a:ea typeface="Calibri" panose="020F0502020204030204" pitchFamily="34" charset="0"/>
-                          <a:cs typeface="Arial" panose="020B0604020202020204" pitchFamily="34" charset="0"/>
-                        </a:rPr>
-                        <a:t>Action</a:t>
-                      </a:r>
-                      <a:endParaRPr lang="en-PK" sz="2000" i="0" kern="100" dirty="0">
-                        <a:effectLst/>
-                        <a:latin typeface="+mn-lt"/>
-                        <a:ea typeface="Calibri" panose="020F0502020204030204" pitchFamily="34" charset="0"/>
-                        <a:cs typeface="Arial" panose="020B0604020202020204" pitchFamily="34" charset="0"/>
-                      </a:endParaRPr>
-                    </a:p>
-                  </a:txBody>
-                  <a:tcPr marL="68580" marR="68580" marT="0" marB="0" anchor="ctr">
-                    <a:solidFill>
-                      <a:srgbClr val="FFFF00"/>
-                    </a:solidFill>
-                  </a:tcPr>
-                </a:tc>
-                <a:tc>
-                  <a:txBody>
-                    <a:bodyPr/>
-                    <a:lstStyle/>
-                    <a:p>
-                      <a:pPr algn="ctr"/>
-                      <a:r>
-                        <a:rPr lang="en-US" sz="2000" b="1" i="0" kern="100" dirty="0">
-                          <a:effectLst/>
-                          <a:latin typeface="+mn-lt"/>
-                          <a:ea typeface="Calibri" panose="020F0502020204030204" pitchFamily="34" charset="0"/>
-                          <a:cs typeface="Arial" panose="020B0604020202020204" pitchFamily="34" charset="0"/>
-                        </a:rPr>
-                        <a:t>Voice Command</a:t>
-                      </a:r>
-                      <a:endParaRPr lang="en-PK" sz="2000" i="0" kern="100" dirty="0">
-                        <a:effectLst/>
-                        <a:latin typeface="+mn-lt"/>
-                        <a:ea typeface="Calibri" panose="020F0502020204030204" pitchFamily="34" charset="0"/>
-                        <a:cs typeface="Arial" panose="020B0604020202020204" pitchFamily="34" charset="0"/>
-                      </a:endParaRPr>
-                    </a:p>
-                  </a:txBody>
-                  <a:tcPr marL="68580" marR="68580" marT="0" marB="0" anchor="ctr">
-                    <a:solidFill>
-                      <a:srgbClr val="FFFF00"/>
-                    </a:solidFill>
-                  </a:tcPr>
-                </a:tc>
-                <a:tc>
-                  <a:txBody>
-                    <a:bodyPr/>
-                    <a:lstStyle/>
-                    <a:p>
-                      <a:pPr algn="ctr"/>
-                      <a:r>
-                        <a:rPr lang="en-US" sz="2000" b="1" i="0" kern="100" dirty="0">
-                          <a:effectLst/>
-                          <a:latin typeface="+mn-lt"/>
-                          <a:ea typeface="Calibri" panose="020F0502020204030204" pitchFamily="34" charset="0"/>
-                          <a:cs typeface="Arial" panose="020B0604020202020204" pitchFamily="34" charset="0"/>
-                        </a:rPr>
-                        <a:t>Response</a:t>
-                      </a:r>
-                      <a:endParaRPr lang="en-PK" sz="2000" i="0" kern="100" dirty="0">
-                        <a:effectLst/>
-                        <a:latin typeface="+mn-lt"/>
-                        <a:ea typeface="Calibri" panose="020F0502020204030204" pitchFamily="34" charset="0"/>
-                        <a:cs typeface="Arial" panose="020B0604020202020204" pitchFamily="34" charset="0"/>
-                      </a:endParaRPr>
-                    </a:p>
-                  </a:txBody>
-                  <a:tcPr marL="68580" marR="68580" marT="0" marB="0" anchor="ctr">
-                    <a:solidFill>
-                      <a:srgbClr val="FFFF00"/>
-                    </a:solidFill>
-                  </a:tcPr>
-                </a:tc>
-                <a:extLst>
-                  <a:ext uri="{0D108BD9-81ED-4DB2-BD59-A6C34878D82A}">
-                    <a16:rowId xmlns:a16="http://schemas.microsoft.com/office/drawing/2014/main" val="1568174763"/>
-                  </a:ext>
-                </a:extLst>
-              </a:tr>
-              <a:tr h="504031">
-                <a:tc>
-                  <a:txBody>
-                    <a:bodyPr/>
-                    <a:lstStyle/>
-                    <a:p>
-                      <a:pPr algn="ctr"/>
-                      <a:r>
-                        <a:rPr lang="en-US" sz="2000" kern="100" dirty="0">
-                          <a:effectLst/>
-                          <a:latin typeface="Calibri" panose="020F0502020204030204" pitchFamily="34" charset="0"/>
-                          <a:ea typeface="Calibri" panose="020F0502020204030204" pitchFamily="34" charset="0"/>
-                          <a:cs typeface="Arial" panose="020B0604020202020204" pitchFamily="34" charset="0"/>
-                        </a:rPr>
-                        <a:t>1</a:t>
-                      </a:r>
-                      <a:endParaRPr lang="en-PK" sz="2000" kern="100" dirty="0">
-                        <a:effectLst/>
-                        <a:latin typeface="Calibri" panose="020F0502020204030204" pitchFamily="34" charset="0"/>
-                        <a:ea typeface="Calibri" panose="020F0502020204030204" pitchFamily="34" charset="0"/>
-                        <a:cs typeface="Arial" panose="020B0604020202020204" pitchFamily="34" charset="0"/>
-                      </a:endParaRPr>
-                    </a:p>
-                  </a:txBody>
-                  <a:tcPr marL="68580" marR="68580" marT="0" marB="0"/>
-                </a:tc>
-                <a:tc>
-                  <a:txBody>
-                    <a:bodyPr/>
-                    <a:lstStyle/>
-                    <a:p>
-                      <a:pPr algn="l">
-                        <a:tabLst>
-                          <a:tab pos="786130" algn="ctr"/>
-                        </a:tabLst>
-                      </a:pPr>
-                      <a:r>
-                        <a:rPr lang="en-US" sz="2000" kern="100" dirty="0">
-                          <a:effectLst/>
-                          <a:latin typeface="Calibri" panose="020F0502020204030204" pitchFamily="34" charset="0"/>
-                          <a:ea typeface="Calibri" panose="020F0502020204030204" pitchFamily="34" charset="0"/>
-                          <a:cs typeface="Arial" panose="020B0604020202020204" pitchFamily="34" charset="0"/>
-                        </a:rPr>
-                        <a:t>1909 </a:t>
-                      </a:r>
-                      <a:r>
-                        <a:rPr lang="en-US" sz="2000" kern="100" dirty="0" err="1">
-                          <a:effectLst/>
-                          <a:latin typeface="Calibri" panose="020F0502020204030204" pitchFamily="34" charset="0"/>
-                          <a:ea typeface="Calibri" panose="020F0502020204030204" pitchFamily="34" charset="0"/>
-                          <a:cs typeface="Arial" panose="020B0604020202020204" pitchFamily="34" charset="0"/>
-                        </a:rPr>
-                        <a:t>hrs</a:t>
-                      </a:r>
-                      <a:r>
-                        <a:rPr lang="en-US" sz="2000" kern="100" dirty="0">
-                          <a:effectLst/>
-                          <a:latin typeface="Calibri" panose="020F0502020204030204" pitchFamily="34" charset="0"/>
-                          <a:ea typeface="Calibri" panose="020F0502020204030204" pitchFamily="34" charset="0"/>
-                          <a:cs typeface="Arial" panose="020B0604020202020204" pitchFamily="34" charset="0"/>
-                        </a:rPr>
-                        <a:t> on Oct 22, 2023</a:t>
-                      </a:r>
-                      <a:endParaRPr lang="en-PK" sz="2000" kern="100" dirty="0">
-                        <a:effectLst/>
-                        <a:latin typeface="Calibri" panose="020F0502020204030204" pitchFamily="34" charset="0"/>
-                        <a:ea typeface="Calibri" panose="020F0502020204030204" pitchFamily="34" charset="0"/>
-                        <a:cs typeface="Arial" panose="020B0604020202020204" pitchFamily="34" charset="0"/>
-                      </a:endParaRPr>
-                    </a:p>
-                  </a:txBody>
-                  <a:tcPr marL="68580" marR="68580" marT="0" marB="0"/>
-                </a:tc>
-                <a:tc>
-                  <a:txBody>
-                    <a:bodyPr/>
-                    <a:lstStyle/>
-                    <a:p>
-                      <a:pPr algn="ctr"/>
-                      <a:r>
-                        <a:rPr lang="en-US" sz="2000" kern="100" dirty="0">
-                          <a:effectLst/>
-                          <a:latin typeface="Calibri" panose="020F0502020204030204" pitchFamily="34" charset="0"/>
-                          <a:ea typeface="Calibri" panose="020F0502020204030204" pitchFamily="34" charset="0"/>
-                          <a:cs typeface="Arial" panose="020B0604020202020204" pitchFamily="34" charset="0"/>
-                        </a:rPr>
-                        <a:t>Play Video/Movie</a:t>
-                      </a:r>
-                      <a:endParaRPr lang="en-PK" sz="2000" kern="100" dirty="0">
-                        <a:effectLst/>
-                        <a:latin typeface="Calibri" panose="020F0502020204030204" pitchFamily="34" charset="0"/>
-                        <a:ea typeface="Calibri" panose="020F0502020204030204" pitchFamily="34" charset="0"/>
-                        <a:cs typeface="Arial" panose="020B0604020202020204" pitchFamily="34" charset="0"/>
-                      </a:endParaRPr>
-                    </a:p>
-                  </a:txBody>
-                  <a:tcPr marL="68580" marR="68580" marT="0" marB="0"/>
-                </a:tc>
-                <a:tc>
-                  <a:txBody>
-                    <a:bodyPr/>
-                    <a:lstStyle/>
-                    <a:p>
-                      <a:pPr algn="l"/>
-                      <a:r>
-                        <a:rPr lang="en-US" sz="2000" i="1" kern="100" dirty="0">
-                          <a:effectLst/>
-                          <a:latin typeface="Calibri" panose="020F0502020204030204" pitchFamily="34" charset="0"/>
-                          <a:ea typeface="Calibri" panose="020F0502020204030204" pitchFamily="34" charset="0"/>
-                          <a:cs typeface="Arial" panose="020B0604020202020204" pitchFamily="34" charset="0"/>
-                        </a:rPr>
-                        <a:t>Manually (select Amazon </a:t>
-                      </a:r>
-                      <a:r>
-                        <a:rPr lang="en-US" sz="2000" i="1" kern="100" dirty="0">
-                          <a:effectLst/>
-                          <a:latin typeface="Calibri" panose="020F0502020204030204" pitchFamily="34" charset="0"/>
-                          <a:ea typeface="Calibri" panose="020F0502020204030204" pitchFamily="34" charset="0"/>
-                          <a:cs typeface="Arial" panose="020B0604020202020204" pitchFamily="34" charset="0"/>
-                          <a:sym typeface="Wingdings" pitchFamily="2" charset="2"/>
-                        </a:rPr>
-                        <a:t></a:t>
-                      </a:r>
-                      <a:r>
-                        <a:rPr lang="en-US" sz="2000" i="1" kern="100" dirty="0">
-                          <a:effectLst/>
-                          <a:latin typeface="Calibri" panose="020F0502020204030204" pitchFamily="34" charset="0"/>
-                          <a:ea typeface="Calibri" panose="020F0502020204030204" pitchFamily="34" charset="0"/>
-                          <a:cs typeface="Arial" panose="020B0604020202020204" pitchFamily="34" charset="0"/>
-                        </a:rPr>
-                        <a:t> played </a:t>
-                      </a:r>
-                      <a:r>
-                        <a:rPr lang="en-US" sz="2000" b="1" i="1" kern="100" dirty="0">
-                          <a:solidFill>
-                            <a:srgbClr val="FF0000"/>
-                          </a:solidFill>
-                          <a:effectLst/>
-                          <a:latin typeface="Calibri" panose="020F0502020204030204" pitchFamily="34" charset="0"/>
-                          <a:ea typeface="Calibri" panose="020F0502020204030204" pitchFamily="34" charset="0"/>
-                          <a:cs typeface="Arial" panose="020B0604020202020204" pitchFamily="34" charset="0"/>
-                        </a:rPr>
-                        <a:t>Top Gun, Maverick</a:t>
-                      </a:r>
-                      <a:r>
-                        <a:rPr lang="en-US" sz="2000" i="1" kern="100" dirty="0">
-                          <a:effectLst/>
-                          <a:latin typeface="Calibri" panose="020F0502020204030204" pitchFamily="34" charset="0"/>
-                          <a:ea typeface="Calibri" panose="020F0502020204030204" pitchFamily="34" charset="0"/>
-                          <a:cs typeface="Arial" panose="020B0604020202020204" pitchFamily="34" charset="0"/>
-                        </a:rPr>
-                        <a:t>)</a:t>
-                      </a:r>
-                      <a:endParaRPr lang="en-PK" sz="2000" kern="100" dirty="0">
-                        <a:effectLst/>
-                        <a:latin typeface="Calibri" panose="020F0502020204030204" pitchFamily="34" charset="0"/>
-                        <a:ea typeface="Calibri" panose="020F0502020204030204" pitchFamily="34" charset="0"/>
-                        <a:cs typeface="Arial" panose="020B0604020202020204" pitchFamily="34" charset="0"/>
-                      </a:endParaRPr>
-                    </a:p>
-                  </a:txBody>
-                  <a:tcPr marL="68580" marR="68580" marT="0" marB="0"/>
-                </a:tc>
-                <a:tc>
-                  <a:txBody>
-                    <a:bodyPr/>
-                    <a:lstStyle/>
-                    <a:p>
-                      <a:pPr algn="ctr"/>
-                      <a:r>
-                        <a:rPr lang="en-US" sz="2000" kern="100">
-                          <a:effectLst/>
-                          <a:latin typeface="Calibri" panose="020F0502020204030204" pitchFamily="34" charset="0"/>
-                          <a:ea typeface="Calibri" panose="020F0502020204030204" pitchFamily="34" charset="0"/>
-                          <a:cs typeface="Arial" panose="020B0604020202020204" pitchFamily="34" charset="0"/>
-                        </a:rPr>
-                        <a:t>Movie started playing</a:t>
-                      </a:r>
-                      <a:endParaRPr lang="en-PK" sz="2000" kern="100">
-                        <a:effectLst/>
-                        <a:latin typeface="Calibri" panose="020F0502020204030204" pitchFamily="34" charset="0"/>
-                        <a:ea typeface="Calibri" panose="020F0502020204030204" pitchFamily="34" charset="0"/>
-                        <a:cs typeface="Arial" panose="020B0604020202020204" pitchFamily="34" charset="0"/>
-                      </a:endParaRPr>
-                    </a:p>
-                  </a:txBody>
-                  <a:tcPr marL="68580" marR="68580" marT="0" marB="0"/>
-                </a:tc>
-                <a:extLst>
-                  <a:ext uri="{0D108BD9-81ED-4DB2-BD59-A6C34878D82A}">
-                    <a16:rowId xmlns:a16="http://schemas.microsoft.com/office/drawing/2014/main" val="1891754207"/>
-                  </a:ext>
-                </a:extLst>
-              </a:tr>
-              <a:tr h="504031">
-                <a:tc>
-                  <a:txBody>
-                    <a:bodyPr/>
-                    <a:lstStyle/>
-                    <a:p>
-                      <a:pPr algn="ctr"/>
-                      <a:r>
-                        <a:rPr lang="en-US" sz="2000" kern="100">
-                          <a:effectLst/>
-                          <a:latin typeface="Calibri" panose="020F0502020204030204" pitchFamily="34" charset="0"/>
-                          <a:ea typeface="Calibri" panose="020F0502020204030204" pitchFamily="34" charset="0"/>
-                          <a:cs typeface="Arial" panose="020B0604020202020204" pitchFamily="34" charset="0"/>
-                        </a:rPr>
-                        <a:t>2</a:t>
-                      </a:r>
-                      <a:endParaRPr lang="en-PK" sz="2000" kern="100">
-                        <a:effectLst/>
-                        <a:latin typeface="Calibri" panose="020F0502020204030204" pitchFamily="34" charset="0"/>
-                        <a:ea typeface="Calibri" panose="020F0502020204030204" pitchFamily="34" charset="0"/>
-                        <a:cs typeface="Arial" panose="020B0604020202020204" pitchFamily="34" charset="0"/>
-                      </a:endParaRPr>
-                    </a:p>
-                  </a:txBody>
-                  <a:tcPr marL="68580" marR="68580" marT="0" marB="0"/>
-                </a:tc>
-                <a:tc>
-                  <a:txBody>
-                    <a:bodyPr/>
-                    <a:lstStyle/>
-                    <a:p>
-                      <a:pPr algn="l">
-                        <a:tabLst>
-                          <a:tab pos="786130" algn="ctr"/>
-                        </a:tabLst>
-                      </a:pPr>
-                      <a:r>
-                        <a:rPr lang="en-US" sz="2000" kern="100" dirty="0">
-                          <a:effectLst/>
-                          <a:latin typeface="Calibri" panose="020F0502020204030204" pitchFamily="34" charset="0"/>
-                          <a:ea typeface="Calibri" panose="020F0502020204030204" pitchFamily="34" charset="0"/>
-                          <a:cs typeface="Arial" panose="020B0604020202020204" pitchFamily="34" charset="0"/>
-                        </a:rPr>
-                        <a:t>1941 </a:t>
-                      </a:r>
-                      <a:r>
-                        <a:rPr lang="en-US" sz="2000" kern="100" dirty="0" err="1">
-                          <a:effectLst/>
-                          <a:latin typeface="Calibri" panose="020F0502020204030204" pitchFamily="34" charset="0"/>
-                          <a:ea typeface="Calibri" panose="020F0502020204030204" pitchFamily="34" charset="0"/>
-                          <a:cs typeface="Arial" panose="020B0604020202020204" pitchFamily="34" charset="0"/>
-                        </a:rPr>
-                        <a:t>hrs</a:t>
-                      </a:r>
-                      <a:r>
-                        <a:rPr lang="en-US" sz="2000" kern="100" dirty="0">
-                          <a:effectLst/>
-                          <a:latin typeface="Calibri" panose="020F0502020204030204" pitchFamily="34" charset="0"/>
-                          <a:ea typeface="Calibri" panose="020F0502020204030204" pitchFamily="34" charset="0"/>
-                          <a:cs typeface="Arial" panose="020B0604020202020204" pitchFamily="34" charset="0"/>
-                        </a:rPr>
-                        <a:t> on Oct 21, 2023</a:t>
-                      </a:r>
-                      <a:endParaRPr lang="en-PK" sz="2000" kern="100" dirty="0">
-                        <a:effectLst/>
-                        <a:latin typeface="Calibri" panose="020F0502020204030204" pitchFamily="34" charset="0"/>
-                        <a:ea typeface="Calibri" panose="020F0502020204030204" pitchFamily="34" charset="0"/>
-                        <a:cs typeface="Arial" panose="020B0604020202020204" pitchFamily="34" charset="0"/>
-                      </a:endParaRPr>
-                    </a:p>
-                  </a:txBody>
-                  <a:tcPr marL="68580" marR="68580" marT="0" marB="0"/>
-                </a:tc>
-                <a:tc>
-                  <a:txBody>
-                    <a:bodyPr/>
-                    <a:lstStyle/>
-                    <a:p>
-                      <a:pPr algn="ctr"/>
-                      <a:r>
-                        <a:rPr lang="en-US" sz="2000" kern="100">
-                          <a:effectLst/>
-                          <a:latin typeface="Calibri" panose="020F0502020204030204" pitchFamily="34" charset="0"/>
-                          <a:ea typeface="Calibri" panose="020F0502020204030204" pitchFamily="34" charset="0"/>
-                          <a:cs typeface="Arial" panose="020B0604020202020204" pitchFamily="34" charset="0"/>
-                        </a:rPr>
-                        <a:t>Play Video/Movie</a:t>
-                      </a:r>
-                      <a:endParaRPr lang="en-PK" sz="2000" kern="100">
-                        <a:effectLst/>
-                        <a:latin typeface="Calibri" panose="020F0502020204030204" pitchFamily="34" charset="0"/>
-                        <a:ea typeface="Calibri" panose="020F0502020204030204" pitchFamily="34" charset="0"/>
-                        <a:cs typeface="Arial" panose="020B0604020202020204" pitchFamily="34" charset="0"/>
-                      </a:endParaRPr>
-                    </a:p>
-                  </a:txBody>
-                  <a:tcPr marL="68580" marR="68580" marT="0" marB="0"/>
-                </a:tc>
-                <a:tc>
-                  <a:txBody>
-                    <a:bodyPr/>
-                    <a:lstStyle/>
-                    <a:p>
-                      <a:pPr algn="l"/>
-                      <a:r>
-                        <a:rPr lang="en-US" sz="2000" i="1" kern="100" dirty="0">
-                          <a:effectLst/>
-                          <a:latin typeface="Calibri" panose="020F0502020204030204" pitchFamily="34" charset="0"/>
-                          <a:ea typeface="Calibri" panose="020F0502020204030204" pitchFamily="34" charset="0"/>
-                          <a:cs typeface="Arial" panose="020B0604020202020204" pitchFamily="34" charset="0"/>
-                        </a:rPr>
-                        <a:t>Alexa, play </a:t>
-                      </a:r>
-                      <a:r>
-                        <a:rPr lang="en-US" sz="2000" b="1" i="1" kern="100" dirty="0">
-                          <a:solidFill>
-                            <a:srgbClr val="FF0000"/>
-                          </a:solidFill>
-                          <a:effectLst/>
-                          <a:latin typeface="Calibri" panose="020F0502020204030204" pitchFamily="34" charset="0"/>
-                          <a:ea typeface="Calibri" panose="020F0502020204030204" pitchFamily="34" charset="0"/>
-                          <a:cs typeface="Arial" panose="020B0604020202020204" pitchFamily="34" charset="0"/>
-                        </a:rPr>
-                        <a:t>Jurassic World </a:t>
-                      </a:r>
-                      <a:r>
-                        <a:rPr lang="en-US" sz="2000" i="1" kern="100" dirty="0">
-                          <a:effectLst/>
-                          <a:latin typeface="Calibri" panose="020F0502020204030204" pitchFamily="34" charset="0"/>
-                          <a:ea typeface="Calibri" panose="020F0502020204030204" pitchFamily="34" charset="0"/>
-                          <a:cs typeface="Arial" panose="020B0604020202020204" pitchFamily="34" charset="0"/>
-                        </a:rPr>
-                        <a:t>on Amazon Movies</a:t>
-                      </a:r>
-                      <a:endParaRPr lang="en-PK" sz="2000" kern="100" dirty="0">
-                        <a:effectLst/>
-                        <a:latin typeface="Calibri" panose="020F0502020204030204" pitchFamily="34" charset="0"/>
-                        <a:ea typeface="Calibri" panose="020F0502020204030204" pitchFamily="34" charset="0"/>
-                        <a:cs typeface="Arial" panose="020B0604020202020204" pitchFamily="34" charset="0"/>
-                      </a:endParaRPr>
-                    </a:p>
-                  </a:txBody>
-                  <a:tcPr marL="68580" marR="68580" marT="0" marB="0"/>
-                </a:tc>
-                <a:tc>
-                  <a:txBody>
-                    <a:bodyPr/>
-                    <a:lstStyle/>
-                    <a:p>
-                      <a:pPr algn="ctr"/>
-                      <a:r>
-                        <a:rPr lang="en-US" sz="2000" kern="100" dirty="0">
-                          <a:effectLst/>
-                          <a:latin typeface="Calibri" panose="020F0502020204030204" pitchFamily="34" charset="0"/>
-                          <a:ea typeface="Calibri" panose="020F0502020204030204" pitchFamily="34" charset="0"/>
-                          <a:cs typeface="Arial" panose="020B0604020202020204" pitchFamily="34" charset="0"/>
-                        </a:rPr>
-                        <a:t>Here is Jurassic World Dominion </a:t>
-                      </a:r>
-                      <a:endParaRPr lang="en-PK" sz="2000" kern="100" dirty="0">
-                        <a:effectLst/>
-                        <a:latin typeface="Calibri" panose="020F0502020204030204" pitchFamily="34" charset="0"/>
-                        <a:ea typeface="Calibri" panose="020F0502020204030204" pitchFamily="34" charset="0"/>
-                        <a:cs typeface="Arial" panose="020B0604020202020204" pitchFamily="34" charset="0"/>
-                      </a:endParaRPr>
-                    </a:p>
-                  </a:txBody>
-                  <a:tcPr marL="68580" marR="68580" marT="0" marB="0"/>
-                </a:tc>
-                <a:extLst>
-                  <a:ext uri="{0D108BD9-81ED-4DB2-BD59-A6C34878D82A}">
-                    <a16:rowId xmlns:a16="http://schemas.microsoft.com/office/drawing/2014/main" val="2759697237"/>
-                  </a:ext>
-                </a:extLst>
-              </a:tr>
-              <a:tr h="504031">
-                <a:tc>
-                  <a:txBody>
-                    <a:bodyPr/>
-                    <a:lstStyle/>
-                    <a:p>
-                      <a:pPr algn="ctr"/>
-                      <a:r>
-                        <a:rPr lang="en-US" sz="2000" kern="100">
-                          <a:effectLst/>
-                          <a:latin typeface="Calibri" panose="020F0502020204030204" pitchFamily="34" charset="0"/>
-                          <a:ea typeface="Calibri" panose="020F0502020204030204" pitchFamily="34" charset="0"/>
-                          <a:cs typeface="Arial" panose="020B0604020202020204" pitchFamily="34" charset="0"/>
-                        </a:rPr>
-                        <a:t>3.</a:t>
-                      </a:r>
-                      <a:endParaRPr lang="en-PK" sz="2000" kern="100">
-                        <a:effectLst/>
-                        <a:latin typeface="Calibri" panose="020F0502020204030204" pitchFamily="34" charset="0"/>
-                        <a:ea typeface="Calibri" panose="020F0502020204030204" pitchFamily="34" charset="0"/>
-                        <a:cs typeface="Arial" panose="020B0604020202020204" pitchFamily="34" charset="0"/>
-                      </a:endParaRPr>
-                    </a:p>
-                  </a:txBody>
-                  <a:tcPr marL="68580" marR="68580" marT="0" marB="0"/>
-                </a:tc>
-                <a:tc>
-                  <a:txBody>
-                    <a:bodyPr/>
-                    <a:lstStyle/>
-                    <a:p>
-                      <a:pPr algn="l">
-                        <a:tabLst>
-                          <a:tab pos="786130" algn="ctr"/>
-                        </a:tabLst>
-                      </a:pPr>
-                      <a:r>
-                        <a:rPr lang="en-US" sz="2000" kern="100" dirty="0">
-                          <a:effectLst/>
-                          <a:latin typeface="Calibri" panose="020F0502020204030204" pitchFamily="34" charset="0"/>
-                          <a:ea typeface="Calibri" panose="020F0502020204030204" pitchFamily="34" charset="0"/>
-                          <a:cs typeface="Arial" panose="020B0604020202020204" pitchFamily="34" charset="0"/>
-                        </a:rPr>
-                        <a:t>1943 </a:t>
-                      </a:r>
-                      <a:r>
-                        <a:rPr lang="en-US" sz="2000" kern="100" dirty="0" err="1">
-                          <a:effectLst/>
-                          <a:latin typeface="Calibri" panose="020F0502020204030204" pitchFamily="34" charset="0"/>
-                          <a:ea typeface="Calibri" panose="020F0502020204030204" pitchFamily="34" charset="0"/>
-                          <a:cs typeface="Arial" panose="020B0604020202020204" pitchFamily="34" charset="0"/>
-                        </a:rPr>
-                        <a:t>hrs</a:t>
-                      </a:r>
-                      <a:r>
-                        <a:rPr lang="en-US" sz="2000" kern="100" dirty="0">
-                          <a:effectLst/>
-                          <a:latin typeface="Calibri" panose="020F0502020204030204" pitchFamily="34" charset="0"/>
-                          <a:ea typeface="Calibri" panose="020F0502020204030204" pitchFamily="34" charset="0"/>
-                          <a:cs typeface="Arial" panose="020B0604020202020204" pitchFamily="34" charset="0"/>
-                        </a:rPr>
-                        <a:t> on Oct 21, 2023</a:t>
-                      </a:r>
-                      <a:endParaRPr lang="en-PK" sz="2000" kern="100" dirty="0">
-                        <a:effectLst/>
-                        <a:latin typeface="Calibri" panose="020F0502020204030204" pitchFamily="34" charset="0"/>
-                        <a:ea typeface="Calibri" panose="020F0502020204030204" pitchFamily="34" charset="0"/>
-                        <a:cs typeface="Arial" panose="020B0604020202020204" pitchFamily="34" charset="0"/>
-                      </a:endParaRPr>
-                    </a:p>
-                  </a:txBody>
-                  <a:tcPr marL="68580" marR="68580" marT="0" marB="0"/>
-                </a:tc>
-                <a:tc>
-                  <a:txBody>
-                    <a:bodyPr/>
-                    <a:lstStyle/>
-                    <a:p>
-                      <a:pPr algn="ctr"/>
-                      <a:r>
-                        <a:rPr lang="en-US" sz="2000" kern="100">
-                          <a:effectLst/>
-                          <a:latin typeface="Calibri" panose="020F0502020204030204" pitchFamily="34" charset="0"/>
-                          <a:ea typeface="Calibri" panose="020F0502020204030204" pitchFamily="34" charset="0"/>
-                          <a:cs typeface="Arial" panose="020B0604020202020204" pitchFamily="34" charset="0"/>
-                        </a:rPr>
-                        <a:t>Stop Video/Movie</a:t>
-                      </a:r>
-                      <a:endParaRPr lang="en-PK" sz="2000" kern="100">
-                        <a:effectLst/>
-                        <a:latin typeface="Calibri" panose="020F0502020204030204" pitchFamily="34" charset="0"/>
-                        <a:ea typeface="Calibri" panose="020F0502020204030204" pitchFamily="34" charset="0"/>
-                        <a:cs typeface="Arial" panose="020B0604020202020204" pitchFamily="34" charset="0"/>
-                      </a:endParaRPr>
-                    </a:p>
-                  </a:txBody>
-                  <a:tcPr marL="68580" marR="68580" marT="0" marB="0"/>
-                </a:tc>
-                <a:tc>
-                  <a:txBody>
-                    <a:bodyPr/>
-                    <a:lstStyle/>
-                    <a:p>
-                      <a:pPr algn="l"/>
-                      <a:r>
-                        <a:rPr lang="en-US" sz="2000" i="1" kern="100">
-                          <a:effectLst/>
-                          <a:latin typeface="Calibri" panose="020F0502020204030204" pitchFamily="34" charset="0"/>
-                          <a:ea typeface="Calibri" panose="020F0502020204030204" pitchFamily="34" charset="0"/>
-                          <a:cs typeface="Arial" panose="020B0604020202020204" pitchFamily="34" charset="0"/>
-                        </a:rPr>
-                        <a:t>Alexa, stop the movie</a:t>
-                      </a:r>
-                      <a:endParaRPr lang="en-PK" sz="2000" kern="100">
-                        <a:effectLst/>
-                        <a:latin typeface="Calibri" panose="020F0502020204030204" pitchFamily="34" charset="0"/>
-                        <a:ea typeface="Calibri" panose="020F0502020204030204" pitchFamily="34" charset="0"/>
-                        <a:cs typeface="Arial" panose="020B0604020202020204" pitchFamily="34" charset="0"/>
-                      </a:endParaRPr>
-                    </a:p>
-                  </a:txBody>
-                  <a:tcPr marL="68580" marR="68580" marT="0" marB="0"/>
-                </a:tc>
-                <a:tc>
-                  <a:txBody>
-                    <a:bodyPr/>
-                    <a:lstStyle/>
-                    <a:p>
-                      <a:pPr algn="ctr"/>
-                      <a:r>
-                        <a:rPr lang="en-US" sz="2000" kern="100" dirty="0">
-                          <a:effectLst/>
-                          <a:latin typeface="Calibri" panose="020F0502020204030204" pitchFamily="34" charset="0"/>
-                          <a:ea typeface="Calibri" panose="020F0502020204030204" pitchFamily="34" charset="0"/>
-                          <a:cs typeface="Arial" panose="020B0604020202020204" pitchFamily="34" charset="0"/>
-                        </a:rPr>
-                        <a:t>Movie stopped</a:t>
-                      </a:r>
-                      <a:endParaRPr lang="en-PK" sz="2000" kern="100" dirty="0">
-                        <a:effectLst/>
-                        <a:latin typeface="Calibri" panose="020F0502020204030204" pitchFamily="34" charset="0"/>
-                        <a:ea typeface="Calibri" panose="020F0502020204030204" pitchFamily="34" charset="0"/>
-                        <a:cs typeface="Arial" panose="020B0604020202020204" pitchFamily="34" charset="0"/>
-                      </a:endParaRPr>
-                    </a:p>
-                  </a:txBody>
-                  <a:tcPr marL="68580" marR="68580" marT="0" marB="0"/>
-                </a:tc>
-                <a:extLst>
-                  <a:ext uri="{0D108BD9-81ED-4DB2-BD59-A6C34878D82A}">
-                    <a16:rowId xmlns:a16="http://schemas.microsoft.com/office/drawing/2014/main" val="1975828874"/>
-                  </a:ext>
-                </a:extLst>
-              </a:tr>
-            </a:tbl>
-          </a:graphicData>
-        </a:graphic>
-      </p:graphicFrame>
-      <p:sp>
-        <p:nvSpPr>
-          <p:cNvPr id="2" name="TextBox 1">
-            <a:extLst>
-              <a:ext uri="{FF2B5EF4-FFF2-40B4-BE49-F238E27FC236}">
-                <a16:creationId xmlns:a16="http://schemas.microsoft.com/office/drawing/2014/main" id="{4B8CBA8A-CA09-C0BA-DB40-2549BD1FA081}"/>
-              </a:ext>
-            </a:extLst>
-          </p:cNvPr>
-          <p:cNvSpPr txBox="1"/>
-          <p:nvPr/>
-        </p:nvSpPr>
-        <p:spPr>
-          <a:xfrm>
-            <a:off x="2447364" y="6525125"/>
-            <a:ext cx="8713695" cy="338554"/>
-          </a:xfrm>
-          <a:prstGeom prst="rect">
-            <a:avLst/>
-          </a:prstGeom>
-          <a:noFill/>
-        </p:spPr>
-        <p:txBody>
-          <a:bodyPr wrap="square" rtlCol="0">
-            <a:spAutoFit/>
-          </a:bodyPr>
-          <a:lstStyle/>
-          <a:p>
-            <a:pPr algn="ctr"/>
-            <a:r>
-              <a:rPr lang="en-PK" sz="1600" i="1" dirty="0"/>
-              <a:t>Note: The text in highlighted in red is potential evidence to be searched in Echo Show Device Image</a:t>
-            </a:r>
-          </a:p>
-        </p:txBody>
-      </p:sp>
-    </p:spTree>
-    <p:extLst>
-      <p:ext uri="{BB962C8B-B14F-4D97-AF65-F5344CB8AC3E}">
-        <p14:creationId xmlns:p14="http://schemas.microsoft.com/office/powerpoint/2010/main" val="1759342446"/>
-      </p:ext>
-    </p:extLst>
-  </p:cSld>
-  <p:clrMapOvr>
-    <a:masterClrMapping/>
-  </p:clrMapOvr>
-</p:sld>
-</file>
-
-<file path=ppt/slides/slide9.xml><?xml version="1.0" encoding="utf-8"?>
-<p:sld xmlns:a="http://schemas.openxmlformats.org/drawingml/2006/main" xmlns:r="http://schemas.openxmlformats.org/officeDocument/2006/relationships" xmlns:p="http://schemas.openxmlformats.org/presentationml/2006/main">
-  <p:cSld>
-    <p:spTree>
-      <p:nvGrpSpPr>
-        <p:cNvPr id="1" name=""/>
-        <p:cNvGrpSpPr/>
-        <p:nvPr/>
-      </p:nvGrpSpPr>
-      <p:grpSpPr>
-        <a:xfrm>
-          <a:off x="0" y="0"/>
-          <a:ext cx="0" cy="0"/>
-          <a:chOff x="0" y="0"/>
-          <a:chExt cx="0" cy="0"/>
-        </a:xfrm>
-      </p:grpSpPr>
-      <p:sp>
-        <p:nvSpPr>
-          <p:cNvPr id="4" name="Title 3">
-            <a:extLst>
-              <a:ext uri="{FF2B5EF4-FFF2-40B4-BE49-F238E27FC236}">
-                <a16:creationId xmlns:a16="http://schemas.microsoft.com/office/drawing/2014/main" id="{4B469AA7-C42C-CCE9-1B07-385C895CA9A9}"/>
-              </a:ext>
-            </a:extLst>
-          </p:cNvPr>
-          <p:cNvSpPr>
-            <a:spLocks noGrp="1"/>
-          </p:cNvSpPr>
-          <p:nvPr>
-            <p:ph type="title"/>
-          </p:nvPr>
-        </p:nvSpPr>
-        <p:spPr/>
-        <p:txBody>
-          <a:bodyPr/>
-          <a:lstStyle/>
-          <a:p>
-            <a:r>
-              <a:rPr lang="en-US" kern="100" dirty="0"/>
-              <a:t>Bluetooth Connectivity</a:t>
-            </a:r>
-            <a:endParaRPr lang="en-PK" dirty="0"/>
-          </a:p>
-        </p:txBody>
-      </p:sp>
-      <p:graphicFrame>
-        <p:nvGraphicFramePr>
-          <p:cNvPr id="6" name="Table 5">
-            <a:extLst>
-              <a:ext uri="{FF2B5EF4-FFF2-40B4-BE49-F238E27FC236}">
-                <a16:creationId xmlns:a16="http://schemas.microsoft.com/office/drawing/2014/main" id="{E35AC7B3-4DAE-F1E6-D0DB-3FF372274282}"/>
-              </a:ext>
-            </a:extLst>
-          </p:cNvPr>
-          <p:cNvGraphicFramePr>
-            <a:graphicFrameLocks noGrp="1"/>
-          </p:cNvGraphicFramePr>
-          <p:nvPr>
-            <p:extLst>
-              <p:ext uri="{D42A27DB-BD31-4B8C-83A1-F6EECF244321}">
-                <p14:modId xmlns:p14="http://schemas.microsoft.com/office/powerpoint/2010/main" val="2786455156"/>
-              </p:ext>
-            </p:extLst>
-          </p:nvPr>
-        </p:nvGraphicFramePr>
-        <p:xfrm>
-          <a:off x="838199" y="1690687"/>
-          <a:ext cx="10548801" cy="2133600"/>
-        </p:xfrm>
-        <a:graphic>
-          <a:graphicData uri="http://schemas.openxmlformats.org/drawingml/2006/table">
-            <a:tbl>
-              <a:tblPr firstRow="1" firstCol="1" bandRow="1">
-                <a:tableStyleId>{5940675A-B579-460E-94D1-54222C63F5DA}</a:tableStyleId>
-              </a:tblPr>
-              <a:tblGrid>
-                <a:gridCol w="576264">
-                  <a:extLst>
-                    <a:ext uri="{9D8B030D-6E8A-4147-A177-3AD203B41FA5}">
-                      <a16:colId xmlns:a16="http://schemas.microsoft.com/office/drawing/2014/main" val="2048541075"/>
-                    </a:ext>
-                  </a:extLst>
-                </a:gridCol>
-                <a:gridCol w="1543050">
-                  <a:extLst>
-                    <a:ext uri="{9D8B030D-6E8A-4147-A177-3AD203B41FA5}">
-                      <a16:colId xmlns:a16="http://schemas.microsoft.com/office/drawing/2014/main" val="1365377391"/>
-                    </a:ext>
-                  </a:extLst>
-                </a:gridCol>
-                <a:gridCol w="2259946">
-                  <a:extLst>
-                    <a:ext uri="{9D8B030D-6E8A-4147-A177-3AD203B41FA5}">
-                      <a16:colId xmlns:a16="http://schemas.microsoft.com/office/drawing/2014/main" val="191054896"/>
-                    </a:ext>
-                  </a:extLst>
-                </a:gridCol>
-                <a:gridCol w="3569354">
-                  <a:extLst>
-                    <a:ext uri="{9D8B030D-6E8A-4147-A177-3AD203B41FA5}">
-                      <a16:colId xmlns:a16="http://schemas.microsoft.com/office/drawing/2014/main" val="1866194607"/>
-                    </a:ext>
-                  </a:extLst>
-                </a:gridCol>
-                <a:gridCol w="2600187">
-                  <a:extLst>
-                    <a:ext uri="{9D8B030D-6E8A-4147-A177-3AD203B41FA5}">
-                      <a16:colId xmlns:a16="http://schemas.microsoft.com/office/drawing/2014/main" val="2165446263"/>
-                    </a:ext>
-                  </a:extLst>
-                </a:gridCol>
-              </a:tblGrid>
-              <a:tr h="504031">
-                <a:tc>
-                  <a:txBody>
-                    <a:bodyPr/>
-                    <a:lstStyle/>
-                    <a:p>
-                      <a:pPr algn="ctr"/>
-                      <a:r>
-                        <a:rPr lang="en-US" sz="2000" b="1" i="0" kern="100" dirty="0">
-                          <a:effectLst/>
-                          <a:latin typeface="+mn-lt"/>
-                          <a:ea typeface="Calibri" panose="020F0502020204030204" pitchFamily="34" charset="0"/>
-                          <a:cs typeface="Arial" panose="020B0604020202020204" pitchFamily="34" charset="0"/>
-                        </a:rPr>
-                        <a:t>S. No.</a:t>
-                      </a:r>
-                      <a:endParaRPr lang="en-PK" sz="2000" i="0" kern="100" dirty="0">
-                        <a:effectLst/>
-                        <a:latin typeface="+mn-lt"/>
-                        <a:ea typeface="Calibri" panose="020F0502020204030204" pitchFamily="34" charset="0"/>
-                        <a:cs typeface="Arial" panose="020B0604020202020204" pitchFamily="34" charset="0"/>
-                      </a:endParaRPr>
-                    </a:p>
-                  </a:txBody>
-                  <a:tcPr marL="68580" marR="68580" marT="0" marB="0" anchor="ctr">
-                    <a:solidFill>
-                      <a:srgbClr val="FFFF00"/>
-                    </a:solidFill>
-                  </a:tcPr>
-                </a:tc>
-                <a:tc>
-                  <a:txBody>
-                    <a:bodyPr/>
-                    <a:lstStyle/>
-                    <a:p>
-                      <a:pPr algn="ctr"/>
-                      <a:r>
-                        <a:rPr lang="en-US" sz="2000" b="1" i="0" kern="100" dirty="0">
-                          <a:effectLst/>
-                          <a:latin typeface="+mn-lt"/>
-                          <a:ea typeface="Calibri" panose="020F0502020204030204" pitchFamily="34" charset="0"/>
-                          <a:cs typeface="Arial" panose="020B0604020202020204" pitchFamily="34" charset="0"/>
-                        </a:rPr>
-                        <a:t>Date &amp; Time</a:t>
-                      </a:r>
-                      <a:endParaRPr lang="en-PK" sz="2000" i="0" kern="100" dirty="0">
-                        <a:effectLst/>
-                        <a:latin typeface="+mn-lt"/>
-                        <a:ea typeface="Calibri" panose="020F0502020204030204" pitchFamily="34" charset="0"/>
-                        <a:cs typeface="Arial" panose="020B0604020202020204" pitchFamily="34" charset="0"/>
-                      </a:endParaRPr>
-                    </a:p>
-                  </a:txBody>
-                  <a:tcPr marL="68580" marR="68580" marT="0" marB="0" anchor="ctr">
-                    <a:solidFill>
-                      <a:srgbClr val="FFFF00"/>
-                    </a:solidFill>
-                  </a:tcPr>
-                </a:tc>
-                <a:tc>
-                  <a:txBody>
-                    <a:bodyPr/>
-                    <a:lstStyle/>
-                    <a:p>
-                      <a:pPr algn="ctr"/>
-                      <a:r>
-                        <a:rPr lang="en-US" sz="2000" b="1" i="0" kern="100" dirty="0">
-                          <a:effectLst/>
-                          <a:latin typeface="+mn-lt"/>
-                          <a:ea typeface="Calibri" panose="020F0502020204030204" pitchFamily="34" charset="0"/>
-                          <a:cs typeface="Arial" panose="020B0604020202020204" pitchFamily="34" charset="0"/>
-                        </a:rPr>
-                        <a:t>Action</a:t>
-                      </a:r>
-                      <a:endParaRPr lang="en-PK" sz="2000" i="0" kern="100" dirty="0">
-                        <a:effectLst/>
-                        <a:latin typeface="+mn-lt"/>
-                        <a:ea typeface="Calibri" panose="020F0502020204030204" pitchFamily="34" charset="0"/>
-                        <a:cs typeface="Arial" panose="020B0604020202020204" pitchFamily="34" charset="0"/>
-                      </a:endParaRPr>
-                    </a:p>
-                  </a:txBody>
-                  <a:tcPr marL="68580" marR="68580" marT="0" marB="0" anchor="ctr">
-                    <a:solidFill>
-                      <a:srgbClr val="FFFF00"/>
-                    </a:solidFill>
-                  </a:tcPr>
-                </a:tc>
-                <a:tc>
-                  <a:txBody>
-                    <a:bodyPr/>
-                    <a:lstStyle/>
-                    <a:p>
-                      <a:pPr algn="ctr"/>
-                      <a:r>
-                        <a:rPr lang="en-US" sz="2000" b="1" i="0" kern="100" dirty="0">
-                          <a:effectLst/>
-                          <a:latin typeface="+mn-lt"/>
-                          <a:ea typeface="Calibri" panose="020F0502020204030204" pitchFamily="34" charset="0"/>
-                          <a:cs typeface="Arial" panose="020B0604020202020204" pitchFamily="34" charset="0"/>
-                        </a:rPr>
-                        <a:t>Voice Command</a:t>
-                      </a:r>
-                      <a:endParaRPr lang="en-PK" sz="2000" i="0" kern="100" dirty="0">
-                        <a:effectLst/>
-                        <a:latin typeface="+mn-lt"/>
-                        <a:ea typeface="Calibri" panose="020F0502020204030204" pitchFamily="34" charset="0"/>
-                        <a:cs typeface="Arial" panose="020B0604020202020204" pitchFamily="34" charset="0"/>
-                      </a:endParaRPr>
-                    </a:p>
-                  </a:txBody>
-                  <a:tcPr marL="68580" marR="68580" marT="0" marB="0" anchor="ctr">
-                    <a:solidFill>
-                      <a:srgbClr val="FFFF00"/>
-                    </a:solidFill>
-                  </a:tcPr>
-                </a:tc>
-                <a:tc>
-                  <a:txBody>
-                    <a:bodyPr/>
-                    <a:lstStyle/>
-                    <a:p>
-                      <a:pPr algn="ctr"/>
-                      <a:r>
-                        <a:rPr lang="en-US" sz="2000" b="1" i="0" kern="100" dirty="0">
-                          <a:effectLst/>
-                          <a:latin typeface="+mn-lt"/>
-                          <a:ea typeface="Calibri" panose="020F0502020204030204" pitchFamily="34" charset="0"/>
-                          <a:cs typeface="Arial" panose="020B0604020202020204" pitchFamily="34" charset="0"/>
-                        </a:rPr>
-                        <a:t>Response</a:t>
-                      </a:r>
-                      <a:endParaRPr lang="en-PK" sz="2000" i="0" kern="100" dirty="0">
-                        <a:effectLst/>
-                        <a:latin typeface="+mn-lt"/>
-                        <a:ea typeface="Calibri" panose="020F0502020204030204" pitchFamily="34" charset="0"/>
-                        <a:cs typeface="Arial" panose="020B0604020202020204" pitchFamily="34" charset="0"/>
-                      </a:endParaRPr>
-                    </a:p>
-                  </a:txBody>
-                  <a:tcPr marL="68580" marR="68580" marT="0" marB="0" anchor="ctr">
-                    <a:solidFill>
-                      <a:srgbClr val="FFFF00"/>
-                    </a:solidFill>
-                  </a:tcPr>
-                </a:tc>
-                <a:extLst>
-                  <a:ext uri="{0D108BD9-81ED-4DB2-BD59-A6C34878D82A}">
-                    <a16:rowId xmlns:a16="http://schemas.microsoft.com/office/drawing/2014/main" val="1568174763"/>
-                  </a:ext>
-                </a:extLst>
-              </a:tr>
-              <a:tr h="504031">
-                <a:tc>
-                  <a:txBody>
-                    <a:bodyPr/>
-                    <a:lstStyle/>
-                    <a:p>
-                      <a:pPr algn="ctr"/>
-                      <a:r>
-                        <a:rPr lang="en-US" sz="2000" kern="100" dirty="0">
-                          <a:effectLst/>
-                          <a:latin typeface="Calibri" panose="020F0502020204030204" pitchFamily="34" charset="0"/>
-                          <a:ea typeface="Calibri" panose="020F0502020204030204" pitchFamily="34" charset="0"/>
-                          <a:cs typeface="Arial" panose="020B0604020202020204" pitchFamily="34" charset="0"/>
-                        </a:rPr>
-                        <a:t>1</a:t>
-                      </a:r>
-                      <a:endParaRPr lang="en-PK" sz="2000" kern="100" dirty="0">
-                        <a:effectLst/>
-                        <a:latin typeface="Calibri" panose="020F0502020204030204" pitchFamily="34" charset="0"/>
-                        <a:ea typeface="Calibri" panose="020F0502020204030204" pitchFamily="34" charset="0"/>
-                        <a:cs typeface="Arial" panose="020B0604020202020204" pitchFamily="34" charset="0"/>
-                      </a:endParaRPr>
-                    </a:p>
-                  </a:txBody>
-                  <a:tcPr marL="68580" marR="68580" marT="0" marB="0" anchor="ctr"/>
-                </a:tc>
-                <a:tc>
-                  <a:txBody>
-                    <a:bodyPr/>
-                    <a:lstStyle/>
-                    <a:p>
-                      <a:pPr algn="l">
-                        <a:tabLst>
-                          <a:tab pos="786130" algn="ctr"/>
-                        </a:tabLst>
-                      </a:pPr>
-                      <a:r>
-                        <a:rPr lang="en-US" sz="2000" kern="100" dirty="0">
-                          <a:effectLst/>
-                          <a:latin typeface="Calibri" panose="020F0502020204030204" pitchFamily="34" charset="0"/>
-                          <a:ea typeface="Calibri" panose="020F0502020204030204" pitchFamily="34" charset="0"/>
-                          <a:cs typeface="Arial" panose="020B0604020202020204" pitchFamily="34" charset="0"/>
-                        </a:rPr>
-                        <a:t>2051 </a:t>
-                      </a:r>
-                      <a:r>
-                        <a:rPr lang="en-US" sz="2000" kern="100" dirty="0" err="1">
-                          <a:effectLst/>
-                          <a:latin typeface="Calibri" panose="020F0502020204030204" pitchFamily="34" charset="0"/>
-                          <a:ea typeface="Calibri" panose="020F0502020204030204" pitchFamily="34" charset="0"/>
-                          <a:cs typeface="Arial" panose="020B0604020202020204" pitchFamily="34" charset="0"/>
-                        </a:rPr>
-                        <a:t>hrs</a:t>
-                      </a:r>
-                      <a:r>
-                        <a:rPr lang="en-US" sz="2000" kern="100" dirty="0">
-                          <a:effectLst/>
-                          <a:latin typeface="Calibri" panose="020F0502020204030204" pitchFamily="34" charset="0"/>
-                          <a:ea typeface="Calibri" panose="020F0502020204030204" pitchFamily="34" charset="0"/>
-                          <a:cs typeface="Arial" panose="020B0604020202020204" pitchFamily="34" charset="0"/>
-                        </a:rPr>
-                        <a:t> on Oct 21, 2023</a:t>
-                      </a:r>
-                      <a:endParaRPr lang="en-PK" sz="2000" kern="100" dirty="0">
-                        <a:effectLst/>
-                        <a:latin typeface="Calibri" panose="020F0502020204030204" pitchFamily="34" charset="0"/>
-                        <a:ea typeface="Calibri" panose="020F0502020204030204" pitchFamily="34" charset="0"/>
-                        <a:cs typeface="Arial" panose="020B0604020202020204" pitchFamily="34" charset="0"/>
-                      </a:endParaRPr>
-                    </a:p>
-                  </a:txBody>
-                  <a:tcPr marL="68580" marR="68580" marT="0" marB="0" anchor="ctr"/>
-                </a:tc>
-                <a:tc>
-                  <a:txBody>
-                    <a:bodyPr/>
-                    <a:lstStyle/>
-                    <a:p>
-                      <a:pPr algn="l"/>
-                      <a:r>
-                        <a:rPr lang="en-US" sz="2000" kern="100" dirty="0">
-                          <a:effectLst/>
-                          <a:latin typeface="Calibri" panose="020F0502020204030204" pitchFamily="34" charset="0"/>
-                          <a:ea typeface="Calibri" panose="020F0502020204030204" pitchFamily="34" charset="0"/>
-                          <a:cs typeface="Arial" panose="020B0604020202020204" pitchFamily="34" charset="0"/>
-                        </a:rPr>
-                        <a:t>Connect</a:t>
-                      </a:r>
-                      <a:endParaRPr lang="en-PK" sz="2000" kern="100" dirty="0">
-                        <a:effectLst/>
-                        <a:latin typeface="Calibri" panose="020F0502020204030204" pitchFamily="34" charset="0"/>
-                        <a:ea typeface="Calibri" panose="020F0502020204030204" pitchFamily="34" charset="0"/>
-                        <a:cs typeface="Arial" panose="020B0604020202020204" pitchFamily="34" charset="0"/>
-                      </a:endParaRPr>
-                    </a:p>
-                  </a:txBody>
-                  <a:tcPr marL="68580" marR="68580" marT="0" marB="0" anchor="ctr"/>
-                </a:tc>
-                <a:tc>
-                  <a:txBody>
-                    <a:bodyPr/>
-                    <a:lstStyle/>
-                    <a:p>
-                      <a:pPr algn="l"/>
-                      <a:r>
-                        <a:rPr lang="en-US" sz="2000" i="1" kern="100" dirty="0">
-                          <a:effectLst/>
-                          <a:latin typeface="Calibri" panose="020F0502020204030204" pitchFamily="34" charset="0"/>
-                          <a:ea typeface="Calibri" panose="020F0502020204030204" pitchFamily="34" charset="0"/>
-                          <a:cs typeface="Arial" panose="020B0604020202020204" pitchFamily="34" charset="0"/>
-                        </a:rPr>
-                        <a:t>Alexa, connect to </a:t>
-                      </a:r>
-                      <a:r>
-                        <a:rPr lang="en-US" sz="2000" b="1" i="1" kern="100" dirty="0">
-                          <a:solidFill>
-                            <a:srgbClr val="FF0000"/>
-                          </a:solidFill>
-                          <a:effectLst/>
-                          <a:latin typeface="Calibri" panose="020F0502020204030204" pitchFamily="34" charset="0"/>
-                          <a:ea typeface="Calibri" panose="020F0502020204030204" pitchFamily="34" charset="0"/>
-                          <a:cs typeface="Arial" panose="020B0604020202020204" pitchFamily="34" charset="0"/>
-                        </a:rPr>
-                        <a:t>Sarfraz’s MacBook Pro</a:t>
-                      </a:r>
-                      <a:endParaRPr lang="en-PK" sz="2000" b="1" i="1" kern="100" dirty="0">
-                        <a:solidFill>
-                          <a:srgbClr val="FF0000"/>
-                        </a:solidFill>
-                        <a:effectLst/>
-                        <a:latin typeface="Calibri" panose="020F0502020204030204" pitchFamily="34" charset="0"/>
-                        <a:ea typeface="Calibri" panose="020F0502020204030204" pitchFamily="34" charset="0"/>
-                        <a:cs typeface="Arial" panose="020B0604020202020204" pitchFamily="34" charset="0"/>
-                      </a:endParaRPr>
-                    </a:p>
-                  </a:txBody>
-                  <a:tcPr marL="68580" marR="68580" marT="0" marB="0" anchor="ctr"/>
-                </a:tc>
-                <a:tc>
-                  <a:txBody>
-                    <a:bodyPr/>
-                    <a:lstStyle/>
-                    <a:p>
-                      <a:pPr algn="ctr"/>
-                      <a:r>
-                        <a:rPr lang="en-US" sz="2000" kern="100">
-                          <a:effectLst/>
-                          <a:latin typeface="Calibri" panose="020F0502020204030204" pitchFamily="34" charset="0"/>
-                          <a:ea typeface="Calibri" panose="020F0502020204030204" pitchFamily="34" charset="0"/>
-                          <a:cs typeface="Arial" panose="020B0604020202020204" pitchFamily="34" charset="0"/>
-                        </a:rPr>
-                        <a:t>Searching… Connected to Sarfraz’s MacBook Pro</a:t>
-                      </a:r>
-                      <a:endParaRPr lang="en-PK" sz="2000" kern="100">
-                        <a:effectLst/>
-                        <a:latin typeface="Calibri" panose="020F0502020204030204" pitchFamily="34" charset="0"/>
-                        <a:ea typeface="Calibri" panose="020F0502020204030204" pitchFamily="34" charset="0"/>
-                        <a:cs typeface="Arial" panose="020B0604020202020204" pitchFamily="34" charset="0"/>
-                      </a:endParaRPr>
-                    </a:p>
-                  </a:txBody>
-                  <a:tcPr marL="68580" marR="68580" marT="0" marB="0" anchor="ctr"/>
-                </a:tc>
-                <a:extLst>
-                  <a:ext uri="{0D108BD9-81ED-4DB2-BD59-A6C34878D82A}">
-                    <a16:rowId xmlns:a16="http://schemas.microsoft.com/office/drawing/2014/main" val="1891754207"/>
-                  </a:ext>
-                </a:extLst>
-              </a:tr>
-              <a:tr h="504031">
-                <a:tc>
-                  <a:txBody>
-                    <a:bodyPr/>
-                    <a:lstStyle/>
-                    <a:p>
-                      <a:pPr algn="ctr"/>
-                      <a:r>
-                        <a:rPr lang="en-US" sz="2000" kern="100">
-                          <a:effectLst/>
-                          <a:latin typeface="Calibri" panose="020F0502020204030204" pitchFamily="34" charset="0"/>
-                          <a:ea typeface="Calibri" panose="020F0502020204030204" pitchFamily="34" charset="0"/>
-                          <a:cs typeface="Arial" panose="020B0604020202020204" pitchFamily="34" charset="0"/>
-                        </a:rPr>
-                        <a:t>2</a:t>
-                      </a:r>
-                      <a:endParaRPr lang="en-PK" sz="2000" kern="100">
-                        <a:effectLst/>
-                        <a:latin typeface="Calibri" panose="020F0502020204030204" pitchFamily="34" charset="0"/>
-                        <a:ea typeface="Calibri" panose="020F0502020204030204" pitchFamily="34" charset="0"/>
-                        <a:cs typeface="Arial" panose="020B0604020202020204" pitchFamily="34" charset="0"/>
-                      </a:endParaRPr>
-                    </a:p>
-                  </a:txBody>
-                  <a:tcPr marL="68580" marR="68580" marT="0" marB="0" anchor="ctr"/>
-                </a:tc>
-                <a:tc>
-                  <a:txBody>
-                    <a:bodyPr/>
-                    <a:lstStyle/>
-                    <a:p>
-                      <a:pPr algn="l">
-                        <a:tabLst>
-                          <a:tab pos="786130" algn="ctr"/>
-                        </a:tabLst>
-                      </a:pPr>
-                      <a:r>
-                        <a:rPr lang="en-US" sz="2000" kern="100" dirty="0">
-                          <a:effectLst/>
-                          <a:latin typeface="Calibri" panose="020F0502020204030204" pitchFamily="34" charset="0"/>
-                          <a:ea typeface="Calibri" panose="020F0502020204030204" pitchFamily="34" charset="0"/>
-                          <a:cs typeface="Arial" panose="020B0604020202020204" pitchFamily="34" charset="0"/>
-                        </a:rPr>
-                        <a:t>2052 </a:t>
-                      </a:r>
-                      <a:r>
-                        <a:rPr lang="en-US" sz="2000" kern="100" dirty="0" err="1">
-                          <a:effectLst/>
-                          <a:latin typeface="Calibri" panose="020F0502020204030204" pitchFamily="34" charset="0"/>
-                          <a:ea typeface="Calibri" panose="020F0502020204030204" pitchFamily="34" charset="0"/>
-                          <a:cs typeface="Arial" panose="020B0604020202020204" pitchFamily="34" charset="0"/>
-                        </a:rPr>
-                        <a:t>hrs</a:t>
-                      </a:r>
-                      <a:r>
-                        <a:rPr lang="en-US" sz="2000" kern="100" dirty="0">
-                          <a:effectLst/>
-                          <a:latin typeface="Calibri" panose="020F0502020204030204" pitchFamily="34" charset="0"/>
-                          <a:ea typeface="Calibri" panose="020F0502020204030204" pitchFamily="34" charset="0"/>
-                          <a:cs typeface="Arial" panose="020B0604020202020204" pitchFamily="34" charset="0"/>
-                        </a:rPr>
-                        <a:t> on Oct 21, 2023</a:t>
-                      </a:r>
-                      <a:endParaRPr lang="en-PK" sz="2000" kern="100" dirty="0">
-                        <a:effectLst/>
-                        <a:latin typeface="Calibri" panose="020F0502020204030204" pitchFamily="34" charset="0"/>
-                        <a:ea typeface="Calibri" panose="020F0502020204030204" pitchFamily="34" charset="0"/>
-                        <a:cs typeface="Arial" panose="020B0604020202020204" pitchFamily="34" charset="0"/>
-                      </a:endParaRPr>
-                    </a:p>
-                  </a:txBody>
-                  <a:tcPr marL="68580" marR="68580" marT="0" marB="0" anchor="ctr"/>
-                </a:tc>
-                <a:tc>
-                  <a:txBody>
-                    <a:bodyPr/>
-                    <a:lstStyle/>
-                    <a:p>
-                      <a:pPr algn="l"/>
-                      <a:r>
-                        <a:rPr lang="en-US" sz="2000" kern="100">
-                          <a:effectLst/>
-                          <a:latin typeface="Calibri" panose="020F0502020204030204" pitchFamily="34" charset="0"/>
-                          <a:ea typeface="Calibri" panose="020F0502020204030204" pitchFamily="34" charset="0"/>
-                          <a:cs typeface="Arial" panose="020B0604020202020204" pitchFamily="34" charset="0"/>
-                        </a:rPr>
-                        <a:t>Play</a:t>
-                      </a:r>
-                      <a:endParaRPr lang="en-PK" sz="2000" kern="100">
-                        <a:effectLst/>
-                        <a:latin typeface="Calibri" panose="020F0502020204030204" pitchFamily="34" charset="0"/>
-                        <a:ea typeface="Calibri" panose="020F0502020204030204" pitchFamily="34" charset="0"/>
-                        <a:cs typeface="Arial" panose="020B0604020202020204" pitchFamily="34" charset="0"/>
-                      </a:endParaRPr>
-                    </a:p>
-                  </a:txBody>
-                  <a:tcPr marL="68580" marR="68580" marT="0" marB="0" anchor="ctr"/>
-                </a:tc>
-                <a:tc>
-                  <a:txBody>
-                    <a:bodyPr/>
-                    <a:lstStyle/>
-                    <a:p>
-                      <a:pPr algn="l"/>
-                      <a:r>
-                        <a:rPr lang="en-US" sz="2000" i="1" kern="100" dirty="0">
-                          <a:effectLst/>
-                          <a:latin typeface="Calibri" panose="020F0502020204030204" pitchFamily="34" charset="0"/>
-                          <a:ea typeface="Calibri" panose="020F0502020204030204" pitchFamily="34" charset="0"/>
-                          <a:cs typeface="Arial" panose="020B0604020202020204" pitchFamily="34" charset="0"/>
-                        </a:rPr>
-                        <a:t>Manually (played YouTube from MacBook)</a:t>
-                      </a:r>
-                      <a:endParaRPr lang="en-PK" sz="2000" kern="100" dirty="0">
-                        <a:effectLst/>
-                        <a:latin typeface="Calibri" panose="020F0502020204030204" pitchFamily="34" charset="0"/>
-                        <a:ea typeface="Calibri" panose="020F0502020204030204" pitchFamily="34" charset="0"/>
-                        <a:cs typeface="Arial" panose="020B0604020202020204" pitchFamily="34" charset="0"/>
-                      </a:endParaRPr>
-                    </a:p>
-                  </a:txBody>
-                  <a:tcPr marL="68580" marR="68580" marT="0" marB="0" anchor="ctr"/>
-                </a:tc>
-                <a:tc>
-                  <a:txBody>
-                    <a:bodyPr/>
-                    <a:lstStyle/>
-                    <a:p>
-                      <a:pPr algn="ctr"/>
-                      <a:r>
-                        <a:rPr lang="en-US" sz="2000" i="1" kern="100" dirty="0">
-                          <a:effectLst/>
-                          <a:latin typeface="Calibri" panose="020F0502020204030204" pitchFamily="34" charset="0"/>
-                          <a:ea typeface="Calibri" panose="020F0502020204030204" pitchFamily="34" charset="0"/>
-                          <a:cs typeface="Arial" panose="020B0604020202020204" pitchFamily="34" charset="0"/>
-                        </a:rPr>
-                        <a:t>Audio streaming)</a:t>
-                      </a:r>
-                      <a:endParaRPr lang="en-PK" sz="2000" kern="100" dirty="0">
-                        <a:effectLst/>
-                        <a:latin typeface="Calibri" panose="020F0502020204030204" pitchFamily="34" charset="0"/>
-                        <a:ea typeface="Calibri" panose="020F0502020204030204" pitchFamily="34" charset="0"/>
-                        <a:cs typeface="Arial" panose="020B0604020202020204" pitchFamily="34" charset="0"/>
-                      </a:endParaRPr>
-                    </a:p>
-                  </a:txBody>
-                  <a:tcPr marL="68580" marR="68580" marT="0" marB="0" anchor="ctr"/>
-                </a:tc>
-                <a:extLst>
-                  <a:ext uri="{0D108BD9-81ED-4DB2-BD59-A6C34878D82A}">
-                    <a16:rowId xmlns:a16="http://schemas.microsoft.com/office/drawing/2014/main" val="2759697237"/>
-                  </a:ext>
-                </a:extLst>
-              </a:tr>
-            </a:tbl>
-          </a:graphicData>
-        </a:graphic>
-      </p:graphicFrame>
-      <p:sp>
-        <p:nvSpPr>
-          <p:cNvPr id="2" name="TextBox 1">
-            <a:extLst>
-              <a:ext uri="{FF2B5EF4-FFF2-40B4-BE49-F238E27FC236}">
-                <a16:creationId xmlns:a16="http://schemas.microsoft.com/office/drawing/2014/main" id="{62124052-BC48-B6E9-48C8-061CF39F04E5}"/>
-              </a:ext>
-            </a:extLst>
-          </p:cNvPr>
-          <p:cNvSpPr txBox="1"/>
-          <p:nvPr/>
-        </p:nvSpPr>
-        <p:spPr>
-          <a:xfrm>
-            <a:off x="2447364" y="6525125"/>
-            <a:ext cx="8713695" cy="338554"/>
-          </a:xfrm>
-          <a:prstGeom prst="rect">
-            <a:avLst/>
-          </a:prstGeom>
-          <a:noFill/>
-        </p:spPr>
-        <p:txBody>
-          <a:bodyPr wrap="square" rtlCol="0">
-            <a:spAutoFit/>
-          </a:bodyPr>
-          <a:lstStyle/>
-          <a:p>
-            <a:pPr algn="ctr"/>
-            <a:r>
-              <a:rPr lang="en-PK" sz="1600" i="1" dirty="0"/>
-              <a:t>Note: The text in highlighted in red is potential evidence to be searched in Echo Show Device Image</a:t>
-            </a:r>
-          </a:p>
-        </p:txBody>
-      </p:sp>
-    </p:spTree>
-    <p:extLst>
-      <p:ext uri="{BB962C8B-B14F-4D97-AF65-F5344CB8AC3E}">
-        <p14:creationId xmlns:p14="http://schemas.microsoft.com/office/powerpoint/2010/main" val="2500795591"/>
       </p:ext>
     </p:extLst>
   </p:cSld>
